--- a/draft-ietf-pce-sr-bidir-path-02.pptx
+++ b/draft-ietf-pce-sr-bidir-path-02.pptx
@@ -5,7 +5,7 @@
     <p:sldMasterId id="2147483648" r:id="rId1"/>
   </p:sldMasterIdLst>
   <p:notesMasterIdLst>
-    <p:notesMasterId r:id="rId21"/>
+    <p:notesMasterId r:id="rId11"/>
   </p:notesMasterIdLst>
   <p:sldIdLst>
     <p:sldId id="256" r:id="rId2"/>
@@ -17,16 +17,6 @@
     <p:sldId id="325" r:id="rId8"/>
     <p:sldId id="310" r:id="rId9"/>
     <p:sldId id="303" r:id="rId10"/>
-    <p:sldId id="327" r:id="rId11"/>
-    <p:sldId id="329" r:id="rId12"/>
-    <p:sldId id="330" r:id="rId13"/>
-    <p:sldId id="323" r:id="rId14"/>
-    <p:sldId id="321" r:id="rId15"/>
-    <p:sldId id="326" r:id="rId16"/>
-    <p:sldId id="320" r:id="rId17"/>
-    <p:sldId id="333" r:id="rId18"/>
-    <p:sldId id="332" r:id="rId19"/>
-    <p:sldId id="328" r:id="rId20"/>
   </p:sldIdLst>
   <p:sldSz cx="9144000" cy="5143500" type="screen16x9"/>
   <p:notesSz cx="6858000" cy="9144000"/>
@@ -699,923 +689,6 @@
     <p:extLst>
       <p:ext uri="{BB962C8B-B14F-4D97-AF65-F5344CB8AC3E}">
         <p14:creationId xmlns:p14="http://schemas.microsoft.com/office/powerpoint/2010/main" val="2406199315"/>
-      </p:ext>
-    </p:extLst>
-  </p:cSld>
-  <p:clrMapOvr>
-    <a:masterClrMapping/>
-  </p:clrMapOvr>
-</p:notes>
-</file>
-
-<file path=ppt/notesSlides/notesSlide10.xml><?xml version="1.0" encoding="utf-8"?>
-<p:notes xmlns:a="http://schemas.openxmlformats.org/drawingml/2006/main" xmlns:r="http://schemas.openxmlformats.org/officeDocument/2006/relationships" xmlns:p="http://schemas.openxmlformats.org/presentationml/2006/main">
-  <p:cSld>
-    <p:spTree>
-      <p:nvGrpSpPr>
-        <p:cNvPr id="1" name=""/>
-        <p:cNvGrpSpPr/>
-        <p:nvPr/>
-      </p:nvGrpSpPr>
-      <p:grpSpPr>
-        <a:xfrm>
-          <a:off x="0" y="0"/>
-          <a:ext cx="0" cy="0"/>
-          <a:chOff x="0" y="0"/>
-          <a:chExt cx="0" cy="0"/>
-        </a:xfrm>
-      </p:grpSpPr>
-      <p:sp>
-        <p:nvSpPr>
-          <p:cNvPr id="2" name="Slide Image Placeholder 1"/>
-          <p:cNvSpPr>
-            <a:spLocks noGrp="1" noRot="1" noChangeAspect="1"/>
-          </p:cNvSpPr>
-          <p:nvPr>
-            <p:ph type="sldImg"/>
-          </p:nvPr>
-        </p:nvSpPr>
-        <p:spPr/>
-      </p:sp>
-      <p:sp>
-        <p:nvSpPr>
-          <p:cNvPr id="3" name="Notes Placeholder 2"/>
-          <p:cNvSpPr>
-            <a:spLocks noGrp="1"/>
-          </p:cNvSpPr>
-          <p:nvPr>
-            <p:ph type="body" idx="1"/>
-          </p:nvPr>
-        </p:nvSpPr>
-        <p:spPr/>
-        <p:txBody>
-          <a:bodyPr/>
-          <a:lstStyle/>
-          <a:p>
-            <a:endParaRPr lang="en-CA" dirty="0"/>
-          </a:p>
-        </p:txBody>
-      </p:sp>
-      <p:sp>
-        <p:nvSpPr>
-          <p:cNvPr id="4" name="Slide Number Placeholder 3"/>
-          <p:cNvSpPr>
-            <a:spLocks noGrp="1"/>
-          </p:cNvSpPr>
-          <p:nvPr>
-            <p:ph type="sldNum" sz="quarter" idx="10"/>
-          </p:nvPr>
-        </p:nvSpPr>
-        <p:spPr/>
-        <p:txBody>
-          <a:bodyPr/>
-          <a:lstStyle/>
-          <a:p>
-            <a:pPr>
-              <a:defRPr/>
-            </a:pPr>
-            <a:fld id="{100938BD-FD70-4535-B0C2-13FC38CDF1BE}" type="slidenum">
-              <a:rPr lang="en-US" altLang="zh-CN" smtClean="0"/>
-              <a:pPr>
-                <a:defRPr/>
-              </a:pPr>
-              <a:t>10</a:t>
-            </a:fld>
-            <a:endParaRPr lang="en-US" altLang="zh-CN"/>
-          </a:p>
-        </p:txBody>
-      </p:sp>
-    </p:spTree>
-    <p:extLst>
-      <p:ext uri="{BB962C8B-B14F-4D97-AF65-F5344CB8AC3E}">
-        <p14:creationId xmlns:p14="http://schemas.microsoft.com/office/powerpoint/2010/main" val="3355528501"/>
-      </p:ext>
-    </p:extLst>
-  </p:cSld>
-  <p:clrMapOvr>
-    <a:masterClrMapping/>
-  </p:clrMapOvr>
-</p:notes>
-</file>
-
-<file path=ppt/notesSlides/notesSlide11.xml><?xml version="1.0" encoding="utf-8"?>
-<p:notes xmlns:a="http://schemas.openxmlformats.org/drawingml/2006/main" xmlns:r="http://schemas.openxmlformats.org/officeDocument/2006/relationships" xmlns:p="http://schemas.openxmlformats.org/presentationml/2006/main">
-  <p:cSld>
-    <p:spTree>
-      <p:nvGrpSpPr>
-        <p:cNvPr id="1" name=""/>
-        <p:cNvGrpSpPr/>
-        <p:nvPr/>
-      </p:nvGrpSpPr>
-      <p:grpSpPr>
-        <a:xfrm>
-          <a:off x="0" y="0"/>
-          <a:ext cx="0" cy="0"/>
-          <a:chOff x="0" y="0"/>
-          <a:chExt cx="0" cy="0"/>
-        </a:xfrm>
-      </p:grpSpPr>
-      <p:sp>
-        <p:nvSpPr>
-          <p:cNvPr id="2" name="Slide Image Placeholder 1"/>
-          <p:cNvSpPr>
-            <a:spLocks noGrp="1" noRot="1" noChangeAspect="1"/>
-          </p:cNvSpPr>
-          <p:nvPr>
-            <p:ph type="sldImg"/>
-          </p:nvPr>
-        </p:nvSpPr>
-        <p:spPr/>
-      </p:sp>
-      <p:sp>
-        <p:nvSpPr>
-          <p:cNvPr id="3" name="Notes Placeholder 2"/>
-          <p:cNvSpPr>
-            <a:spLocks noGrp="1"/>
-          </p:cNvSpPr>
-          <p:nvPr>
-            <p:ph type="body" idx="1"/>
-          </p:nvPr>
-        </p:nvSpPr>
-        <p:spPr/>
-        <p:txBody>
-          <a:bodyPr/>
-          <a:lstStyle/>
-          <a:p>
-            <a:endParaRPr lang="en-CA" dirty="0"/>
-          </a:p>
-        </p:txBody>
-      </p:sp>
-      <p:sp>
-        <p:nvSpPr>
-          <p:cNvPr id="4" name="Slide Number Placeholder 3"/>
-          <p:cNvSpPr>
-            <a:spLocks noGrp="1"/>
-          </p:cNvSpPr>
-          <p:nvPr>
-            <p:ph type="sldNum" sz="quarter" idx="10"/>
-          </p:nvPr>
-        </p:nvSpPr>
-        <p:spPr/>
-        <p:txBody>
-          <a:bodyPr/>
-          <a:lstStyle/>
-          <a:p>
-            <a:pPr>
-              <a:defRPr/>
-            </a:pPr>
-            <a:fld id="{100938BD-FD70-4535-B0C2-13FC38CDF1BE}" type="slidenum">
-              <a:rPr lang="en-US" altLang="zh-CN" smtClean="0"/>
-              <a:pPr>
-                <a:defRPr/>
-              </a:pPr>
-              <a:t>11</a:t>
-            </a:fld>
-            <a:endParaRPr lang="en-US" altLang="zh-CN"/>
-          </a:p>
-        </p:txBody>
-      </p:sp>
-    </p:spTree>
-    <p:extLst>
-      <p:ext uri="{BB962C8B-B14F-4D97-AF65-F5344CB8AC3E}">
-        <p14:creationId xmlns:p14="http://schemas.microsoft.com/office/powerpoint/2010/main" val="1681073561"/>
-      </p:ext>
-    </p:extLst>
-  </p:cSld>
-  <p:clrMapOvr>
-    <a:masterClrMapping/>
-  </p:clrMapOvr>
-</p:notes>
-</file>
-
-<file path=ppt/notesSlides/notesSlide12.xml><?xml version="1.0" encoding="utf-8"?>
-<p:notes xmlns:a="http://schemas.openxmlformats.org/drawingml/2006/main" xmlns:r="http://schemas.openxmlformats.org/officeDocument/2006/relationships" xmlns:p="http://schemas.openxmlformats.org/presentationml/2006/main">
-  <p:cSld>
-    <p:spTree>
-      <p:nvGrpSpPr>
-        <p:cNvPr id="1" name=""/>
-        <p:cNvGrpSpPr/>
-        <p:nvPr/>
-      </p:nvGrpSpPr>
-      <p:grpSpPr>
-        <a:xfrm>
-          <a:off x="0" y="0"/>
-          <a:ext cx="0" cy="0"/>
-          <a:chOff x="0" y="0"/>
-          <a:chExt cx="0" cy="0"/>
-        </a:xfrm>
-      </p:grpSpPr>
-      <p:sp>
-        <p:nvSpPr>
-          <p:cNvPr id="2" name="Slide Image Placeholder 1"/>
-          <p:cNvSpPr>
-            <a:spLocks noGrp="1" noRot="1" noChangeAspect="1"/>
-          </p:cNvSpPr>
-          <p:nvPr>
-            <p:ph type="sldImg"/>
-          </p:nvPr>
-        </p:nvSpPr>
-        <p:spPr/>
-      </p:sp>
-      <p:sp>
-        <p:nvSpPr>
-          <p:cNvPr id="3" name="Notes Placeholder 2"/>
-          <p:cNvSpPr>
-            <a:spLocks noGrp="1"/>
-          </p:cNvSpPr>
-          <p:nvPr>
-            <p:ph type="body" idx="1"/>
-          </p:nvPr>
-        </p:nvSpPr>
-        <p:spPr/>
-        <p:txBody>
-          <a:bodyPr/>
-          <a:lstStyle/>
-          <a:p>
-            <a:endParaRPr lang="en-CA" dirty="0"/>
-          </a:p>
-        </p:txBody>
-      </p:sp>
-      <p:sp>
-        <p:nvSpPr>
-          <p:cNvPr id="4" name="Slide Number Placeholder 3"/>
-          <p:cNvSpPr>
-            <a:spLocks noGrp="1"/>
-          </p:cNvSpPr>
-          <p:nvPr>
-            <p:ph type="sldNum" sz="quarter" idx="10"/>
-          </p:nvPr>
-        </p:nvSpPr>
-        <p:spPr/>
-        <p:txBody>
-          <a:bodyPr/>
-          <a:lstStyle/>
-          <a:p>
-            <a:pPr>
-              <a:defRPr/>
-            </a:pPr>
-            <a:fld id="{100938BD-FD70-4535-B0C2-13FC38CDF1BE}" type="slidenum">
-              <a:rPr lang="en-US" altLang="zh-CN" smtClean="0"/>
-              <a:pPr>
-                <a:defRPr/>
-              </a:pPr>
-              <a:t>12</a:t>
-            </a:fld>
-            <a:endParaRPr lang="en-US" altLang="zh-CN"/>
-          </a:p>
-        </p:txBody>
-      </p:sp>
-    </p:spTree>
-    <p:extLst>
-      <p:ext uri="{BB962C8B-B14F-4D97-AF65-F5344CB8AC3E}">
-        <p14:creationId xmlns:p14="http://schemas.microsoft.com/office/powerpoint/2010/main" val="1697685724"/>
-      </p:ext>
-    </p:extLst>
-  </p:cSld>
-  <p:clrMapOvr>
-    <a:masterClrMapping/>
-  </p:clrMapOvr>
-</p:notes>
-</file>
-
-<file path=ppt/notesSlides/notesSlide13.xml><?xml version="1.0" encoding="utf-8"?>
-<p:notes xmlns:a="http://schemas.openxmlformats.org/drawingml/2006/main" xmlns:r="http://schemas.openxmlformats.org/officeDocument/2006/relationships" xmlns:p="http://schemas.openxmlformats.org/presentationml/2006/main">
-  <p:cSld>
-    <p:spTree>
-      <p:nvGrpSpPr>
-        <p:cNvPr id="1" name=""/>
-        <p:cNvGrpSpPr/>
-        <p:nvPr/>
-      </p:nvGrpSpPr>
-      <p:grpSpPr>
-        <a:xfrm>
-          <a:off x="0" y="0"/>
-          <a:ext cx="0" cy="0"/>
-          <a:chOff x="0" y="0"/>
-          <a:chExt cx="0" cy="0"/>
-        </a:xfrm>
-      </p:grpSpPr>
-      <p:sp>
-        <p:nvSpPr>
-          <p:cNvPr id="2" name="Slide Image Placeholder 1"/>
-          <p:cNvSpPr>
-            <a:spLocks noGrp="1" noRot="1" noChangeAspect="1"/>
-          </p:cNvSpPr>
-          <p:nvPr>
-            <p:ph type="sldImg"/>
-          </p:nvPr>
-        </p:nvSpPr>
-        <p:spPr/>
-      </p:sp>
-      <p:sp>
-        <p:nvSpPr>
-          <p:cNvPr id="3" name="Notes Placeholder 2"/>
-          <p:cNvSpPr>
-            <a:spLocks noGrp="1"/>
-          </p:cNvSpPr>
-          <p:nvPr>
-            <p:ph type="body" idx="1"/>
-          </p:nvPr>
-        </p:nvSpPr>
-        <p:spPr/>
-        <p:txBody>
-          <a:bodyPr/>
-          <a:lstStyle/>
-          <a:p>
-            <a:pPr marL="0" marR="0" lvl="0" indent="0" algn="l" defTabSz="914400" rtl="0" eaLnBrk="0" fontAlgn="base" latinLnBrk="0" hangingPunct="0">
-              <a:lnSpc>
-                <a:spcPct val="100000"/>
-              </a:lnSpc>
-              <a:spcBef>
-                <a:spcPct val="30000"/>
-              </a:spcBef>
-              <a:spcAft>
-                <a:spcPct val="0"/>
-              </a:spcAft>
-              <a:buClrTx/>
-              <a:buSzTx/>
-              <a:buFontTx/>
-              <a:buNone/>
-              <a:tabLst/>
-              <a:defRPr/>
-            </a:pPr>
-            <a:endParaRPr lang="en-CA" b="1" dirty="0"/>
-          </a:p>
-        </p:txBody>
-      </p:sp>
-      <p:sp>
-        <p:nvSpPr>
-          <p:cNvPr id="4" name="Slide Number Placeholder 3"/>
-          <p:cNvSpPr>
-            <a:spLocks noGrp="1"/>
-          </p:cNvSpPr>
-          <p:nvPr>
-            <p:ph type="sldNum" sz="quarter" idx="10"/>
-          </p:nvPr>
-        </p:nvSpPr>
-        <p:spPr/>
-        <p:txBody>
-          <a:bodyPr/>
-          <a:lstStyle/>
-          <a:p>
-            <a:pPr>
-              <a:defRPr/>
-            </a:pPr>
-            <a:fld id="{100938BD-FD70-4535-B0C2-13FC38CDF1BE}" type="slidenum">
-              <a:rPr lang="en-US" altLang="zh-CN" smtClean="0"/>
-              <a:pPr>
-                <a:defRPr/>
-              </a:pPr>
-              <a:t>13</a:t>
-            </a:fld>
-            <a:endParaRPr lang="en-US" altLang="zh-CN"/>
-          </a:p>
-        </p:txBody>
-      </p:sp>
-    </p:spTree>
-    <p:extLst>
-      <p:ext uri="{BB962C8B-B14F-4D97-AF65-F5344CB8AC3E}">
-        <p14:creationId xmlns:p14="http://schemas.microsoft.com/office/powerpoint/2010/main" val="878509876"/>
-      </p:ext>
-    </p:extLst>
-  </p:cSld>
-  <p:clrMapOvr>
-    <a:masterClrMapping/>
-  </p:clrMapOvr>
-</p:notes>
-</file>
-
-<file path=ppt/notesSlides/notesSlide14.xml><?xml version="1.0" encoding="utf-8"?>
-<p:notes xmlns:a="http://schemas.openxmlformats.org/drawingml/2006/main" xmlns:r="http://schemas.openxmlformats.org/officeDocument/2006/relationships" xmlns:p="http://schemas.openxmlformats.org/presentationml/2006/main">
-  <p:cSld>
-    <p:spTree>
-      <p:nvGrpSpPr>
-        <p:cNvPr id="1" name=""/>
-        <p:cNvGrpSpPr/>
-        <p:nvPr/>
-      </p:nvGrpSpPr>
-      <p:grpSpPr>
-        <a:xfrm>
-          <a:off x="0" y="0"/>
-          <a:ext cx="0" cy="0"/>
-          <a:chOff x="0" y="0"/>
-          <a:chExt cx="0" cy="0"/>
-        </a:xfrm>
-      </p:grpSpPr>
-      <p:sp>
-        <p:nvSpPr>
-          <p:cNvPr id="2" name="Slide Image Placeholder 1"/>
-          <p:cNvSpPr>
-            <a:spLocks noGrp="1" noRot="1" noChangeAspect="1"/>
-          </p:cNvSpPr>
-          <p:nvPr>
-            <p:ph type="sldImg"/>
-          </p:nvPr>
-        </p:nvSpPr>
-        <p:spPr/>
-      </p:sp>
-      <p:sp>
-        <p:nvSpPr>
-          <p:cNvPr id="3" name="Notes Placeholder 2"/>
-          <p:cNvSpPr>
-            <a:spLocks noGrp="1"/>
-          </p:cNvSpPr>
-          <p:nvPr>
-            <p:ph type="body" idx="1"/>
-          </p:nvPr>
-        </p:nvSpPr>
-        <p:spPr/>
-        <p:txBody>
-          <a:bodyPr/>
-          <a:lstStyle/>
-          <a:p>
-            <a:endParaRPr lang="en-CA" b="1" dirty="0"/>
-          </a:p>
-        </p:txBody>
-      </p:sp>
-      <p:sp>
-        <p:nvSpPr>
-          <p:cNvPr id="4" name="Slide Number Placeholder 3"/>
-          <p:cNvSpPr>
-            <a:spLocks noGrp="1"/>
-          </p:cNvSpPr>
-          <p:nvPr>
-            <p:ph type="sldNum" sz="quarter" idx="10"/>
-          </p:nvPr>
-        </p:nvSpPr>
-        <p:spPr/>
-        <p:txBody>
-          <a:bodyPr/>
-          <a:lstStyle/>
-          <a:p>
-            <a:pPr>
-              <a:defRPr/>
-            </a:pPr>
-            <a:fld id="{100938BD-FD70-4535-B0C2-13FC38CDF1BE}" type="slidenum">
-              <a:rPr lang="en-US" altLang="zh-CN" smtClean="0"/>
-              <a:pPr>
-                <a:defRPr/>
-              </a:pPr>
-              <a:t>14</a:t>
-            </a:fld>
-            <a:endParaRPr lang="en-US" altLang="zh-CN"/>
-          </a:p>
-        </p:txBody>
-      </p:sp>
-    </p:spTree>
-    <p:extLst>
-      <p:ext uri="{BB962C8B-B14F-4D97-AF65-F5344CB8AC3E}">
-        <p14:creationId xmlns:p14="http://schemas.microsoft.com/office/powerpoint/2010/main" val="1447381008"/>
-      </p:ext>
-    </p:extLst>
-  </p:cSld>
-  <p:clrMapOvr>
-    <a:masterClrMapping/>
-  </p:clrMapOvr>
-</p:notes>
-</file>
-
-<file path=ppt/notesSlides/notesSlide15.xml><?xml version="1.0" encoding="utf-8"?>
-<p:notes xmlns:a="http://schemas.openxmlformats.org/drawingml/2006/main" xmlns:r="http://schemas.openxmlformats.org/officeDocument/2006/relationships" xmlns:p="http://schemas.openxmlformats.org/presentationml/2006/main">
-  <p:cSld>
-    <p:spTree>
-      <p:nvGrpSpPr>
-        <p:cNvPr id="1" name=""/>
-        <p:cNvGrpSpPr/>
-        <p:nvPr/>
-      </p:nvGrpSpPr>
-      <p:grpSpPr>
-        <a:xfrm>
-          <a:off x="0" y="0"/>
-          <a:ext cx="0" cy="0"/>
-          <a:chOff x="0" y="0"/>
-          <a:chExt cx="0" cy="0"/>
-        </a:xfrm>
-      </p:grpSpPr>
-      <p:sp>
-        <p:nvSpPr>
-          <p:cNvPr id="2" name="Slide Image Placeholder 1"/>
-          <p:cNvSpPr>
-            <a:spLocks noGrp="1" noRot="1" noChangeAspect="1"/>
-          </p:cNvSpPr>
-          <p:nvPr>
-            <p:ph type="sldImg"/>
-          </p:nvPr>
-        </p:nvSpPr>
-        <p:spPr/>
-      </p:sp>
-      <p:sp>
-        <p:nvSpPr>
-          <p:cNvPr id="3" name="Notes Placeholder 2"/>
-          <p:cNvSpPr>
-            <a:spLocks noGrp="1"/>
-          </p:cNvSpPr>
-          <p:nvPr>
-            <p:ph type="body" idx="1"/>
-          </p:nvPr>
-        </p:nvSpPr>
-        <p:spPr/>
-        <p:txBody>
-          <a:bodyPr/>
-          <a:lstStyle/>
-          <a:p>
-            <a:endParaRPr lang="en-CA" dirty="0"/>
-          </a:p>
-        </p:txBody>
-      </p:sp>
-      <p:sp>
-        <p:nvSpPr>
-          <p:cNvPr id="4" name="Slide Number Placeholder 3"/>
-          <p:cNvSpPr>
-            <a:spLocks noGrp="1"/>
-          </p:cNvSpPr>
-          <p:nvPr>
-            <p:ph type="sldNum" sz="quarter" idx="10"/>
-          </p:nvPr>
-        </p:nvSpPr>
-        <p:spPr/>
-        <p:txBody>
-          <a:bodyPr/>
-          <a:lstStyle/>
-          <a:p>
-            <a:pPr>
-              <a:defRPr/>
-            </a:pPr>
-            <a:fld id="{100938BD-FD70-4535-B0C2-13FC38CDF1BE}" type="slidenum">
-              <a:rPr lang="en-US" altLang="zh-CN" smtClean="0"/>
-              <a:pPr>
-                <a:defRPr/>
-              </a:pPr>
-              <a:t>15</a:t>
-            </a:fld>
-            <a:endParaRPr lang="en-US" altLang="zh-CN"/>
-          </a:p>
-        </p:txBody>
-      </p:sp>
-    </p:spTree>
-    <p:extLst>
-      <p:ext uri="{BB962C8B-B14F-4D97-AF65-F5344CB8AC3E}">
-        <p14:creationId xmlns:p14="http://schemas.microsoft.com/office/powerpoint/2010/main" val="911082794"/>
-      </p:ext>
-    </p:extLst>
-  </p:cSld>
-  <p:clrMapOvr>
-    <a:masterClrMapping/>
-  </p:clrMapOvr>
-</p:notes>
-</file>
-
-<file path=ppt/notesSlides/notesSlide16.xml><?xml version="1.0" encoding="utf-8"?>
-<p:notes xmlns:a="http://schemas.openxmlformats.org/drawingml/2006/main" xmlns:r="http://schemas.openxmlformats.org/officeDocument/2006/relationships" xmlns:p="http://schemas.openxmlformats.org/presentationml/2006/main">
-  <p:cSld>
-    <p:spTree>
-      <p:nvGrpSpPr>
-        <p:cNvPr id="1" name=""/>
-        <p:cNvGrpSpPr/>
-        <p:nvPr/>
-      </p:nvGrpSpPr>
-      <p:grpSpPr>
-        <a:xfrm>
-          <a:off x="0" y="0"/>
-          <a:ext cx="0" cy="0"/>
-          <a:chOff x="0" y="0"/>
-          <a:chExt cx="0" cy="0"/>
-        </a:xfrm>
-      </p:grpSpPr>
-      <p:sp>
-        <p:nvSpPr>
-          <p:cNvPr id="2" name="Slide Image Placeholder 1"/>
-          <p:cNvSpPr>
-            <a:spLocks noGrp="1" noRot="1" noChangeAspect="1"/>
-          </p:cNvSpPr>
-          <p:nvPr>
-            <p:ph type="sldImg"/>
-          </p:nvPr>
-        </p:nvSpPr>
-        <p:spPr/>
-      </p:sp>
-      <p:sp>
-        <p:nvSpPr>
-          <p:cNvPr id="3" name="Notes Placeholder 2"/>
-          <p:cNvSpPr>
-            <a:spLocks noGrp="1"/>
-          </p:cNvSpPr>
-          <p:nvPr>
-            <p:ph type="body" idx="1"/>
-          </p:nvPr>
-        </p:nvSpPr>
-        <p:spPr/>
-        <p:txBody>
-          <a:bodyPr/>
-          <a:lstStyle/>
-          <a:p>
-            <a:endParaRPr lang="en-CA" b="1" i="0" dirty="0"/>
-          </a:p>
-        </p:txBody>
-      </p:sp>
-      <p:sp>
-        <p:nvSpPr>
-          <p:cNvPr id="4" name="Slide Number Placeholder 3"/>
-          <p:cNvSpPr>
-            <a:spLocks noGrp="1"/>
-          </p:cNvSpPr>
-          <p:nvPr>
-            <p:ph type="sldNum" sz="quarter" idx="10"/>
-          </p:nvPr>
-        </p:nvSpPr>
-        <p:spPr/>
-        <p:txBody>
-          <a:bodyPr/>
-          <a:lstStyle/>
-          <a:p>
-            <a:pPr>
-              <a:defRPr/>
-            </a:pPr>
-            <a:fld id="{100938BD-FD70-4535-B0C2-13FC38CDF1BE}" type="slidenum">
-              <a:rPr lang="en-US" altLang="zh-CN" smtClean="0"/>
-              <a:pPr>
-                <a:defRPr/>
-              </a:pPr>
-              <a:t>16</a:t>
-            </a:fld>
-            <a:endParaRPr lang="en-US" altLang="zh-CN"/>
-          </a:p>
-        </p:txBody>
-      </p:sp>
-    </p:spTree>
-    <p:extLst>
-      <p:ext uri="{BB962C8B-B14F-4D97-AF65-F5344CB8AC3E}">
-        <p14:creationId xmlns:p14="http://schemas.microsoft.com/office/powerpoint/2010/main" val="7000129"/>
-      </p:ext>
-    </p:extLst>
-  </p:cSld>
-  <p:clrMapOvr>
-    <a:masterClrMapping/>
-  </p:clrMapOvr>
-</p:notes>
-</file>
-
-<file path=ppt/notesSlides/notesSlide17.xml><?xml version="1.0" encoding="utf-8"?>
-<p:notes xmlns:a="http://schemas.openxmlformats.org/drawingml/2006/main" xmlns:r="http://schemas.openxmlformats.org/officeDocument/2006/relationships" xmlns:p="http://schemas.openxmlformats.org/presentationml/2006/main">
-  <p:cSld>
-    <p:spTree>
-      <p:nvGrpSpPr>
-        <p:cNvPr id="1" name=""/>
-        <p:cNvGrpSpPr/>
-        <p:nvPr/>
-      </p:nvGrpSpPr>
-      <p:grpSpPr>
-        <a:xfrm>
-          <a:off x="0" y="0"/>
-          <a:ext cx="0" cy="0"/>
-          <a:chOff x="0" y="0"/>
-          <a:chExt cx="0" cy="0"/>
-        </a:xfrm>
-      </p:grpSpPr>
-      <p:sp>
-        <p:nvSpPr>
-          <p:cNvPr id="2" name="Slide Image Placeholder 1"/>
-          <p:cNvSpPr>
-            <a:spLocks noGrp="1" noRot="1" noChangeAspect="1"/>
-          </p:cNvSpPr>
-          <p:nvPr>
-            <p:ph type="sldImg"/>
-          </p:nvPr>
-        </p:nvSpPr>
-        <p:spPr/>
-      </p:sp>
-      <p:sp>
-        <p:nvSpPr>
-          <p:cNvPr id="3" name="Notes Placeholder 2"/>
-          <p:cNvSpPr>
-            <a:spLocks noGrp="1"/>
-          </p:cNvSpPr>
-          <p:nvPr>
-            <p:ph type="body" idx="1"/>
-          </p:nvPr>
-        </p:nvSpPr>
-        <p:spPr/>
-        <p:txBody>
-          <a:bodyPr/>
-          <a:lstStyle/>
-          <a:p>
-            <a:endParaRPr lang="en-CA" dirty="0"/>
-          </a:p>
-        </p:txBody>
-      </p:sp>
-      <p:sp>
-        <p:nvSpPr>
-          <p:cNvPr id="4" name="Slide Number Placeholder 3"/>
-          <p:cNvSpPr>
-            <a:spLocks noGrp="1"/>
-          </p:cNvSpPr>
-          <p:nvPr>
-            <p:ph type="sldNum" sz="quarter" idx="10"/>
-          </p:nvPr>
-        </p:nvSpPr>
-        <p:spPr/>
-        <p:txBody>
-          <a:bodyPr/>
-          <a:lstStyle/>
-          <a:p>
-            <a:pPr>
-              <a:defRPr/>
-            </a:pPr>
-            <a:fld id="{100938BD-FD70-4535-B0C2-13FC38CDF1BE}" type="slidenum">
-              <a:rPr lang="en-US" altLang="zh-CN" smtClean="0"/>
-              <a:pPr>
-                <a:defRPr/>
-              </a:pPr>
-              <a:t>17</a:t>
-            </a:fld>
-            <a:endParaRPr lang="en-US" altLang="zh-CN"/>
-          </a:p>
-        </p:txBody>
-      </p:sp>
-    </p:spTree>
-    <p:extLst>
-      <p:ext uri="{BB962C8B-B14F-4D97-AF65-F5344CB8AC3E}">
-        <p14:creationId xmlns:p14="http://schemas.microsoft.com/office/powerpoint/2010/main" val="3137606698"/>
-      </p:ext>
-    </p:extLst>
-  </p:cSld>
-  <p:clrMapOvr>
-    <a:masterClrMapping/>
-  </p:clrMapOvr>
-</p:notes>
-</file>
-
-<file path=ppt/notesSlides/notesSlide18.xml><?xml version="1.0" encoding="utf-8"?>
-<p:notes xmlns:a="http://schemas.openxmlformats.org/drawingml/2006/main" xmlns:r="http://schemas.openxmlformats.org/officeDocument/2006/relationships" xmlns:p="http://schemas.openxmlformats.org/presentationml/2006/main">
-  <p:cSld>
-    <p:spTree>
-      <p:nvGrpSpPr>
-        <p:cNvPr id="1" name=""/>
-        <p:cNvGrpSpPr/>
-        <p:nvPr/>
-      </p:nvGrpSpPr>
-      <p:grpSpPr>
-        <a:xfrm>
-          <a:off x="0" y="0"/>
-          <a:ext cx="0" cy="0"/>
-          <a:chOff x="0" y="0"/>
-          <a:chExt cx="0" cy="0"/>
-        </a:xfrm>
-      </p:grpSpPr>
-      <p:sp>
-        <p:nvSpPr>
-          <p:cNvPr id="2" name="Slide Image Placeholder 1"/>
-          <p:cNvSpPr>
-            <a:spLocks noGrp="1" noRot="1" noChangeAspect="1"/>
-          </p:cNvSpPr>
-          <p:nvPr>
-            <p:ph type="sldImg"/>
-          </p:nvPr>
-        </p:nvSpPr>
-        <p:spPr/>
-      </p:sp>
-      <p:sp>
-        <p:nvSpPr>
-          <p:cNvPr id="3" name="Notes Placeholder 2"/>
-          <p:cNvSpPr>
-            <a:spLocks noGrp="1"/>
-          </p:cNvSpPr>
-          <p:nvPr>
-            <p:ph type="body" idx="1"/>
-          </p:nvPr>
-        </p:nvSpPr>
-        <p:spPr/>
-        <p:txBody>
-          <a:bodyPr/>
-          <a:lstStyle/>
-          <a:p>
-            <a:endParaRPr lang="en-CA" dirty="0"/>
-          </a:p>
-        </p:txBody>
-      </p:sp>
-      <p:sp>
-        <p:nvSpPr>
-          <p:cNvPr id="4" name="Slide Number Placeholder 3"/>
-          <p:cNvSpPr>
-            <a:spLocks noGrp="1"/>
-          </p:cNvSpPr>
-          <p:nvPr>
-            <p:ph type="sldNum" sz="quarter" idx="10"/>
-          </p:nvPr>
-        </p:nvSpPr>
-        <p:spPr/>
-        <p:txBody>
-          <a:bodyPr/>
-          <a:lstStyle/>
-          <a:p>
-            <a:pPr>
-              <a:defRPr/>
-            </a:pPr>
-            <a:fld id="{100938BD-FD70-4535-B0C2-13FC38CDF1BE}" type="slidenum">
-              <a:rPr lang="en-US" altLang="zh-CN" smtClean="0"/>
-              <a:pPr>
-                <a:defRPr/>
-              </a:pPr>
-              <a:t>18</a:t>
-            </a:fld>
-            <a:endParaRPr lang="en-US" altLang="zh-CN"/>
-          </a:p>
-        </p:txBody>
-      </p:sp>
-    </p:spTree>
-    <p:extLst>
-      <p:ext uri="{BB962C8B-B14F-4D97-AF65-F5344CB8AC3E}">
-        <p14:creationId xmlns:p14="http://schemas.microsoft.com/office/powerpoint/2010/main" val="2835127274"/>
-      </p:ext>
-    </p:extLst>
-  </p:cSld>
-  <p:clrMapOvr>
-    <a:masterClrMapping/>
-  </p:clrMapOvr>
-</p:notes>
-</file>
-
-<file path=ppt/notesSlides/notesSlide19.xml><?xml version="1.0" encoding="utf-8"?>
-<p:notes xmlns:a="http://schemas.openxmlformats.org/drawingml/2006/main" xmlns:r="http://schemas.openxmlformats.org/officeDocument/2006/relationships" xmlns:p="http://schemas.openxmlformats.org/presentationml/2006/main">
-  <p:cSld>
-    <p:spTree>
-      <p:nvGrpSpPr>
-        <p:cNvPr id="1" name=""/>
-        <p:cNvGrpSpPr/>
-        <p:nvPr/>
-      </p:nvGrpSpPr>
-      <p:grpSpPr>
-        <a:xfrm>
-          <a:off x="0" y="0"/>
-          <a:ext cx="0" cy="0"/>
-          <a:chOff x="0" y="0"/>
-          <a:chExt cx="0" cy="0"/>
-        </a:xfrm>
-      </p:grpSpPr>
-      <p:sp>
-        <p:nvSpPr>
-          <p:cNvPr id="2" name="Slide Image Placeholder 1"/>
-          <p:cNvSpPr>
-            <a:spLocks noGrp="1" noRot="1" noChangeAspect="1"/>
-          </p:cNvSpPr>
-          <p:nvPr>
-            <p:ph type="sldImg"/>
-          </p:nvPr>
-        </p:nvSpPr>
-        <p:spPr/>
-      </p:sp>
-      <p:sp>
-        <p:nvSpPr>
-          <p:cNvPr id="3" name="Notes Placeholder 2"/>
-          <p:cNvSpPr>
-            <a:spLocks noGrp="1"/>
-          </p:cNvSpPr>
-          <p:nvPr>
-            <p:ph type="body" idx="1"/>
-          </p:nvPr>
-        </p:nvSpPr>
-        <p:spPr/>
-        <p:txBody>
-          <a:bodyPr/>
-          <a:lstStyle/>
-          <a:p>
-            <a:endParaRPr lang="en-CA" dirty="0"/>
-          </a:p>
-        </p:txBody>
-      </p:sp>
-      <p:sp>
-        <p:nvSpPr>
-          <p:cNvPr id="4" name="Slide Number Placeholder 3"/>
-          <p:cNvSpPr>
-            <a:spLocks noGrp="1"/>
-          </p:cNvSpPr>
-          <p:nvPr>
-            <p:ph type="sldNum" sz="quarter" idx="10"/>
-          </p:nvPr>
-        </p:nvSpPr>
-        <p:spPr/>
-        <p:txBody>
-          <a:bodyPr/>
-          <a:lstStyle/>
-          <a:p>
-            <a:pPr>
-              <a:defRPr/>
-            </a:pPr>
-            <a:fld id="{100938BD-FD70-4535-B0C2-13FC38CDF1BE}" type="slidenum">
-              <a:rPr lang="en-US" altLang="zh-CN" smtClean="0"/>
-              <a:pPr>
-                <a:defRPr/>
-              </a:pPr>
-              <a:t>19</a:t>
-            </a:fld>
-            <a:endParaRPr lang="en-US" altLang="zh-CN"/>
-          </a:p>
-        </p:txBody>
-      </p:sp>
-    </p:spTree>
-    <p:extLst>
-      <p:ext uri="{BB962C8B-B14F-4D97-AF65-F5344CB8AC3E}">
-        <p14:creationId xmlns:p14="http://schemas.microsoft.com/office/powerpoint/2010/main" val="595322172"/>
       </p:ext>
     </p:extLst>
   </p:cSld>
@@ -5959,4259 +5032,6 @@
     <p:extLst>
       <p:ext uri="{BB962C8B-B14F-4D97-AF65-F5344CB8AC3E}">
         <p14:creationId xmlns:p14="http://schemas.microsoft.com/office/powerpoint/2010/main" val="1017647380"/>
-      </p:ext>
-    </p:extLst>
-  </p:cSld>
-  <p:clrMapOvr>
-    <a:masterClrMapping/>
-  </p:clrMapOvr>
-</p:sld>
-</file>
-
-<file path=ppt/slides/slide10.xml><?xml version="1.0" encoding="utf-8"?>
-<p:sld xmlns:a="http://schemas.openxmlformats.org/drawingml/2006/main" xmlns:r="http://schemas.openxmlformats.org/officeDocument/2006/relationships" xmlns:p="http://schemas.openxmlformats.org/presentationml/2006/main">
-  <p:cSld>
-    <p:spTree>
-      <p:nvGrpSpPr>
-        <p:cNvPr id="1" name=""/>
-        <p:cNvGrpSpPr/>
-        <p:nvPr/>
-      </p:nvGrpSpPr>
-      <p:grpSpPr>
-        <a:xfrm>
-          <a:off x="0" y="0"/>
-          <a:ext cx="0" cy="0"/>
-          <a:chOff x="0" y="0"/>
-          <a:chExt cx="0" cy="0"/>
-        </a:xfrm>
-      </p:grpSpPr>
-      <p:sp>
-        <p:nvSpPr>
-          <p:cNvPr id="2" name="Rectangle 2"/>
-          <p:cNvSpPr>
-            <a:spLocks noGrp="1" noChangeArrowheads="1"/>
-          </p:cNvSpPr>
-          <p:nvPr>
-            <p:ph type="ctrTitle"/>
-          </p:nvPr>
-        </p:nvSpPr>
-        <p:spPr>
-          <a:xfrm>
-            <a:off x="0" y="612570"/>
-            <a:ext cx="9067800" cy="1676400"/>
-          </a:xfrm>
-        </p:spPr>
-        <p:txBody>
-          <a:bodyPr>
-            <a:noAutofit/>
-          </a:bodyPr>
-          <a:lstStyle/>
-          <a:p>
-            <a:r>
-              <a:rPr lang="en-US" sz="3200" dirty="0">
-                <a:latin typeface="Calibri" charset="0"/>
-                <a:ea typeface="Calibri" charset="0"/>
-                <a:cs typeface="Calibri" charset="0"/>
-              </a:rPr>
-              <a:t>PCEP</a:t>
-            </a:r>
-            <a:r>
-              <a:rPr lang="en-US" sz="3600" dirty="0">
-                <a:latin typeface="Calibri" charset="0"/>
-                <a:ea typeface="Calibri" charset="0"/>
-                <a:cs typeface="Calibri" charset="0"/>
-              </a:rPr>
-              <a:t> Extensions for Associated Bidirectional Label Switched Paths (LSPs) with </a:t>
-            </a:r>
-            <a:r>
-              <a:rPr lang="en-US" sz="3600" dirty="0" err="1">
-                <a:latin typeface="Calibri" charset="0"/>
-                <a:ea typeface="Calibri" charset="0"/>
-                <a:cs typeface="Calibri" charset="0"/>
-              </a:rPr>
-              <a:t>Stateful</a:t>
-            </a:r>
-            <a:r>
-              <a:rPr lang="en-US" sz="3600" dirty="0">
-                <a:latin typeface="Calibri" charset="0"/>
-                <a:ea typeface="Calibri" charset="0"/>
-                <a:cs typeface="Calibri" charset="0"/>
-              </a:rPr>
-              <a:t> PCE</a:t>
-            </a:r>
-          </a:p>
-        </p:txBody>
-      </p:sp>
-      <p:sp>
-        <p:nvSpPr>
-          <p:cNvPr id="2051" name="Rectangle 3"/>
-          <p:cNvSpPr>
-            <a:spLocks noGrp="1" noChangeArrowheads="1"/>
-          </p:cNvSpPr>
-          <p:nvPr>
-            <p:ph type="subTitle" idx="1"/>
-          </p:nvPr>
-        </p:nvSpPr>
-        <p:spPr>
-          <a:xfrm>
-            <a:off x="762000" y="2190750"/>
-            <a:ext cx="7696200" cy="685800"/>
-          </a:xfrm>
-        </p:spPr>
-        <p:txBody>
-          <a:bodyPr/>
-          <a:lstStyle/>
-          <a:p>
-            <a:r>
-              <a:rPr lang="en-CA" sz="2400" i="1" dirty="0"/>
-              <a:t>draft-ietf-pce-association-bidir-06</a:t>
-            </a:r>
-            <a:endParaRPr lang="en-US" sz="2400" i="1" dirty="0">
-              <a:latin typeface="Calibri" charset="0"/>
-              <a:ea typeface="Calibri" charset="0"/>
-              <a:cs typeface="Calibri" charset="0"/>
-            </a:endParaRPr>
-          </a:p>
-        </p:txBody>
-      </p:sp>
-      <p:sp>
-        <p:nvSpPr>
-          <p:cNvPr id="2052" name="Rectangle 4"/>
-          <p:cNvSpPr>
-            <a:spLocks noChangeArrowheads="1"/>
-          </p:cNvSpPr>
-          <p:nvPr/>
-        </p:nvSpPr>
-        <p:spPr bwMode="auto">
-          <a:xfrm>
-            <a:off x="2438400" y="2952750"/>
-            <a:ext cx="5867400" cy="1328738"/>
-          </a:xfrm>
-          <a:prstGeom prst="rect">
-            <a:avLst/>
-          </a:prstGeom>
-          <a:noFill/>
-          <a:ln w="9525">
-            <a:noFill/>
-            <a:miter lim="800000"/>
-            <a:headEnd/>
-            <a:tailEnd/>
-          </a:ln>
-        </p:spPr>
-        <p:txBody>
-          <a:bodyPr/>
-          <a:lstStyle/>
-          <a:p>
-            <a:pPr>
-              <a:spcBef>
-                <a:spcPct val="20000"/>
-              </a:spcBef>
-            </a:pPr>
-            <a:r>
-              <a:rPr lang="en-US" altLang="zh-CN" i="1" dirty="0">
-                <a:latin typeface="Calibri" charset="0"/>
-                <a:ea typeface="Calibri" charset="0"/>
-                <a:cs typeface="Calibri" charset="0"/>
-              </a:rPr>
-              <a:t>Rakesh Gandhi (</a:t>
-            </a:r>
-            <a:r>
-              <a:rPr lang="en-US" altLang="zh-CN" i="1" dirty="0" err="1">
-                <a:latin typeface="Calibri" charset="0"/>
-                <a:ea typeface="Calibri" charset="0"/>
-                <a:cs typeface="Calibri" charset="0"/>
-              </a:rPr>
-              <a:t>rgandhi@cisco.com</a:t>
-            </a:r>
-            <a:r>
-              <a:rPr lang="en-US" altLang="zh-CN" i="1" dirty="0">
-                <a:latin typeface="Calibri" charset="0"/>
-                <a:ea typeface="Calibri" charset="0"/>
-                <a:cs typeface="Calibri" charset="0"/>
-              </a:rPr>
-              <a:t>) </a:t>
-            </a:r>
-          </a:p>
-          <a:p>
-            <a:pPr>
-              <a:spcBef>
-                <a:spcPct val="20000"/>
-              </a:spcBef>
-            </a:pPr>
-            <a:r>
-              <a:rPr lang="en-US" altLang="zh-CN" i="1" dirty="0">
-                <a:latin typeface="Calibri" charset="0"/>
-                <a:ea typeface="Calibri" charset="0"/>
-                <a:cs typeface="Calibri" charset="0"/>
-              </a:rPr>
-              <a:t>Colby Barth (</a:t>
-            </a:r>
-            <a:r>
-              <a:rPr lang="en-US" i="1" dirty="0" err="1">
-                <a:latin typeface="Calibri" charset="0"/>
-                <a:ea typeface="Calibri" charset="0"/>
-                <a:cs typeface="Calibri" charset="0"/>
-              </a:rPr>
-              <a:t>cbarth@juniper.net</a:t>
-            </a:r>
-            <a:r>
-              <a:rPr lang="en-US" i="1" dirty="0">
-                <a:latin typeface="Calibri" charset="0"/>
-                <a:ea typeface="Calibri" charset="0"/>
-                <a:cs typeface="Calibri" charset="0"/>
-              </a:rPr>
-              <a:t>)</a:t>
-            </a:r>
-            <a:endParaRPr lang="en-US" altLang="zh-CN" i="1" dirty="0">
-              <a:latin typeface="Calibri" charset="0"/>
-              <a:ea typeface="Calibri" charset="0"/>
-              <a:cs typeface="Calibri" charset="0"/>
-            </a:endParaRPr>
-          </a:p>
-          <a:p>
-            <a:pPr>
-              <a:spcBef>
-                <a:spcPct val="20000"/>
-              </a:spcBef>
-            </a:pPr>
-            <a:r>
-              <a:rPr lang="en-US" altLang="zh-CN" i="1" dirty="0">
-                <a:latin typeface="Calibri" charset="0"/>
-                <a:ea typeface="Calibri" charset="0"/>
-                <a:cs typeface="Calibri" charset="0"/>
-              </a:rPr>
-              <a:t>Bin Wen (</a:t>
-            </a:r>
-            <a:r>
-              <a:rPr lang="en-US" i="1" dirty="0" err="1">
-                <a:latin typeface="Calibri" charset="0"/>
-                <a:ea typeface="Calibri" charset="0"/>
-                <a:cs typeface="Calibri" charset="0"/>
-              </a:rPr>
-              <a:t>Bin_Wen@comcast.com</a:t>
-            </a:r>
-            <a:r>
-              <a:rPr lang="en-US" i="1" dirty="0">
-                <a:latin typeface="Calibri" charset="0"/>
-                <a:ea typeface="Calibri" charset="0"/>
-                <a:cs typeface="Calibri" charset="0"/>
-              </a:rPr>
-              <a:t>)</a:t>
-            </a:r>
-            <a:endParaRPr lang="en-US" altLang="zh-CN" i="1" dirty="0">
-              <a:latin typeface="Calibri" charset="0"/>
-              <a:ea typeface="Calibri" charset="0"/>
-              <a:cs typeface="Calibri" charset="0"/>
-            </a:endParaRPr>
-          </a:p>
-        </p:txBody>
-      </p:sp>
-      <p:sp>
-        <p:nvSpPr>
-          <p:cNvPr id="6" name="Footer Placeholder 3"/>
-          <p:cNvSpPr>
-            <a:spLocks noGrp="1"/>
-          </p:cNvSpPr>
-          <p:nvPr>
-            <p:ph type="ftr" sz="quarter" idx="11"/>
-          </p:nvPr>
-        </p:nvSpPr>
-        <p:spPr>
-          <a:xfrm>
-            <a:off x="3124200" y="4782728"/>
-            <a:ext cx="2895600" cy="357188"/>
-          </a:xfrm>
-        </p:spPr>
-        <p:txBody>
-          <a:bodyPr/>
-          <a:lstStyle/>
-          <a:p>
-            <a:pPr>
-              <a:defRPr/>
-            </a:pPr>
-            <a:r>
-              <a:rPr lang="en-US" altLang="zh-CN" dirty="0"/>
-              <a:t>108</a:t>
-            </a:r>
-            <a:r>
-              <a:rPr lang="en-US" altLang="zh-CN" baseline="30000" dirty="0"/>
-              <a:t>th</a:t>
-            </a:r>
-            <a:r>
-              <a:rPr lang="en-US" altLang="zh-CN" dirty="0"/>
-              <a:t> IETF @ Madrid</a:t>
-            </a:r>
-          </a:p>
-        </p:txBody>
-      </p:sp>
-      <p:sp>
-        <p:nvSpPr>
-          <p:cNvPr id="3" name="Slide Number Placeholder 2">
-            <a:extLst>
-              <a:ext uri="{FF2B5EF4-FFF2-40B4-BE49-F238E27FC236}">
-                <a16:creationId xmlns:a16="http://schemas.microsoft.com/office/drawing/2014/main" id="{5137BAEC-FA47-1C4C-8030-AB7E0F182A32}"/>
-              </a:ext>
-            </a:extLst>
-          </p:cNvPr>
-          <p:cNvSpPr>
-            <a:spLocks noGrp="1"/>
-          </p:cNvSpPr>
-          <p:nvPr>
-            <p:ph type="sldNum" sz="quarter" idx="12"/>
-          </p:nvPr>
-        </p:nvSpPr>
-        <p:spPr/>
-        <p:txBody>
-          <a:bodyPr/>
-          <a:lstStyle/>
-          <a:p>
-            <a:pPr>
-              <a:defRPr/>
-            </a:pPr>
-            <a:fld id="{D5EE1D1A-EEC2-4D53-94A7-85D62C853479}" type="slidenum">
-              <a:rPr lang="en-US" altLang="zh-CN" smtClean="0"/>
-              <a:pPr>
-                <a:defRPr/>
-              </a:pPr>
-              <a:t>10</a:t>
-            </a:fld>
-            <a:endParaRPr lang="en-US" altLang="zh-CN"/>
-          </a:p>
-        </p:txBody>
-      </p:sp>
-    </p:spTree>
-    <p:extLst>
-      <p:ext uri="{BB962C8B-B14F-4D97-AF65-F5344CB8AC3E}">
-        <p14:creationId xmlns:p14="http://schemas.microsoft.com/office/powerpoint/2010/main" val="673101887"/>
-      </p:ext>
-    </p:extLst>
-  </p:cSld>
-  <p:clrMapOvr>
-    <a:masterClrMapping/>
-  </p:clrMapOvr>
-</p:sld>
-</file>
-
-<file path=ppt/slides/slide11.xml><?xml version="1.0" encoding="utf-8"?>
-<p:sld xmlns:a="http://schemas.openxmlformats.org/drawingml/2006/main" xmlns:r="http://schemas.openxmlformats.org/officeDocument/2006/relationships" xmlns:p="http://schemas.openxmlformats.org/presentationml/2006/main">
-  <p:cSld>
-    <p:spTree>
-      <p:nvGrpSpPr>
-        <p:cNvPr id="1" name=""/>
-        <p:cNvGrpSpPr/>
-        <p:nvPr/>
-      </p:nvGrpSpPr>
-      <p:grpSpPr>
-        <a:xfrm>
-          <a:off x="0" y="0"/>
-          <a:ext cx="0" cy="0"/>
-          <a:chOff x="0" y="0"/>
-          <a:chExt cx="0" cy="0"/>
-        </a:xfrm>
-      </p:grpSpPr>
-      <p:sp>
-        <p:nvSpPr>
-          <p:cNvPr id="2" name="Title 1"/>
-          <p:cNvSpPr>
-            <a:spLocks noGrp="1"/>
-          </p:cNvSpPr>
-          <p:nvPr>
-            <p:ph type="title"/>
-          </p:nvPr>
-        </p:nvSpPr>
-        <p:spPr>
-          <a:xfrm>
-            <a:off x="457200" y="19050"/>
-            <a:ext cx="8229600" cy="857250"/>
-          </a:xfrm>
-        </p:spPr>
-        <p:txBody>
-          <a:bodyPr/>
-          <a:lstStyle/>
-          <a:p>
-            <a:r>
-              <a:rPr lang="en-US" sz="3600" dirty="0">
-                <a:solidFill>
-                  <a:srgbClr val="002060"/>
-                </a:solidFill>
-                <a:latin typeface="Calibri" charset="0"/>
-                <a:ea typeface="Calibri" charset="0"/>
-                <a:cs typeface="Calibri" charset="0"/>
-              </a:rPr>
-              <a:t>Agenda</a:t>
-            </a:r>
-          </a:p>
-        </p:txBody>
-      </p:sp>
-      <p:sp>
-        <p:nvSpPr>
-          <p:cNvPr id="3" name="Content Placeholder 2"/>
-          <p:cNvSpPr>
-            <a:spLocks noGrp="1"/>
-          </p:cNvSpPr>
-          <p:nvPr>
-            <p:ph idx="1"/>
-          </p:nvPr>
-        </p:nvSpPr>
-        <p:spPr>
-          <a:xfrm>
-            <a:off x="457200" y="1047750"/>
-            <a:ext cx="8229600" cy="3223022"/>
-          </a:xfrm>
-        </p:spPr>
-        <p:txBody>
-          <a:bodyPr/>
-          <a:lstStyle/>
-          <a:p>
-            <a:pPr>
-              <a:spcBef>
-                <a:spcPts val="600"/>
-              </a:spcBef>
-            </a:pPr>
-            <a:r>
-              <a:rPr lang="en-US" sz="2400" dirty="0"/>
-              <a:t>Requirements and Scope</a:t>
-            </a:r>
-          </a:p>
-          <a:p>
-            <a:pPr>
-              <a:spcBef>
-                <a:spcPts val="600"/>
-              </a:spcBef>
-            </a:pPr>
-            <a:r>
-              <a:rPr lang="en-US" sz="2400" dirty="0">
-                <a:latin typeface="Calibri" charset="0"/>
-                <a:ea typeface="Calibri" charset="0"/>
-                <a:cs typeface="Calibri" charset="0"/>
-              </a:rPr>
-              <a:t>Double-sided Associated Bidirectional LSP</a:t>
-            </a:r>
-          </a:p>
-          <a:p>
-            <a:pPr>
-              <a:spcBef>
-                <a:spcPts val="600"/>
-              </a:spcBef>
-            </a:pPr>
-            <a:r>
-              <a:rPr lang="en-US" sz="2400" dirty="0"/>
-              <a:t>Single-sided Associated Bidirectional LSP</a:t>
-            </a:r>
-          </a:p>
-          <a:p>
-            <a:pPr>
-              <a:spcBef>
-                <a:spcPts val="600"/>
-              </a:spcBef>
-            </a:pPr>
-            <a:r>
-              <a:rPr lang="en-US" sz="2400" dirty="0">
-                <a:latin typeface="Calibri" charset="0"/>
-                <a:ea typeface="Calibri" charset="0"/>
-                <a:cs typeface="Calibri" charset="0"/>
-              </a:rPr>
-              <a:t>PCEP Object Definitions</a:t>
-            </a:r>
-          </a:p>
-          <a:p>
-            <a:pPr>
-              <a:spcBef>
-                <a:spcPts val="600"/>
-              </a:spcBef>
-            </a:pPr>
-            <a:r>
-              <a:rPr lang="en-US" sz="2400" dirty="0">
-                <a:latin typeface="Calibri" charset="0"/>
-                <a:ea typeface="Calibri" charset="0"/>
-                <a:cs typeface="Calibri" charset="0"/>
-              </a:rPr>
-              <a:t>Next Steps</a:t>
-            </a:r>
-          </a:p>
-        </p:txBody>
-      </p:sp>
-      <p:sp>
-        <p:nvSpPr>
-          <p:cNvPr id="4" name="Footer Placeholder 3"/>
-          <p:cNvSpPr>
-            <a:spLocks noGrp="1"/>
-          </p:cNvSpPr>
-          <p:nvPr>
-            <p:ph type="ftr" sz="quarter" idx="11"/>
-          </p:nvPr>
-        </p:nvSpPr>
-        <p:spPr>
-          <a:xfrm>
-            <a:off x="3124200" y="4786312"/>
-            <a:ext cx="2895600" cy="357188"/>
-          </a:xfrm>
-        </p:spPr>
-        <p:txBody>
-          <a:bodyPr/>
-          <a:lstStyle/>
-          <a:p>
-            <a:pPr>
-              <a:defRPr/>
-            </a:pPr>
-            <a:r>
-              <a:rPr lang="en-US" altLang="zh-CN" dirty="0"/>
-              <a:t>108</a:t>
-            </a:r>
-            <a:r>
-              <a:rPr lang="en-US" altLang="zh-CN" baseline="30000" dirty="0"/>
-              <a:t>th</a:t>
-            </a:r>
-            <a:r>
-              <a:rPr lang="en-US" altLang="zh-CN" dirty="0"/>
-              <a:t> IETF @ Madrid</a:t>
-            </a:r>
-          </a:p>
-        </p:txBody>
-      </p:sp>
-      <p:sp>
-        <p:nvSpPr>
-          <p:cNvPr id="5" name="Slide Number Placeholder 4">
-            <a:extLst>
-              <a:ext uri="{FF2B5EF4-FFF2-40B4-BE49-F238E27FC236}">
-                <a16:creationId xmlns:a16="http://schemas.microsoft.com/office/drawing/2014/main" id="{64D6C5B3-062D-124B-A664-B3B1E8166493}"/>
-              </a:ext>
-            </a:extLst>
-          </p:cNvPr>
-          <p:cNvSpPr>
-            <a:spLocks noGrp="1"/>
-          </p:cNvSpPr>
-          <p:nvPr>
-            <p:ph type="sldNum" sz="quarter" idx="12"/>
-          </p:nvPr>
-        </p:nvSpPr>
-        <p:spPr/>
-        <p:txBody>
-          <a:bodyPr/>
-          <a:lstStyle/>
-          <a:p>
-            <a:pPr>
-              <a:defRPr/>
-            </a:pPr>
-            <a:fld id="{BD6E0F59-1DD8-40FC-9C92-B6295CBA6CCA}" type="slidenum">
-              <a:rPr lang="en-US" altLang="zh-CN" smtClean="0"/>
-              <a:pPr>
-                <a:defRPr/>
-              </a:pPr>
-              <a:t>11</a:t>
-            </a:fld>
-            <a:endParaRPr lang="en-US" altLang="zh-CN"/>
-          </a:p>
-        </p:txBody>
-      </p:sp>
-    </p:spTree>
-    <p:extLst>
-      <p:ext uri="{BB962C8B-B14F-4D97-AF65-F5344CB8AC3E}">
-        <p14:creationId xmlns:p14="http://schemas.microsoft.com/office/powerpoint/2010/main" val="2300622389"/>
-      </p:ext>
-    </p:extLst>
-  </p:cSld>
-  <p:clrMapOvr>
-    <a:masterClrMapping/>
-  </p:clrMapOvr>
-</p:sld>
-</file>
-
-<file path=ppt/slides/slide12.xml><?xml version="1.0" encoding="utf-8"?>
-<p:sld xmlns:a="http://schemas.openxmlformats.org/drawingml/2006/main" xmlns:r="http://schemas.openxmlformats.org/officeDocument/2006/relationships" xmlns:p="http://schemas.openxmlformats.org/presentationml/2006/main">
-  <p:cSld>
-    <p:spTree>
-      <p:nvGrpSpPr>
-        <p:cNvPr id="1" name=""/>
-        <p:cNvGrpSpPr/>
-        <p:nvPr/>
-      </p:nvGrpSpPr>
-      <p:grpSpPr>
-        <a:xfrm>
-          <a:off x="0" y="0"/>
-          <a:ext cx="0" cy="0"/>
-          <a:chOff x="0" y="0"/>
-          <a:chExt cx="0" cy="0"/>
-        </a:xfrm>
-      </p:grpSpPr>
-      <p:sp>
-        <p:nvSpPr>
-          <p:cNvPr id="2" name="Title 1"/>
-          <p:cNvSpPr>
-            <a:spLocks noGrp="1"/>
-          </p:cNvSpPr>
-          <p:nvPr>
-            <p:ph type="title"/>
-          </p:nvPr>
-        </p:nvSpPr>
-        <p:spPr>
-          <a:xfrm>
-            <a:off x="457200" y="73131"/>
-            <a:ext cx="8229600" cy="857250"/>
-          </a:xfrm>
-        </p:spPr>
-        <p:txBody>
-          <a:bodyPr/>
-          <a:lstStyle/>
-          <a:p>
-            <a:r>
-              <a:rPr lang="en-US" sz="3600" dirty="0">
-                <a:solidFill>
-                  <a:srgbClr val="002060"/>
-                </a:solidFill>
-              </a:rPr>
-              <a:t>Requirements and Scope</a:t>
-            </a:r>
-          </a:p>
-        </p:txBody>
-      </p:sp>
-      <p:sp>
-        <p:nvSpPr>
-          <p:cNvPr id="3" name="Content Placeholder 2"/>
-          <p:cNvSpPr>
-            <a:spLocks noGrp="1"/>
-          </p:cNvSpPr>
-          <p:nvPr>
-            <p:ph idx="1"/>
-          </p:nvPr>
-        </p:nvSpPr>
-        <p:spPr>
-          <a:xfrm>
-            <a:off x="457200" y="1009650"/>
-            <a:ext cx="8229600" cy="3124200"/>
-          </a:xfrm>
-        </p:spPr>
-        <p:txBody>
-          <a:bodyPr/>
-          <a:lstStyle/>
-          <a:p>
-            <a:pPr marL="0" indent="0">
-              <a:buNone/>
-            </a:pPr>
-            <a:r>
-              <a:rPr lang="en-US" sz="1800" dirty="0"/>
-              <a:t>Requirements:</a:t>
-            </a:r>
-          </a:p>
-          <a:p>
-            <a:pPr lvl="1"/>
-            <a:r>
-              <a:rPr lang="en-US" sz="1800" dirty="0"/>
-              <a:t>Packet transport networks deploying bidirectional RSVP LSPs</a:t>
-            </a:r>
-          </a:p>
-          <a:p>
-            <a:pPr lvl="1"/>
-            <a:r>
-              <a:rPr lang="en-US" sz="1800" dirty="0"/>
-              <a:t>Co-routed and non-co-routed forward and reverse RSVP LSPs</a:t>
-            </a:r>
-          </a:p>
-          <a:p>
-            <a:pPr marL="0" indent="0">
-              <a:buNone/>
-            </a:pPr>
-            <a:r>
-              <a:rPr lang="en-US" sz="1800" dirty="0"/>
-              <a:t>Scope:</a:t>
-            </a:r>
-          </a:p>
-          <a:p>
-            <a:pPr lvl="1"/>
-            <a:r>
-              <a:rPr lang="en-US" sz="1800" dirty="0"/>
-              <a:t>Associated bidirectional RSVP LSPs</a:t>
-            </a:r>
-          </a:p>
-          <a:p>
-            <a:pPr lvl="1"/>
-            <a:r>
-              <a:rPr lang="en-US" sz="1800" dirty="0"/>
-              <a:t>PCE-Initiated LSPs</a:t>
-            </a:r>
-          </a:p>
-          <a:p>
-            <a:pPr lvl="1"/>
-            <a:r>
-              <a:rPr lang="en-US" sz="1800" dirty="0"/>
-              <a:t>PCC-Initiated LSPs</a:t>
-            </a:r>
-          </a:p>
-          <a:p>
-            <a:pPr lvl="1"/>
-            <a:r>
-              <a:rPr lang="en-US" sz="1800" dirty="0"/>
-              <a:t>Stateless PCE (e.g. for co-routed path computation requests)</a:t>
-            </a:r>
-          </a:p>
-        </p:txBody>
-      </p:sp>
-      <p:sp>
-        <p:nvSpPr>
-          <p:cNvPr id="4" name="Footer Placeholder 3"/>
-          <p:cNvSpPr>
-            <a:spLocks noGrp="1"/>
-          </p:cNvSpPr>
-          <p:nvPr>
-            <p:ph type="ftr" sz="quarter" idx="11"/>
-          </p:nvPr>
-        </p:nvSpPr>
-        <p:spPr>
-          <a:xfrm>
-            <a:off x="3124200" y="4786312"/>
-            <a:ext cx="2895600" cy="357188"/>
-          </a:xfrm>
-        </p:spPr>
-        <p:txBody>
-          <a:bodyPr/>
-          <a:lstStyle/>
-          <a:p>
-            <a:pPr>
-              <a:defRPr/>
-            </a:pPr>
-            <a:r>
-              <a:rPr lang="en-US" altLang="zh-CN" dirty="0"/>
-              <a:t>108</a:t>
-            </a:r>
-            <a:r>
-              <a:rPr lang="en-US" altLang="zh-CN" baseline="30000" dirty="0"/>
-              <a:t>th</a:t>
-            </a:r>
-            <a:r>
-              <a:rPr lang="en-US" altLang="zh-CN" dirty="0"/>
-              <a:t> IETF @ Madrid</a:t>
-            </a:r>
-          </a:p>
-        </p:txBody>
-      </p:sp>
-      <p:sp>
-        <p:nvSpPr>
-          <p:cNvPr id="5" name="Slide Number Placeholder 4">
-            <a:extLst>
-              <a:ext uri="{FF2B5EF4-FFF2-40B4-BE49-F238E27FC236}">
-                <a16:creationId xmlns:a16="http://schemas.microsoft.com/office/drawing/2014/main" id="{A7AF22AD-A51B-324E-A865-AC2A0317DE20}"/>
-              </a:ext>
-            </a:extLst>
-          </p:cNvPr>
-          <p:cNvSpPr>
-            <a:spLocks noGrp="1"/>
-          </p:cNvSpPr>
-          <p:nvPr>
-            <p:ph type="sldNum" sz="quarter" idx="12"/>
-          </p:nvPr>
-        </p:nvSpPr>
-        <p:spPr/>
-        <p:txBody>
-          <a:bodyPr/>
-          <a:lstStyle/>
-          <a:p>
-            <a:pPr>
-              <a:defRPr/>
-            </a:pPr>
-            <a:fld id="{BD6E0F59-1DD8-40FC-9C92-B6295CBA6CCA}" type="slidenum">
-              <a:rPr lang="en-US" altLang="zh-CN" smtClean="0"/>
-              <a:pPr>
-                <a:defRPr/>
-              </a:pPr>
-              <a:t>12</a:t>
-            </a:fld>
-            <a:endParaRPr lang="en-US" altLang="zh-CN"/>
-          </a:p>
-        </p:txBody>
-      </p:sp>
-    </p:spTree>
-    <p:extLst>
-      <p:ext uri="{BB962C8B-B14F-4D97-AF65-F5344CB8AC3E}">
-        <p14:creationId xmlns:p14="http://schemas.microsoft.com/office/powerpoint/2010/main" val="2382928015"/>
-      </p:ext>
-    </p:extLst>
-  </p:cSld>
-  <p:clrMapOvr>
-    <a:masterClrMapping/>
-  </p:clrMapOvr>
-</p:sld>
-</file>
-
-<file path=ppt/slides/slide13.xml><?xml version="1.0" encoding="utf-8"?>
-<p:sld xmlns:a="http://schemas.openxmlformats.org/drawingml/2006/main" xmlns:r="http://schemas.openxmlformats.org/officeDocument/2006/relationships" xmlns:p="http://schemas.openxmlformats.org/presentationml/2006/main">
-  <p:cSld>
-    <p:spTree>
-      <p:nvGrpSpPr>
-        <p:cNvPr id="1" name=""/>
-        <p:cNvGrpSpPr/>
-        <p:nvPr/>
-      </p:nvGrpSpPr>
-      <p:grpSpPr>
-        <a:xfrm>
-          <a:off x="0" y="0"/>
-          <a:ext cx="0" cy="0"/>
-          <a:chOff x="0" y="0"/>
-          <a:chExt cx="0" cy="0"/>
-        </a:xfrm>
-      </p:grpSpPr>
-      <p:sp>
-        <p:nvSpPr>
-          <p:cNvPr id="23" name="Rounded Rectangle 8">
-            <a:extLst>
-              <a:ext uri="{FF2B5EF4-FFF2-40B4-BE49-F238E27FC236}">
-                <a16:creationId xmlns:a16="http://schemas.microsoft.com/office/drawing/2014/main" id="{EA7AEFCA-8E6C-4C1F-BD56-5643E351B9A5}"/>
-              </a:ext>
-            </a:extLst>
-          </p:cNvPr>
-          <p:cNvSpPr/>
-          <p:nvPr/>
-        </p:nvSpPr>
-        <p:spPr>
-          <a:xfrm>
-            <a:off x="1716019" y="1621671"/>
-            <a:ext cx="1716314" cy="1747656"/>
-          </a:xfrm>
-          <a:prstGeom prst="roundRect">
-            <a:avLst/>
-          </a:prstGeom>
-          <a:solidFill>
-            <a:schemeClr val="bg1"/>
-          </a:solidFill>
-        </p:spPr>
-        <p:style>
-          <a:lnRef idx="2">
-            <a:schemeClr val="accent1">
-              <a:shade val="50000"/>
-            </a:schemeClr>
-          </a:lnRef>
-          <a:fillRef idx="1">
-            <a:schemeClr val="accent1"/>
-          </a:fillRef>
-          <a:effectRef idx="0">
-            <a:schemeClr val="accent1"/>
-          </a:effectRef>
-          <a:fontRef idx="minor">
-            <a:schemeClr val="lt1"/>
-          </a:fontRef>
-        </p:style>
-        <p:txBody>
-          <a:bodyPr rtlCol="0" anchor="t" anchorCtr="0"/>
-          <a:lstStyle/>
-          <a:p>
-            <a:pPr algn="ctr"/>
-            <a:r>
-              <a:rPr lang="en-US" b="1" dirty="0">
-                <a:solidFill>
-                  <a:schemeClr val="tx2"/>
-                </a:solidFill>
-              </a:rPr>
-              <a:t>Tunnel-AD</a:t>
-            </a:r>
-          </a:p>
-        </p:txBody>
-      </p:sp>
-      <p:sp>
-        <p:nvSpPr>
-          <p:cNvPr id="2" name="Title 1"/>
-          <p:cNvSpPr>
-            <a:spLocks noGrp="1"/>
-          </p:cNvSpPr>
-          <p:nvPr>
-            <p:ph type="title"/>
-          </p:nvPr>
-        </p:nvSpPr>
-        <p:spPr>
-          <a:xfrm>
-            <a:off x="0" y="10818"/>
-            <a:ext cx="9144000" cy="788800"/>
-          </a:xfrm>
-        </p:spPr>
-        <p:txBody>
-          <a:bodyPr/>
-          <a:lstStyle/>
-          <a:p>
-            <a:r>
-              <a:rPr lang="en-US" sz="3200" dirty="0">
-                <a:solidFill>
-                  <a:srgbClr val="002060"/>
-                </a:solidFill>
-              </a:rPr>
-              <a:t>Single-sided Associated Bidirectional LSP</a:t>
-            </a:r>
-          </a:p>
-        </p:txBody>
-      </p:sp>
-      <p:sp>
-        <p:nvSpPr>
-          <p:cNvPr id="4" name="Footer Placeholder 3"/>
-          <p:cNvSpPr>
-            <a:spLocks noGrp="1"/>
-          </p:cNvSpPr>
-          <p:nvPr>
-            <p:ph type="ftr" sz="quarter" idx="11"/>
-          </p:nvPr>
-        </p:nvSpPr>
-        <p:spPr>
-          <a:xfrm>
-            <a:off x="3124200" y="4788472"/>
-            <a:ext cx="2895600" cy="357188"/>
-          </a:xfrm>
-        </p:spPr>
-        <p:txBody>
-          <a:bodyPr/>
-          <a:lstStyle/>
-          <a:p>
-            <a:pPr>
-              <a:defRPr/>
-            </a:pPr>
-            <a:r>
-              <a:rPr lang="en-US" altLang="zh-CN" dirty="0"/>
-              <a:t>108</a:t>
-            </a:r>
-            <a:r>
-              <a:rPr lang="en-US" altLang="zh-CN" baseline="30000" dirty="0"/>
-              <a:t>th</a:t>
-            </a:r>
-            <a:r>
-              <a:rPr lang="en-US" altLang="zh-CN" dirty="0"/>
-              <a:t> IETF @ Madrid</a:t>
-            </a:r>
-          </a:p>
-        </p:txBody>
-      </p:sp>
-      <p:sp>
-        <p:nvSpPr>
-          <p:cNvPr id="5" name="Rounded Rectangle 4"/>
-          <p:cNvSpPr/>
-          <p:nvPr/>
-        </p:nvSpPr>
-        <p:spPr>
-          <a:xfrm>
-            <a:off x="342051" y="782490"/>
-            <a:ext cx="1447800" cy="914400"/>
-          </a:xfrm>
-          <a:prstGeom prst="roundRect">
-            <a:avLst/>
-          </a:prstGeom>
-          <a:solidFill>
-            <a:srgbClr val="0070C0"/>
-          </a:solidFill>
-        </p:spPr>
-        <p:style>
-          <a:lnRef idx="2">
-            <a:schemeClr val="accent1">
-              <a:shade val="50000"/>
-            </a:schemeClr>
-          </a:lnRef>
-          <a:fillRef idx="1">
-            <a:schemeClr val="accent1"/>
-          </a:fillRef>
-          <a:effectRef idx="0">
-            <a:schemeClr val="accent1"/>
-          </a:effectRef>
-          <a:fontRef idx="minor">
-            <a:schemeClr val="lt1"/>
-          </a:fontRef>
-        </p:style>
-        <p:txBody>
-          <a:bodyPr rtlCol="0" anchor="ctr"/>
-          <a:lstStyle/>
-          <a:p>
-            <a:pPr algn="ctr"/>
-            <a:r>
-              <a:rPr lang="en-US"/>
-              <a:t>STATEFUL PCE</a:t>
-            </a:r>
-            <a:endParaRPr lang="en-US" dirty="0"/>
-          </a:p>
-        </p:txBody>
-      </p:sp>
-      <p:sp>
-        <p:nvSpPr>
-          <p:cNvPr id="3" name="Oval 2"/>
-          <p:cNvSpPr/>
-          <p:nvPr/>
-        </p:nvSpPr>
-        <p:spPr>
-          <a:xfrm>
-            <a:off x="450850" y="3409950"/>
-            <a:ext cx="1314450" cy="1273969"/>
-          </a:xfrm>
-          <a:prstGeom prst="ellipse">
-            <a:avLst/>
-          </a:prstGeom>
-          <a:solidFill>
-            <a:srgbClr val="0070C0"/>
-          </a:solidFill>
-        </p:spPr>
-        <p:style>
-          <a:lnRef idx="2">
-            <a:schemeClr val="accent1">
-              <a:shade val="50000"/>
-            </a:schemeClr>
-          </a:lnRef>
-          <a:fillRef idx="1">
-            <a:schemeClr val="accent1"/>
-          </a:fillRef>
-          <a:effectRef idx="0">
-            <a:schemeClr val="accent1"/>
-          </a:effectRef>
-          <a:fontRef idx="minor">
-            <a:schemeClr val="lt1"/>
-          </a:fontRef>
-        </p:style>
-        <p:txBody>
-          <a:bodyPr rtlCol="0" anchor="ctr"/>
-          <a:lstStyle/>
-          <a:p>
-            <a:pPr algn="ctr"/>
-            <a:r>
-              <a:rPr lang="en-US" dirty="0"/>
-              <a:t>PCC End-point-A</a:t>
-            </a:r>
-          </a:p>
-        </p:txBody>
-      </p:sp>
-      <p:sp>
-        <p:nvSpPr>
-          <p:cNvPr id="22" name="Oval 21"/>
-          <p:cNvSpPr/>
-          <p:nvPr/>
-        </p:nvSpPr>
-        <p:spPr>
-          <a:xfrm>
-            <a:off x="7391400" y="3409950"/>
-            <a:ext cx="1295400" cy="1261267"/>
-          </a:xfrm>
-          <a:prstGeom prst="ellipse">
-            <a:avLst/>
-          </a:prstGeom>
-        </p:spPr>
-        <p:style>
-          <a:lnRef idx="2">
-            <a:schemeClr val="accent1">
-              <a:shade val="50000"/>
-            </a:schemeClr>
-          </a:lnRef>
-          <a:fillRef idx="1">
-            <a:schemeClr val="accent1"/>
-          </a:fillRef>
-          <a:effectRef idx="0">
-            <a:schemeClr val="accent1"/>
-          </a:effectRef>
-          <a:fontRef idx="minor">
-            <a:schemeClr val="lt1"/>
-          </a:fontRef>
-        </p:style>
-        <p:txBody>
-          <a:bodyPr rtlCol="0" anchor="ctr"/>
-          <a:lstStyle/>
-          <a:p>
-            <a:pPr algn="ctr"/>
-            <a:r>
-              <a:rPr lang="en-US" dirty="0"/>
-              <a:t>End-point-D</a:t>
-            </a:r>
-          </a:p>
-        </p:txBody>
-      </p:sp>
-      <p:sp>
-        <p:nvSpPr>
-          <p:cNvPr id="24" name="Oval 23"/>
-          <p:cNvSpPr/>
-          <p:nvPr/>
-        </p:nvSpPr>
-        <p:spPr>
-          <a:xfrm>
-            <a:off x="2908300" y="3422650"/>
-            <a:ext cx="1308100" cy="1261269"/>
-          </a:xfrm>
-          <a:prstGeom prst="ellipse">
-            <a:avLst/>
-          </a:prstGeom>
-        </p:spPr>
-        <p:style>
-          <a:lnRef idx="2">
-            <a:schemeClr val="accent1">
-              <a:shade val="50000"/>
-            </a:schemeClr>
-          </a:lnRef>
-          <a:fillRef idx="1">
-            <a:schemeClr val="accent1"/>
-          </a:fillRef>
-          <a:effectRef idx="0">
-            <a:schemeClr val="accent1"/>
-          </a:effectRef>
-          <a:fontRef idx="minor">
-            <a:schemeClr val="lt1"/>
-          </a:fontRef>
-        </p:style>
-        <p:txBody>
-          <a:bodyPr rtlCol="0" anchor="ctr"/>
-          <a:lstStyle/>
-          <a:p>
-            <a:pPr algn="ctr"/>
-            <a:r>
-              <a:rPr lang="en-US" dirty="0"/>
-              <a:t>Node-B</a:t>
-            </a:r>
-          </a:p>
-        </p:txBody>
-      </p:sp>
-      <p:sp>
-        <p:nvSpPr>
-          <p:cNvPr id="25" name="Oval 24"/>
-          <p:cNvSpPr/>
-          <p:nvPr/>
-        </p:nvSpPr>
-        <p:spPr>
-          <a:xfrm>
-            <a:off x="5207000" y="3409951"/>
-            <a:ext cx="1270000" cy="1261268"/>
-          </a:xfrm>
-          <a:prstGeom prst="ellipse">
-            <a:avLst/>
-          </a:prstGeom>
-        </p:spPr>
-        <p:style>
-          <a:lnRef idx="2">
-            <a:schemeClr val="accent1">
-              <a:shade val="50000"/>
-            </a:schemeClr>
-          </a:lnRef>
-          <a:fillRef idx="1">
-            <a:schemeClr val="accent1"/>
-          </a:fillRef>
-          <a:effectRef idx="0">
-            <a:schemeClr val="accent1"/>
-          </a:effectRef>
-          <a:fontRef idx="minor">
-            <a:schemeClr val="lt1"/>
-          </a:fontRef>
-        </p:style>
-        <p:txBody>
-          <a:bodyPr rtlCol="0" anchor="ctr"/>
-          <a:lstStyle/>
-          <a:p>
-            <a:pPr algn="ctr"/>
-            <a:r>
-              <a:rPr lang="en-US" dirty="0"/>
-              <a:t>Node-C</a:t>
-            </a:r>
-          </a:p>
-        </p:txBody>
-      </p:sp>
-      <p:sp>
-        <p:nvSpPr>
-          <p:cNvPr id="9" name="Rounded Rectangle 8"/>
-          <p:cNvSpPr/>
-          <p:nvPr/>
-        </p:nvSpPr>
-        <p:spPr>
-          <a:xfrm>
-            <a:off x="1812176" y="2067197"/>
-            <a:ext cx="1524000" cy="533400"/>
-          </a:xfrm>
-          <a:prstGeom prst="roundRect">
-            <a:avLst/>
-          </a:prstGeom>
-          <a:solidFill>
-            <a:schemeClr val="bg2">
-              <a:lumMod val="90000"/>
-            </a:schemeClr>
-          </a:solidFill>
-        </p:spPr>
-        <p:style>
-          <a:lnRef idx="2">
-            <a:schemeClr val="accent1">
-              <a:shade val="50000"/>
-            </a:schemeClr>
-          </a:lnRef>
-          <a:fillRef idx="1">
-            <a:schemeClr val="accent1"/>
-          </a:fillRef>
-          <a:effectRef idx="0">
-            <a:schemeClr val="accent1"/>
-          </a:effectRef>
-          <a:fontRef idx="minor">
-            <a:schemeClr val="lt1"/>
-          </a:fontRef>
-        </p:style>
-        <p:txBody>
-          <a:bodyPr rtlCol="0" anchor="ctr"/>
-          <a:lstStyle/>
-          <a:p>
-            <a:pPr algn="ctr"/>
-            <a:r>
-              <a:rPr lang="en-US" dirty="0"/>
-              <a:t>LSP1 (F,C)</a:t>
-            </a:r>
-          </a:p>
-        </p:txBody>
-      </p:sp>
-      <p:sp>
-        <p:nvSpPr>
-          <p:cNvPr id="10" name="Rounded Rectangle 9"/>
-          <p:cNvSpPr/>
-          <p:nvPr/>
-        </p:nvSpPr>
-        <p:spPr>
-          <a:xfrm>
-            <a:off x="1812176" y="2728873"/>
-            <a:ext cx="1524000" cy="533400"/>
-          </a:xfrm>
-          <a:prstGeom prst="roundRect">
-            <a:avLst/>
-          </a:prstGeom>
-          <a:solidFill>
-            <a:srgbClr val="00B0F0"/>
-          </a:solidFill>
-          <a:ln>
-            <a:solidFill>
-              <a:schemeClr val="accent1">
-                <a:lumMod val="60000"/>
-                <a:lumOff val="40000"/>
-              </a:schemeClr>
-            </a:solidFill>
-          </a:ln>
-        </p:spPr>
-        <p:style>
-          <a:lnRef idx="2">
-            <a:schemeClr val="accent1">
-              <a:shade val="50000"/>
-            </a:schemeClr>
-          </a:lnRef>
-          <a:fillRef idx="1">
-            <a:schemeClr val="accent1"/>
-          </a:fillRef>
-          <a:effectRef idx="0">
-            <a:schemeClr val="accent1"/>
-          </a:effectRef>
-          <a:fontRef idx="minor">
-            <a:schemeClr val="lt1"/>
-          </a:fontRef>
-        </p:style>
-        <p:txBody>
-          <a:bodyPr rtlCol="0" anchor="ctr"/>
-          <a:lstStyle/>
-          <a:p>
-            <a:pPr algn="ctr"/>
-            <a:r>
-              <a:rPr lang="en-US" dirty="0"/>
-              <a:t>LSP2 (R,C)</a:t>
-            </a:r>
-          </a:p>
-        </p:txBody>
-      </p:sp>
-      <p:sp>
-        <p:nvSpPr>
-          <p:cNvPr id="6" name="Right Arrow 5"/>
-          <p:cNvSpPr/>
-          <p:nvPr/>
-        </p:nvSpPr>
-        <p:spPr>
-          <a:xfrm>
-            <a:off x="1841500" y="3743325"/>
-            <a:ext cx="990600" cy="276225"/>
-          </a:xfrm>
-          <a:prstGeom prst="rightArrow">
-            <a:avLst/>
-          </a:prstGeom>
-          <a:solidFill>
-            <a:schemeClr val="bg2">
-              <a:lumMod val="90000"/>
-            </a:schemeClr>
-          </a:solidFill>
-        </p:spPr>
-        <p:style>
-          <a:lnRef idx="2">
-            <a:schemeClr val="accent1">
-              <a:shade val="50000"/>
-            </a:schemeClr>
-          </a:lnRef>
-          <a:fillRef idx="1">
-            <a:schemeClr val="accent1"/>
-          </a:fillRef>
-          <a:effectRef idx="0">
-            <a:schemeClr val="accent1"/>
-          </a:effectRef>
-          <a:fontRef idx="minor">
-            <a:schemeClr val="lt1"/>
-          </a:fontRef>
-        </p:style>
-        <p:txBody>
-          <a:bodyPr rtlCol="0" anchor="ctr"/>
-          <a:lstStyle/>
-          <a:p>
-            <a:pPr algn="ctr"/>
-            <a:endParaRPr lang="en-US"/>
-          </a:p>
-        </p:txBody>
-      </p:sp>
-      <p:sp>
-        <p:nvSpPr>
-          <p:cNvPr id="7" name="Right Arrow 6"/>
-          <p:cNvSpPr/>
-          <p:nvPr/>
-        </p:nvSpPr>
-        <p:spPr>
-          <a:xfrm>
-            <a:off x="4318000" y="3738960"/>
-            <a:ext cx="825500" cy="280590"/>
-          </a:xfrm>
-          <a:prstGeom prst="rightArrow">
-            <a:avLst/>
-          </a:prstGeom>
-          <a:solidFill>
-            <a:schemeClr val="bg2">
-              <a:lumMod val="90000"/>
-            </a:schemeClr>
-          </a:solidFill>
-        </p:spPr>
-        <p:style>
-          <a:lnRef idx="2">
-            <a:schemeClr val="accent1">
-              <a:shade val="50000"/>
-            </a:schemeClr>
-          </a:lnRef>
-          <a:fillRef idx="1">
-            <a:schemeClr val="accent1"/>
-          </a:fillRef>
-          <a:effectRef idx="0">
-            <a:schemeClr val="accent1"/>
-          </a:effectRef>
-          <a:fontRef idx="minor">
-            <a:schemeClr val="lt1"/>
-          </a:fontRef>
-        </p:style>
-        <p:txBody>
-          <a:bodyPr rtlCol="0" anchor="ctr"/>
-          <a:lstStyle/>
-          <a:p>
-            <a:pPr algn="ctr"/>
-            <a:endParaRPr lang="en-US"/>
-          </a:p>
-        </p:txBody>
-      </p:sp>
-      <p:sp>
-        <p:nvSpPr>
-          <p:cNvPr id="8" name="Right Arrow 7"/>
-          <p:cNvSpPr/>
-          <p:nvPr/>
-        </p:nvSpPr>
-        <p:spPr>
-          <a:xfrm>
-            <a:off x="6564086" y="3738960"/>
-            <a:ext cx="762000" cy="280590"/>
-          </a:xfrm>
-          <a:prstGeom prst="rightArrow">
-            <a:avLst/>
-          </a:prstGeom>
-          <a:solidFill>
-            <a:schemeClr val="bg2">
-              <a:lumMod val="90000"/>
-            </a:schemeClr>
-          </a:solidFill>
-        </p:spPr>
-        <p:style>
-          <a:lnRef idx="2">
-            <a:schemeClr val="accent1">
-              <a:shade val="50000"/>
-            </a:schemeClr>
-          </a:lnRef>
-          <a:fillRef idx="1">
-            <a:schemeClr val="accent1"/>
-          </a:fillRef>
-          <a:effectRef idx="0">
-            <a:schemeClr val="accent1"/>
-          </a:effectRef>
-          <a:fontRef idx="minor">
-            <a:schemeClr val="lt1"/>
-          </a:fontRef>
-        </p:style>
-        <p:txBody>
-          <a:bodyPr rtlCol="0" anchor="ctr"/>
-          <a:lstStyle/>
-          <a:p>
-            <a:pPr algn="ctr"/>
-            <a:endParaRPr lang="en-US"/>
-          </a:p>
-        </p:txBody>
-      </p:sp>
-      <p:sp>
-        <p:nvSpPr>
-          <p:cNvPr id="12" name="Left Arrow 11"/>
-          <p:cNvSpPr/>
-          <p:nvPr/>
-        </p:nvSpPr>
-        <p:spPr>
-          <a:xfrm>
-            <a:off x="6502400" y="4171950"/>
-            <a:ext cx="838200" cy="228600"/>
-          </a:xfrm>
-          <a:prstGeom prst="leftArrow">
-            <a:avLst/>
-          </a:prstGeom>
-          <a:solidFill>
-            <a:srgbClr val="00B0F0"/>
-          </a:solidFill>
-        </p:spPr>
-        <p:style>
-          <a:lnRef idx="2">
-            <a:schemeClr val="accent1">
-              <a:shade val="50000"/>
-            </a:schemeClr>
-          </a:lnRef>
-          <a:fillRef idx="1">
-            <a:schemeClr val="accent1"/>
-          </a:fillRef>
-          <a:effectRef idx="0">
-            <a:schemeClr val="accent1"/>
-          </a:effectRef>
-          <a:fontRef idx="minor">
-            <a:schemeClr val="lt1"/>
-          </a:fontRef>
-        </p:style>
-        <p:txBody>
-          <a:bodyPr rtlCol="0" anchor="ctr"/>
-          <a:lstStyle/>
-          <a:p>
-            <a:pPr algn="ctr"/>
-            <a:endParaRPr lang="en-US"/>
-          </a:p>
-        </p:txBody>
-      </p:sp>
-      <p:sp>
-        <p:nvSpPr>
-          <p:cNvPr id="13" name="Left Arrow 12"/>
-          <p:cNvSpPr/>
-          <p:nvPr/>
-        </p:nvSpPr>
-        <p:spPr>
-          <a:xfrm>
-            <a:off x="4267200" y="4171950"/>
-            <a:ext cx="876300" cy="228600"/>
-          </a:xfrm>
-          <a:prstGeom prst="leftArrow">
-            <a:avLst/>
-          </a:prstGeom>
-          <a:solidFill>
-            <a:srgbClr val="00B0F0"/>
-          </a:solidFill>
-        </p:spPr>
-        <p:style>
-          <a:lnRef idx="2">
-            <a:schemeClr val="accent1">
-              <a:shade val="50000"/>
-            </a:schemeClr>
-          </a:lnRef>
-          <a:fillRef idx="1">
-            <a:schemeClr val="accent1"/>
-          </a:fillRef>
-          <a:effectRef idx="0">
-            <a:schemeClr val="accent1"/>
-          </a:effectRef>
-          <a:fontRef idx="minor">
-            <a:schemeClr val="lt1"/>
-          </a:fontRef>
-        </p:style>
-        <p:txBody>
-          <a:bodyPr rtlCol="0" anchor="ctr"/>
-          <a:lstStyle/>
-          <a:p>
-            <a:pPr algn="ctr"/>
-            <a:endParaRPr lang="en-US"/>
-          </a:p>
-        </p:txBody>
-      </p:sp>
-      <p:sp>
-        <p:nvSpPr>
-          <p:cNvPr id="14" name="Left Arrow 13"/>
-          <p:cNvSpPr/>
-          <p:nvPr/>
-        </p:nvSpPr>
-        <p:spPr>
-          <a:xfrm>
-            <a:off x="1828801" y="4171950"/>
-            <a:ext cx="990599" cy="228600"/>
-          </a:xfrm>
-          <a:prstGeom prst="leftArrow">
-            <a:avLst/>
-          </a:prstGeom>
-          <a:solidFill>
-            <a:srgbClr val="00B0F0"/>
-          </a:solidFill>
-        </p:spPr>
-        <p:style>
-          <a:lnRef idx="2">
-            <a:schemeClr val="accent1">
-              <a:shade val="50000"/>
-            </a:schemeClr>
-          </a:lnRef>
-          <a:fillRef idx="1">
-            <a:schemeClr val="accent1"/>
-          </a:fillRef>
-          <a:effectRef idx="0">
-            <a:schemeClr val="accent1"/>
-          </a:effectRef>
-          <a:fontRef idx="minor">
-            <a:schemeClr val="lt1"/>
-          </a:fontRef>
-        </p:style>
-        <p:txBody>
-          <a:bodyPr rtlCol="0" anchor="ctr"/>
-          <a:lstStyle/>
-          <a:p>
-            <a:pPr algn="ctr"/>
-            <a:endParaRPr lang="en-US"/>
-          </a:p>
-        </p:txBody>
-      </p:sp>
-      <p:sp>
-        <p:nvSpPr>
-          <p:cNvPr id="11" name="TextBox 10"/>
-          <p:cNvSpPr txBox="1"/>
-          <p:nvPr/>
-        </p:nvSpPr>
-        <p:spPr>
-          <a:xfrm>
-            <a:off x="4099654" y="1481110"/>
-            <a:ext cx="4332316" cy="1169551"/>
-          </a:xfrm>
-          <a:prstGeom prst="rect">
-            <a:avLst/>
-          </a:prstGeom>
-          <a:noFill/>
-          <a:ln>
-            <a:solidFill>
-              <a:srgbClr val="0070C0"/>
-            </a:solidFill>
-          </a:ln>
-        </p:spPr>
-        <p:txBody>
-          <a:bodyPr wrap="square" rtlCol="0">
-            <a:spAutoFit/>
-          </a:bodyPr>
-          <a:lstStyle/>
-          <a:p>
-            <a:pPr marL="285750" indent="-285750">
-              <a:buFont typeface="Arial" charset="0"/>
-              <a:buChar char="•"/>
-            </a:pPr>
-            <a:r>
-              <a:rPr lang="en-US" sz="1400" dirty="0"/>
-              <a:t>PCE or PCC Initiated LSPs</a:t>
-            </a:r>
-          </a:p>
-          <a:p>
-            <a:pPr marL="285750" indent="-285750">
-              <a:buFont typeface="Arial" charset="0"/>
-              <a:buChar char="•"/>
-            </a:pPr>
-            <a:r>
-              <a:rPr lang="en-US" sz="1400" dirty="0"/>
-              <a:t>Association initiated by PCC or PCE</a:t>
-            </a:r>
-          </a:p>
-          <a:p>
-            <a:pPr marL="285750" indent="-285750">
-              <a:buFont typeface="Arial" charset="0"/>
-              <a:buChar char="•"/>
-            </a:pPr>
-            <a:r>
-              <a:rPr lang="en-US" sz="1400" dirty="0"/>
-              <a:t>Co-routed or non-co-routed </a:t>
-            </a:r>
-          </a:p>
-          <a:p>
-            <a:pPr marL="285750" indent="-285750">
-              <a:buFont typeface="Arial" charset="0"/>
-              <a:buChar char="•"/>
-            </a:pPr>
-            <a:r>
-              <a:rPr lang="en-US" sz="1400" dirty="0"/>
-              <a:t>Endpoint-A signals RSVP REVERSE_LSP Object in LSP1 Path message for reverse LSP2</a:t>
-            </a:r>
-          </a:p>
-        </p:txBody>
-      </p:sp>
-      <p:sp>
-        <p:nvSpPr>
-          <p:cNvPr id="15" name="Up-Down Arrow 14"/>
-          <p:cNvSpPr/>
-          <p:nvPr/>
-        </p:nvSpPr>
-        <p:spPr>
-          <a:xfrm>
-            <a:off x="1156353" y="1939074"/>
-            <a:ext cx="279401" cy="1347789"/>
-          </a:xfrm>
-          <a:prstGeom prst="upDownArrow">
-            <a:avLst/>
-          </a:prstGeom>
-          <a:solidFill>
-            <a:schemeClr val="bg2">
-              <a:lumMod val="90000"/>
-            </a:schemeClr>
-          </a:solidFill>
-        </p:spPr>
-        <p:style>
-          <a:lnRef idx="2">
-            <a:schemeClr val="accent1">
-              <a:shade val="50000"/>
-            </a:schemeClr>
-          </a:lnRef>
-          <a:fillRef idx="1">
-            <a:schemeClr val="accent1"/>
-          </a:fillRef>
-          <a:effectRef idx="0">
-            <a:schemeClr val="accent1"/>
-          </a:effectRef>
-          <a:fontRef idx="minor">
-            <a:schemeClr val="lt1"/>
-          </a:fontRef>
-        </p:style>
-        <p:txBody>
-          <a:bodyPr rtlCol="0" anchor="ctr"/>
-          <a:lstStyle/>
-          <a:p>
-            <a:pPr algn="ctr"/>
-            <a:endParaRPr lang="en-US"/>
-          </a:p>
-        </p:txBody>
-      </p:sp>
-      <p:sp>
-        <p:nvSpPr>
-          <p:cNvPr id="27" name="Up-Down Arrow 26"/>
-          <p:cNvSpPr/>
-          <p:nvPr/>
-        </p:nvSpPr>
-        <p:spPr>
-          <a:xfrm>
-            <a:off x="741017" y="1939074"/>
-            <a:ext cx="279401" cy="1347789"/>
-          </a:xfrm>
-          <a:prstGeom prst="upDownArrow">
-            <a:avLst/>
-          </a:prstGeom>
-          <a:solidFill>
-            <a:srgbClr val="00B0F0"/>
-          </a:solidFill>
-        </p:spPr>
-        <p:style>
-          <a:lnRef idx="2">
-            <a:schemeClr val="accent1">
-              <a:shade val="50000"/>
-            </a:schemeClr>
-          </a:lnRef>
-          <a:fillRef idx="1">
-            <a:schemeClr val="accent1"/>
-          </a:fillRef>
-          <a:effectRef idx="0">
-            <a:schemeClr val="accent1"/>
-          </a:effectRef>
-          <a:fontRef idx="minor">
-            <a:schemeClr val="lt1"/>
-          </a:fontRef>
-        </p:style>
-        <p:txBody>
-          <a:bodyPr rtlCol="0" anchor="ctr"/>
-          <a:lstStyle/>
-          <a:p>
-            <a:pPr algn="ctr"/>
-            <a:endParaRPr lang="en-US"/>
-          </a:p>
-        </p:txBody>
-      </p:sp>
-      <p:sp>
-        <p:nvSpPr>
-          <p:cNvPr id="16" name="Slide Number Placeholder 15">
-            <a:extLst>
-              <a:ext uri="{FF2B5EF4-FFF2-40B4-BE49-F238E27FC236}">
-                <a16:creationId xmlns:a16="http://schemas.microsoft.com/office/drawing/2014/main" id="{9C456450-1AEC-4D44-93E4-EA463BDEA48B}"/>
-              </a:ext>
-            </a:extLst>
-          </p:cNvPr>
-          <p:cNvSpPr>
-            <a:spLocks noGrp="1"/>
-          </p:cNvSpPr>
-          <p:nvPr>
-            <p:ph type="sldNum" sz="quarter" idx="12"/>
-          </p:nvPr>
-        </p:nvSpPr>
-        <p:spPr/>
-        <p:txBody>
-          <a:bodyPr/>
-          <a:lstStyle/>
-          <a:p>
-            <a:pPr>
-              <a:defRPr/>
-            </a:pPr>
-            <a:fld id="{BD6E0F59-1DD8-40FC-9C92-B6295CBA6CCA}" type="slidenum">
-              <a:rPr lang="en-US" altLang="zh-CN" smtClean="0"/>
-              <a:pPr>
-                <a:defRPr/>
-              </a:pPr>
-              <a:t>13</a:t>
-            </a:fld>
-            <a:endParaRPr lang="en-US" altLang="zh-CN"/>
-          </a:p>
-        </p:txBody>
-      </p:sp>
-    </p:spTree>
-    <p:extLst>
-      <p:ext uri="{BB962C8B-B14F-4D97-AF65-F5344CB8AC3E}">
-        <p14:creationId xmlns:p14="http://schemas.microsoft.com/office/powerpoint/2010/main" val="221970952"/>
-      </p:ext>
-    </p:extLst>
-  </p:cSld>
-  <p:clrMapOvr>
-    <a:masterClrMapping/>
-  </p:clrMapOvr>
-</p:sld>
-</file>
-
-<file path=ppt/slides/slide14.xml><?xml version="1.0" encoding="utf-8"?>
-<p:sld xmlns:a="http://schemas.openxmlformats.org/drawingml/2006/main" xmlns:r="http://schemas.openxmlformats.org/officeDocument/2006/relationships" xmlns:p="http://schemas.openxmlformats.org/presentationml/2006/main">
-  <p:cSld>
-    <p:spTree>
-      <p:nvGrpSpPr>
-        <p:cNvPr id="1" name=""/>
-        <p:cNvGrpSpPr/>
-        <p:nvPr/>
-      </p:nvGrpSpPr>
-      <p:grpSpPr>
-        <a:xfrm>
-          <a:off x="0" y="0"/>
-          <a:ext cx="0" cy="0"/>
-          <a:chOff x="0" y="0"/>
-          <a:chExt cx="0" cy="0"/>
-        </a:xfrm>
-      </p:grpSpPr>
-      <p:sp>
-        <p:nvSpPr>
-          <p:cNvPr id="30" name="Rounded Rectangle 8">
-            <a:extLst>
-              <a:ext uri="{FF2B5EF4-FFF2-40B4-BE49-F238E27FC236}">
-                <a16:creationId xmlns:a16="http://schemas.microsoft.com/office/drawing/2014/main" id="{3171483D-7117-4910-B287-15684975E95E}"/>
-              </a:ext>
-            </a:extLst>
-          </p:cNvPr>
-          <p:cNvSpPr/>
-          <p:nvPr/>
-        </p:nvSpPr>
-        <p:spPr>
-          <a:xfrm>
-            <a:off x="7015930" y="1401771"/>
-            <a:ext cx="1716314" cy="1082354"/>
-          </a:xfrm>
-          <a:prstGeom prst="roundRect">
-            <a:avLst/>
-          </a:prstGeom>
-          <a:solidFill>
-            <a:schemeClr val="bg1"/>
-          </a:solidFill>
-        </p:spPr>
-        <p:style>
-          <a:lnRef idx="2">
-            <a:schemeClr val="accent1">
-              <a:shade val="50000"/>
-            </a:schemeClr>
-          </a:lnRef>
-          <a:fillRef idx="1">
-            <a:schemeClr val="accent1"/>
-          </a:fillRef>
-          <a:effectRef idx="0">
-            <a:schemeClr val="accent1"/>
-          </a:effectRef>
-          <a:fontRef idx="minor">
-            <a:schemeClr val="lt1"/>
-          </a:fontRef>
-        </p:style>
-        <p:txBody>
-          <a:bodyPr rtlCol="0" anchor="t" anchorCtr="0"/>
-          <a:lstStyle/>
-          <a:p>
-            <a:pPr algn="ctr"/>
-            <a:r>
-              <a:rPr lang="en-US" b="1" dirty="0">
-                <a:solidFill>
-                  <a:schemeClr val="tx2"/>
-                </a:solidFill>
-              </a:rPr>
-              <a:t>Tunnel-DA</a:t>
-            </a:r>
-          </a:p>
-        </p:txBody>
-      </p:sp>
-      <p:sp>
-        <p:nvSpPr>
-          <p:cNvPr id="29" name="Rounded Rectangle 8">
-            <a:extLst>
-              <a:ext uri="{FF2B5EF4-FFF2-40B4-BE49-F238E27FC236}">
-                <a16:creationId xmlns:a16="http://schemas.microsoft.com/office/drawing/2014/main" id="{2FD1C7C1-AD22-46E0-9740-28FF7EF9A182}"/>
-              </a:ext>
-            </a:extLst>
-          </p:cNvPr>
-          <p:cNvSpPr/>
-          <p:nvPr/>
-        </p:nvSpPr>
-        <p:spPr>
-          <a:xfrm>
-            <a:off x="429807" y="1403710"/>
-            <a:ext cx="1716314" cy="1082354"/>
-          </a:xfrm>
-          <a:prstGeom prst="roundRect">
-            <a:avLst/>
-          </a:prstGeom>
-          <a:solidFill>
-            <a:schemeClr val="bg1"/>
-          </a:solidFill>
-        </p:spPr>
-        <p:style>
-          <a:lnRef idx="2">
-            <a:schemeClr val="accent1">
-              <a:shade val="50000"/>
-            </a:schemeClr>
-          </a:lnRef>
-          <a:fillRef idx="1">
-            <a:schemeClr val="accent1"/>
-          </a:fillRef>
-          <a:effectRef idx="0">
-            <a:schemeClr val="accent1"/>
-          </a:effectRef>
-          <a:fontRef idx="minor">
-            <a:schemeClr val="lt1"/>
-          </a:fontRef>
-        </p:style>
-        <p:txBody>
-          <a:bodyPr rtlCol="0" anchor="t" anchorCtr="0"/>
-          <a:lstStyle/>
-          <a:p>
-            <a:pPr algn="ctr"/>
-            <a:r>
-              <a:rPr lang="en-US" b="1" dirty="0">
-                <a:solidFill>
-                  <a:schemeClr val="tx2"/>
-                </a:solidFill>
-              </a:rPr>
-              <a:t>Tunnel-AD</a:t>
-            </a:r>
-          </a:p>
-        </p:txBody>
-      </p:sp>
-      <p:sp>
-        <p:nvSpPr>
-          <p:cNvPr id="2" name="Title 1"/>
-          <p:cNvSpPr>
-            <a:spLocks noGrp="1"/>
-          </p:cNvSpPr>
-          <p:nvPr>
-            <p:ph type="title"/>
-          </p:nvPr>
-        </p:nvSpPr>
-        <p:spPr>
-          <a:xfrm>
-            <a:off x="-13855" y="0"/>
-            <a:ext cx="9144000" cy="857250"/>
-          </a:xfrm>
-        </p:spPr>
-        <p:txBody>
-          <a:bodyPr/>
-          <a:lstStyle/>
-          <a:p>
-            <a:r>
-              <a:rPr lang="en-US" sz="3200" dirty="0">
-                <a:solidFill>
-                  <a:srgbClr val="002060"/>
-                </a:solidFill>
-              </a:rPr>
-              <a:t>Double-sided Associated Bidirectional LSP</a:t>
-            </a:r>
-          </a:p>
-        </p:txBody>
-      </p:sp>
-      <p:sp>
-        <p:nvSpPr>
-          <p:cNvPr id="4" name="Footer Placeholder 3"/>
-          <p:cNvSpPr>
-            <a:spLocks noGrp="1"/>
-          </p:cNvSpPr>
-          <p:nvPr>
-            <p:ph type="ftr" sz="quarter" idx="11"/>
-          </p:nvPr>
-        </p:nvSpPr>
-        <p:spPr>
-          <a:xfrm>
-            <a:off x="3124200" y="4814714"/>
-            <a:ext cx="2895600" cy="357188"/>
-          </a:xfrm>
-        </p:spPr>
-        <p:txBody>
-          <a:bodyPr/>
-          <a:lstStyle/>
-          <a:p>
-            <a:pPr>
-              <a:defRPr/>
-            </a:pPr>
-            <a:r>
-              <a:rPr lang="en-US" altLang="zh-CN" dirty="0"/>
-              <a:t>108</a:t>
-            </a:r>
-            <a:r>
-              <a:rPr lang="en-US" altLang="zh-CN" baseline="30000" dirty="0"/>
-              <a:t>th</a:t>
-            </a:r>
-            <a:r>
-              <a:rPr lang="en-US" altLang="zh-CN" dirty="0"/>
-              <a:t> IETF @ Madrid</a:t>
-            </a:r>
-          </a:p>
-        </p:txBody>
-      </p:sp>
-      <p:sp>
-        <p:nvSpPr>
-          <p:cNvPr id="5" name="Rounded Rectangle 4"/>
-          <p:cNvSpPr/>
-          <p:nvPr/>
-        </p:nvSpPr>
-        <p:spPr>
-          <a:xfrm>
-            <a:off x="3768408" y="1030487"/>
-            <a:ext cx="1447800" cy="914400"/>
-          </a:xfrm>
-          <a:prstGeom prst="roundRect">
-            <a:avLst/>
-          </a:prstGeom>
-          <a:solidFill>
-            <a:srgbClr val="0070C0"/>
-          </a:solidFill>
-        </p:spPr>
-        <p:style>
-          <a:lnRef idx="2">
-            <a:schemeClr val="accent1">
-              <a:shade val="50000"/>
-            </a:schemeClr>
-          </a:lnRef>
-          <a:fillRef idx="1">
-            <a:schemeClr val="accent1"/>
-          </a:fillRef>
-          <a:effectRef idx="0">
-            <a:schemeClr val="accent1"/>
-          </a:effectRef>
-          <a:fontRef idx="minor">
-            <a:schemeClr val="lt1"/>
-          </a:fontRef>
-        </p:style>
-        <p:txBody>
-          <a:bodyPr rtlCol="0" anchor="ctr"/>
-          <a:lstStyle/>
-          <a:p>
-            <a:pPr algn="ctr"/>
-            <a:r>
-              <a:rPr lang="en-US"/>
-              <a:t>STATEFUL PCE</a:t>
-            </a:r>
-            <a:endParaRPr lang="en-US" dirty="0"/>
-          </a:p>
-        </p:txBody>
-      </p:sp>
-      <p:sp>
-        <p:nvSpPr>
-          <p:cNvPr id="3" name="Oval 2"/>
-          <p:cNvSpPr/>
-          <p:nvPr/>
-        </p:nvSpPr>
-        <p:spPr>
-          <a:xfrm>
-            <a:off x="487364" y="3449929"/>
-            <a:ext cx="1314450" cy="1273969"/>
-          </a:xfrm>
-          <a:prstGeom prst="ellipse">
-            <a:avLst/>
-          </a:prstGeom>
-          <a:solidFill>
-            <a:srgbClr val="0070C0"/>
-          </a:solidFill>
-        </p:spPr>
-        <p:style>
-          <a:lnRef idx="2">
-            <a:schemeClr val="accent1">
-              <a:shade val="50000"/>
-            </a:schemeClr>
-          </a:lnRef>
-          <a:fillRef idx="1">
-            <a:schemeClr val="accent1"/>
-          </a:fillRef>
-          <a:effectRef idx="0">
-            <a:schemeClr val="accent1"/>
-          </a:effectRef>
-          <a:fontRef idx="minor">
-            <a:schemeClr val="lt1"/>
-          </a:fontRef>
-        </p:style>
-        <p:txBody>
-          <a:bodyPr rtlCol="0" anchor="ctr"/>
-          <a:lstStyle/>
-          <a:p>
-            <a:pPr algn="ctr"/>
-            <a:r>
-              <a:rPr lang="en-US" dirty="0"/>
-              <a:t>PCC End-point-A</a:t>
-            </a:r>
-          </a:p>
-        </p:txBody>
-      </p:sp>
-      <p:sp>
-        <p:nvSpPr>
-          <p:cNvPr id="22" name="Oval 21"/>
-          <p:cNvSpPr/>
-          <p:nvPr/>
-        </p:nvSpPr>
-        <p:spPr>
-          <a:xfrm>
-            <a:off x="7427914" y="3449929"/>
-            <a:ext cx="1295400" cy="1261267"/>
-          </a:xfrm>
-          <a:prstGeom prst="ellipse">
-            <a:avLst/>
-          </a:prstGeom>
-          <a:solidFill>
-            <a:srgbClr val="0070C0"/>
-          </a:solidFill>
-        </p:spPr>
-        <p:style>
-          <a:lnRef idx="2">
-            <a:schemeClr val="accent1">
-              <a:shade val="50000"/>
-            </a:schemeClr>
-          </a:lnRef>
-          <a:fillRef idx="1">
-            <a:schemeClr val="accent1"/>
-          </a:fillRef>
-          <a:effectRef idx="0">
-            <a:schemeClr val="accent1"/>
-          </a:effectRef>
-          <a:fontRef idx="minor">
-            <a:schemeClr val="lt1"/>
-          </a:fontRef>
-        </p:style>
-        <p:txBody>
-          <a:bodyPr rtlCol="0" anchor="ctr"/>
-          <a:lstStyle/>
-          <a:p>
-            <a:pPr algn="ctr"/>
-            <a:r>
-              <a:rPr lang="en-US" dirty="0"/>
-              <a:t>PCC End-point-D</a:t>
-            </a:r>
-          </a:p>
-        </p:txBody>
-      </p:sp>
-      <p:sp>
-        <p:nvSpPr>
-          <p:cNvPr id="24" name="Oval 23"/>
-          <p:cNvSpPr/>
-          <p:nvPr/>
-        </p:nvSpPr>
-        <p:spPr>
-          <a:xfrm>
-            <a:off x="2944814" y="3462629"/>
-            <a:ext cx="1308100" cy="1261269"/>
-          </a:xfrm>
-          <a:prstGeom prst="ellipse">
-            <a:avLst/>
-          </a:prstGeom>
-        </p:spPr>
-        <p:style>
-          <a:lnRef idx="2">
-            <a:schemeClr val="accent1">
-              <a:shade val="50000"/>
-            </a:schemeClr>
-          </a:lnRef>
-          <a:fillRef idx="1">
-            <a:schemeClr val="accent1"/>
-          </a:fillRef>
-          <a:effectRef idx="0">
-            <a:schemeClr val="accent1"/>
-          </a:effectRef>
-          <a:fontRef idx="minor">
-            <a:schemeClr val="lt1"/>
-          </a:fontRef>
-        </p:style>
-        <p:txBody>
-          <a:bodyPr rtlCol="0" anchor="ctr"/>
-          <a:lstStyle/>
-          <a:p>
-            <a:pPr algn="ctr"/>
-            <a:r>
-              <a:rPr lang="en-US" dirty="0"/>
-              <a:t>Node-B</a:t>
-            </a:r>
-          </a:p>
-        </p:txBody>
-      </p:sp>
-      <p:sp>
-        <p:nvSpPr>
-          <p:cNvPr id="25" name="Oval 24"/>
-          <p:cNvSpPr/>
-          <p:nvPr/>
-        </p:nvSpPr>
-        <p:spPr>
-          <a:xfrm>
-            <a:off x="5243514" y="3449930"/>
-            <a:ext cx="1270000" cy="1261268"/>
-          </a:xfrm>
-          <a:prstGeom prst="ellipse">
-            <a:avLst/>
-          </a:prstGeom>
-        </p:spPr>
-        <p:style>
-          <a:lnRef idx="2">
-            <a:schemeClr val="accent1">
-              <a:shade val="50000"/>
-            </a:schemeClr>
-          </a:lnRef>
-          <a:fillRef idx="1">
-            <a:schemeClr val="accent1"/>
-          </a:fillRef>
-          <a:effectRef idx="0">
-            <a:schemeClr val="accent1"/>
-          </a:effectRef>
-          <a:fontRef idx="minor">
-            <a:schemeClr val="lt1"/>
-          </a:fontRef>
-        </p:style>
-        <p:txBody>
-          <a:bodyPr rtlCol="0" anchor="ctr"/>
-          <a:lstStyle/>
-          <a:p>
-            <a:pPr algn="ctr"/>
-            <a:r>
-              <a:rPr lang="en-US" dirty="0"/>
-              <a:t>Node-C</a:t>
-            </a:r>
-          </a:p>
-        </p:txBody>
-      </p:sp>
-      <p:sp>
-        <p:nvSpPr>
-          <p:cNvPr id="9" name="Rounded Rectangle 8"/>
-          <p:cNvSpPr/>
-          <p:nvPr/>
-        </p:nvSpPr>
-        <p:spPr>
-          <a:xfrm>
-            <a:off x="550225" y="1826405"/>
-            <a:ext cx="1524000" cy="533400"/>
-          </a:xfrm>
-          <a:prstGeom prst="roundRect">
-            <a:avLst/>
-          </a:prstGeom>
-          <a:solidFill>
-            <a:schemeClr val="bg2">
-              <a:lumMod val="90000"/>
-            </a:schemeClr>
-          </a:solidFill>
-        </p:spPr>
-        <p:style>
-          <a:lnRef idx="2">
-            <a:schemeClr val="accent1">
-              <a:shade val="50000"/>
-            </a:schemeClr>
-          </a:lnRef>
-          <a:fillRef idx="1">
-            <a:schemeClr val="accent1"/>
-          </a:fillRef>
-          <a:effectRef idx="0">
-            <a:schemeClr val="accent1"/>
-          </a:effectRef>
-          <a:fontRef idx="minor">
-            <a:schemeClr val="lt1"/>
-          </a:fontRef>
-        </p:style>
-        <p:txBody>
-          <a:bodyPr rtlCol="0" anchor="ctr"/>
-          <a:lstStyle/>
-          <a:p>
-            <a:pPr algn="ctr"/>
-            <a:r>
-              <a:rPr lang="en-US" dirty="0"/>
-              <a:t>LSP1 (F,C)</a:t>
-            </a:r>
-          </a:p>
-        </p:txBody>
-      </p:sp>
-      <p:sp>
-        <p:nvSpPr>
-          <p:cNvPr id="10" name="Rounded Rectangle 9"/>
-          <p:cNvSpPr/>
-          <p:nvPr/>
-        </p:nvSpPr>
-        <p:spPr>
-          <a:xfrm>
-            <a:off x="7110173" y="1824466"/>
-            <a:ext cx="1524000" cy="533400"/>
-          </a:xfrm>
-          <a:prstGeom prst="roundRect">
-            <a:avLst/>
-          </a:prstGeom>
-          <a:solidFill>
-            <a:srgbClr val="00B0F0"/>
-          </a:solidFill>
-          <a:ln>
-            <a:solidFill>
-              <a:schemeClr val="accent1">
-                <a:lumMod val="60000"/>
-                <a:lumOff val="40000"/>
-              </a:schemeClr>
-            </a:solidFill>
-          </a:ln>
-        </p:spPr>
-        <p:style>
-          <a:lnRef idx="2">
-            <a:schemeClr val="accent1">
-              <a:shade val="50000"/>
-            </a:schemeClr>
-          </a:lnRef>
-          <a:fillRef idx="1">
-            <a:schemeClr val="accent1"/>
-          </a:fillRef>
-          <a:effectRef idx="0">
-            <a:schemeClr val="accent1"/>
-          </a:effectRef>
-          <a:fontRef idx="minor">
-            <a:schemeClr val="lt1"/>
-          </a:fontRef>
-        </p:style>
-        <p:txBody>
-          <a:bodyPr rtlCol="0" anchor="ctr"/>
-          <a:lstStyle/>
-          <a:p>
-            <a:pPr algn="ctr"/>
-            <a:r>
-              <a:rPr lang="en-US" dirty="0"/>
-              <a:t>LSP2 (F,C)</a:t>
-            </a:r>
-          </a:p>
-        </p:txBody>
-      </p:sp>
-      <p:sp>
-        <p:nvSpPr>
-          <p:cNvPr id="6" name="Right Arrow 5"/>
-          <p:cNvSpPr/>
-          <p:nvPr/>
-        </p:nvSpPr>
-        <p:spPr>
-          <a:xfrm>
-            <a:off x="1878014" y="3783303"/>
-            <a:ext cx="990600" cy="276225"/>
-          </a:xfrm>
-          <a:prstGeom prst="rightArrow">
-            <a:avLst/>
-          </a:prstGeom>
-          <a:solidFill>
-            <a:schemeClr val="bg2">
-              <a:lumMod val="90000"/>
-            </a:schemeClr>
-          </a:solidFill>
-        </p:spPr>
-        <p:style>
-          <a:lnRef idx="2">
-            <a:schemeClr val="accent1">
-              <a:shade val="50000"/>
-            </a:schemeClr>
-          </a:lnRef>
-          <a:fillRef idx="1">
-            <a:schemeClr val="accent1"/>
-          </a:fillRef>
-          <a:effectRef idx="0">
-            <a:schemeClr val="accent1"/>
-          </a:effectRef>
-          <a:fontRef idx="minor">
-            <a:schemeClr val="lt1"/>
-          </a:fontRef>
-        </p:style>
-        <p:txBody>
-          <a:bodyPr rtlCol="0" anchor="ctr"/>
-          <a:lstStyle/>
-          <a:p>
-            <a:pPr algn="ctr"/>
-            <a:endParaRPr lang="en-US"/>
-          </a:p>
-        </p:txBody>
-      </p:sp>
-      <p:sp>
-        <p:nvSpPr>
-          <p:cNvPr id="7" name="Right Arrow 6"/>
-          <p:cNvSpPr/>
-          <p:nvPr/>
-        </p:nvSpPr>
-        <p:spPr>
-          <a:xfrm>
-            <a:off x="4354514" y="3778938"/>
-            <a:ext cx="825500" cy="280589"/>
-          </a:xfrm>
-          <a:prstGeom prst="rightArrow">
-            <a:avLst/>
-          </a:prstGeom>
-          <a:solidFill>
-            <a:schemeClr val="bg2">
-              <a:lumMod val="90000"/>
-            </a:schemeClr>
-          </a:solidFill>
-        </p:spPr>
-        <p:style>
-          <a:lnRef idx="2">
-            <a:schemeClr val="accent1">
-              <a:shade val="50000"/>
-            </a:schemeClr>
-          </a:lnRef>
-          <a:fillRef idx="1">
-            <a:schemeClr val="accent1"/>
-          </a:fillRef>
-          <a:effectRef idx="0">
-            <a:schemeClr val="accent1"/>
-          </a:effectRef>
-          <a:fontRef idx="minor">
-            <a:schemeClr val="lt1"/>
-          </a:fontRef>
-        </p:style>
-        <p:txBody>
-          <a:bodyPr rtlCol="0" anchor="ctr"/>
-          <a:lstStyle/>
-          <a:p>
-            <a:pPr algn="ctr"/>
-            <a:endParaRPr lang="en-US"/>
-          </a:p>
-        </p:txBody>
-      </p:sp>
-      <p:sp>
-        <p:nvSpPr>
-          <p:cNvPr id="8" name="Right Arrow 7"/>
-          <p:cNvSpPr/>
-          <p:nvPr/>
-        </p:nvSpPr>
-        <p:spPr>
-          <a:xfrm>
-            <a:off x="6577014" y="3778939"/>
-            <a:ext cx="762000" cy="280588"/>
-          </a:xfrm>
-          <a:prstGeom prst="rightArrow">
-            <a:avLst/>
-          </a:prstGeom>
-          <a:solidFill>
-            <a:schemeClr val="bg2">
-              <a:lumMod val="90000"/>
-            </a:schemeClr>
-          </a:solidFill>
-        </p:spPr>
-        <p:style>
-          <a:lnRef idx="2">
-            <a:schemeClr val="accent1">
-              <a:shade val="50000"/>
-            </a:schemeClr>
-          </a:lnRef>
-          <a:fillRef idx="1">
-            <a:schemeClr val="accent1"/>
-          </a:fillRef>
-          <a:effectRef idx="0">
-            <a:schemeClr val="accent1"/>
-          </a:effectRef>
-          <a:fontRef idx="minor">
-            <a:schemeClr val="lt1"/>
-          </a:fontRef>
-        </p:style>
-        <p:txBody>
-          <a:bodyPr rtlCol="0" anchor="ctr"/>
-          <a:lstStyle/>
-          <a:p>
-            <a:pPr algn="ctr"/>
-            <a:endParaRPr lang="en-US"/>
-          </a:p>
-        </p:txBody>
-      </p:sp>
-      <p:sp>
-        <p:nvSpPr>
-          <p:cNvPr id="12" name="Left Arrow 11"/>
-          <p:cNvSpPr/>
-          <p:nvPr/>
-        </p:nvSpPr>
-        <p:spPr>
-          <a:xfrm>
-            <a:off x="6538914" y="4258249"/>
-            <a:ext cx="838200" cy="258480"/>
-          </a:xfrm>
-          <a:prstGeom prst="leftArrow">
-            <a:avLst/>
-          </a:prstGeom>
-          <a:solidFill>
-            <a:srgbClr val="00B0F0"/>
-          </a:solidFill>
-        </p:spPr>
-        <p:style>
-          <a:lnRef idx="2">
-            <a:schemeClr val="accent1">
-              <a:shade val="50000"/>
-            </a:schemeClr>
-          </a:lnRef>
-          <a:fillRef idx="1">
-            <a:schemeClr val="accent1"/>
-          </a:fillRef>
-          <a:effectRef idx="0">
-            <a:schemeClr val="accent1"/>
-          </a:effectRef>
-          <a:fontRef idx="minor">
-            <a:schemeClr val="lt1"/>
-          </a:fontRef>
-        </p:style>
-        <p:txBody>
-          <a:bodyPr rtlCol="0" anchor="ctr"/>
-          <a:lstStyle/>
-          <a:p>
-            <a:pPr algn="ctr"/>
-            <a:endParaRPr lang="en-US"/>
-          </a:p>
-        </p:txBody>
-      </p:sp>
-      <p:sp>
-        <p:nvSpPr>
-          <p:cNvPr id="13" name="Left Arrow 12"/>
-          <p:cNvSpPr/>
-          <p:nvPr/>
-        </p:nvSpPr>
-        <p:spPr>
-          <a:xfrm>
-            <a:off x="4303714" y="4258249"/>
-            <a:ext cx="876300" cy="258480"/>
-          </a:xfrm>
-          <a:prstGeom prst="leftArrow">
-            <a:avLst/>
-          </a:prstGeom>
-          <a:solidFill>
-            <a:srgbClr val="00B0F0"/>
-          </a:solidFill>
-        </p:spPr>
-        <p:style>
-          <a:lnRef idx="2">
-            <a:schemeClr val="accent1">
-              <a:shade val="50000"/>
-            </a:schemeClr>
-          </a:lnRef>
-          <a:fillRef idx="1">
-            <a:schemeClr val="accent1"/>
-          </a:fillRef>
-          <a:effectRef idx="0">
-            <a:schemeClr val="accent1"/>
-          </a:effectRef>
-          <a:fontRef idx="minor">
-            <a:schemeClr val="lt1"/>
-          </a:fontRef>
-        </p:style>
-        <p:txBody>
-          <a:bodyPr rtlCol="0" anchor="ctr"/>
-          <a:lstStyle/>
-          <a:p>
-            <a:pPr algn="ctr"/>
-            <a:endParaRPr lang="en-US"/>
-          </a:p>
-        </p:txBody>
-      </p:sp>
-      <p:sp>
-        <p:nvSpPr>
-          <p:cNvPr id="14" name="Left Arrow 13"/>
-          <p:cNvSpPr/>
-          <p:nvPr/>
-        </p:nvSpPr>
-        <p:spPr>
-          <a:xfrm>
-            <a:off x="1865315" y="4258249"/>
-            <a:ext cx="990599" cy="258480"/>
-          </a:xfrm>
-          <a:prstGeom prst="leftArrow">
-            <a:avLst/>
-          </a:prstGeom>
-          <a:solidFill>
-            <a:srgbClr val="00B0F0"/>
-          </a:solidFill>
-        </p:spPr>
-        <p:style>
-          <a:lnRef idx="2">
-            <a:schemeClr val="accent1">
-              <a:shade val="50000"/>
-            </a:schemeClr>
-          </a:lnRef>
-          <a:fillRef idx="1">
-            <a:schemeClr val="accent1"/>
-          </a:fillRef>
-          <a:effectRef idx="0">
-            <a:schemeClr val="accent1"/>
-          </a:effectRef>
-          <a:fontRef idx="minor">
-            <a:schemeClr val="lt1"/>
-          </a:fontRef>
-        </p:style>
-        <p:txBody>
-          <a:bodyPr rtlCol="0" anchor="ctr"/>
-          <a:lstStyle/>
-          <a:p>
-            <a:pPr algn="ctr"/>
-            <a:endParaRPr lang="en-US"/>
-          </a:p>
-        </p:txBody>
-      </p:sp>
-      <p:sp>
-        <p:nvSpPr>
-          <p:cNvPr id="27" name="TextBox 26"/>
-          <p:cNvSpPr txBox="1"/>
-          <p:nvPr/>
-        </p:nvSpPr>
-        <p:spPr>
-          <a:xfrm>
-            <a:off x="2830776" y="2551587"/>
-            <a:ext cx="3394701" cy="738664"/>
-          </a:xfrm>
-          <a:prstGeom prst="rect">
-            <a:avLst/>
-          </a:prstGeom>
-          <a:noFill/>
-          <a:ln>
-            <a:solidFill>
-              <a:srgbClr val="92D050"/>
-            </a:solidFill>
-          </a:ln>
-        </p:spPr>
-        <p:txBody>
-          <a:bodyPr wrap="square" rtlCol="0">
-            <a:spAutoFit/>
-          </a:bodyPr>
-          <a:lstStyle/>
-          <a:p>
-            <a:pPr marL="285750" indent="-285750">
-              <a:buFont typeface="Arial" charset="0"/>
-              <a:buChar char="•"/>
-            </a:pPr>
-            <a:r>
-              <a:rPr lang="en-US" sz="1400" dirty="0"/>
-              <a:t>PCE or PCC Initiated LSPs</a:t>
-            </a:r>
-          </a:p>
-          <a:p>
-            <a:pPr marL="285750" indent="-285750">
-              <a:buFont typeface="Arial" charset="0"/>
-              <a:buChar char="•"/>
-            </a:pPr>
-            <a:r>
-              <a:rPr lang="en-US" sz="1400" dirty="0"/>
-              <a:t>Association initiated by PCE or PCC</a:t>
-            </a:r>
-          </a:p>
-          <a:p>
-            <a:pPr marL="285750" indent="-285750">
-              <a:buFont typeface="Arial" charset="0"/>
-              <a:buChar char="•"/>
-            </a:pPr>
-            <a:r>
-              <a:rPr lang="en-US" sz="1400" dirty="0"/>
-              <a:t>Co-routed or non-co-routed </a:t>
-            </a:r>
-          </a:p>
-        </p:txBody>
-      </p:sp>
-      <p:cxnSp>
-        <p:nvCxnSpPr>
-          <p:cNvPr id="21" name="Straight Arrow Connector 20"/>
-          <p:cNvCxnSpPr/>
-          <p:nvPr/>
-        </p:nvCxnSpPr>
-        <p:spPr>
-          <a:xfrm flipH="1">
-            <a:off x="1400263" y="1598825"/>
-            <a:ext cx="2310900" cy="1839722"/>
-          </a:xfrm>
-          <a:prstGeom prst="straightConnector1">
-            <a:avLst/>
-          </a:prstGeom>
-          <a:ln w="104775">
-            <a:solidFill>
-              <a:schemeClr val="bg2">
-                <a:lumMod val="90000"/>
-              </a:schemeClr>
-            </a:solidFill>
-            <a:headEnd type="triangle"/>
-            <a:tailEnd type="triangle"/>
-          </a:ln>
-        </p:spPr>
-        <p:style>
-          <a:lnRef idx="1">
-            <a:schemeClr val="accent1"/>
-          </a:lnRef>
-          <a:fillRef idx="0">
-            <a:schemeClr val="accent1"/>
-          </a:fillRef>
-          <a:effectRef idx="0">
-            <a:schemeClr val="accent1"/>
-          </a:effectRef>
-          <a:fontRef idx="minor">
-            <a:schemeClr val="tx1"/>
-          </a:fontRef>
-        </p:style>
-      </p:cxnSp>
-      <p:cxnSp>
-        <p:nvCxnSpPr>
-          <p:cNvPr id="23" name="Straight Arrow Connector 22"/>
-          <p:cNvCxnSpPr/>
-          <p:nvPr/>
-        </p:nvCxnSpPr>
-        <p:spPr>
-          <a:xfrm>
-            <a:off x="5273453" y="1600709"/>
-            <a:ext cx="2457450" cy="1869833"/>
-          </a:xfrm>
-          <a:prstGeom prst="straightConnector1">
-            <a:avLst/>
-          </a:prstGeom>
-          <a:ln w="104775">
-            <a:solidFill>
-              <a:srgbClr val="00B0F0"/>
-            </a:solidFill>
-            <a:headEnd type="triangle"/>
-            <a:tailEnd type="triangle"/>
-          </a:ln>
-        </p:spPr>
-        <p:style>
-          <a:lnRef idx="1">
-            <a:schemeClr val="accent1"/>
-          </a:lnRef>
-          <a:fillRef idx="0">
-            <a:schemeClr val="accent1"/>
-          </a:fillRef>
-          <a:effectRef idx="0">
-            <a:schemeClr val="accent1"/>
-          </a:effectRef>
-          <a:fontRef idx="minor">
-            <a:schemeClr val="tx1"/>
-          </a:fontRef>
-        </p:style>
-      </p:cxnSp>
-      <p:sp>
-        <p:nvSpPr>
-          <p:cNvPr id="15" name="Slide Number Placeholder 14">
-            <a:extLst>
-              <a:ext uri="{FF2B5EF4-FFF2-40B4-BE49-F238E27FC236}">
-                <a16:creationId xmlns:a16="http://schemas.microsoft.com/office/drawing/2014/main" id="{42E72163-82DD-1F4E-AA6D-DCB5AF070DA1}"/>
-              </a:ext>
-            </a:extLst>
-          </p:cNvPr>
-          <p:cNvSpPr>
-            <a:spLocks noGrp="1"/>
-          </p:cNvSpPr>
-          <p:nvPr>
-            <p:ph type="sldNum" sz="quarter" idx="12"/>
-          </p:nvPr>
-        </p:nvSpPr>
-        <p:spPr/>
-        <p:txBody>
-          <a:bodyPr/>
-          <a:lstStyle/>
-          <a:p>
-            <a:pPr>
-              <a:defRPr/>
-            </a:pPr>
-            <a:fld id="{BD6E0F59-1DD8-40FC-9C92-B6295CBA6CCA}" type="slidenum">
-              <a:rPr lang="en-US" altLang="zh-CN" smtClean="0"/>
-              <a:pPr>
-                <a:defRPr/>
-              </a:pPr>
-              <a:t>14</a:t>
-            </a:fld>
-            <a:endParaRPr lang="en-US" altLang="zh-CN"/>
-          </a:p>
-        </p:txBody>
-      </p:sp>
-    </p:spTree>
-    <p:extLst>
-      <p:ext uri="{BB962C8B-B14F-4D97-AF65-F5344CB8AC3E}">
-        <p14:creationId xmlns:p14="http://schemas.microsoft.com/office/powerpoint/2010/main" val="180112679"/>
-      </p:ext>
-    </p:extLst>
-  </p:cSld>
-  <p:clrMapOvr>
-    <a:masterClrMapping/>
-  </p:clrMapOvr>
-</p:sld>
-</file>
-
-<file path=ppt/slides/slide15.xml><?xml version="1.0" encoding="utf-8"?>
-<p:sld xmlns:a="http://schemas.openxmlformats.org/drawingml/2006/main" xmlns:r="http://schemas.openxmlformats.org/officeDocument/2006/relationships" xmlns:p="http://schemas.openxmlformats.org/presentationml/2006/main">
-  <p:cSld>
-    <p:spTree>
-      <p:nvGrpSpPr>
-        <p:cNvPr id="1" name=""/>
-        <p:cNvGrpSpPr/>
-        <p:nvPr/>
-      </p:nvGrpSpPr>
-      <p:grpSpPr>
-        <a:xfrm>
-          <a:off x="0" y="0"/>
-          <a:ext cx="0" cy="0"/>
-          <a:chOff x="0" y="0"/>
-          <a:chExt cx="0" cy="0"/>
-        </a:xfrm>
-      </p:grpSpPr>
-      <p:sp>
-        <p:nvSpPr>
-          <p:cNvPr id="2" name="Title 1"/>
-          <p:cNvSpPr>
-            <a:spLocks noGrp="1"/>
-          </p:cNvSpPr>
-          <p:nvPr>
-            <p:ph type="title"/>
-          </p:nvPr>
-        </p:nvSpPr>
-        <p:spPr>
-          <a:xfrm>
-            <a:off x="457200" y="3810"/>
-            <a:ext cx="8229600" cy="857250"/>
-          </a:xfrm>
-        </p:spPr>
-        <p:txBody>
-          <a:bodyPr/>
-          <a:lstStyle/>
-          <a:p>
-            <a:r>
-              <a:rPr lang="en-US" sz="3600" dirty="0">
-                <a:solidFill>
-                  <a:srgbClr val="002060"/>
-                </a:solidFill>
-              </a:rPr>
-              <a:t>PCEP Association Object</a:t>
-            </a:r>
-          </a:p>
-        </p:txBody>
-      </p:sp>
-      <p:sp>
-        <p:nvSpPr>
-          <p:cNvPr id="3" name="Content Placeholder 2"/>
-          <p:cNvSpPr>
-            <a:spLocks noGrp="1"/>
-          </p:cNvSpPr>
-          <p:nvPr>
-            <p:ph idx="1"/>
-          </p:nvPr>
-        </p:nvSpPr>
-        <p:spPr>
-          <a:xfrm>
-            <a:off x="304800" y="971551"/>
-            <a:ext cx="8458200" cy="3124200"/>
-          </a:xfrm>
-        </p:spPr>
-        <p:txBody>
-          <a:bodyPr/>
-          <a:lstStyle/>
-          <a:p>
-            <a:pPr>
-              <a:spcBef>
-                <a:spcPts val="600"/>
-              </a:spcBef>
-            </a:pPr>
-            <a:r>
-              <a:rPr lang="en-US" sz="1800" dirty="0"/>
-              <a:t>Association Type (TBD1) = Single-sided Bidirectional LSP Association Group</a:t>
-            </a:r>
-          </a:p>
-          <a:p>
-            <a:pPr>
-              <a:spcBef>
-                <a:spcPts val="600"/>
-              </a:spcBef>
-            </a:pPr>
-            <a:r>
-              <a:rPr lang="en-US" sz="1800" dirty="0"/>
-              <a:t>Association Type (TBD2) = Double-sided Bidirectional LSP Association Group</a:t>
-            </a:r>
-          </a:p>
-          <a:p>
-            <a:pPr>
-              <a:spcBef>
-                <a:spcPts val="600"/>
-              </a:spcBef>
-            </a:pPr>
-            <a:r>
-              <a:rPr lang="en-US" sz="1800" dirty="0"/>
-              <a:t>The Association ID, Association Source, Global Association Source and Extended Association ID in the Association Object of the bidirectional LSPs are populated using the procedures defined in [RFC7551].</a:t>
-            </a:r>
-          </a:p>
-          <a:p>
-            <a:pPr>
-              <a:spcBef>
-                <a:spcPts val="600"/>
-              </a:spcBef>
-            </a:pPr>
-            <a:r>
-              <a:rPr lang="en-US" sz="1800" dirty="0"/>
-              <a:t>These Association Types are operator-configured associations. </a:t>
-            </a:r>
-          </a:p>
-          <a:p>
-            <a:pPr lvl="1">
-              <a:spcBef>
-                <a:spcPts val="600"/>
-              </a:spcBef>
-            </a:pPr>
-            <a:r>
-              <a:rPr lang="en-US" sz="1800" dirty="0"/>
-              <a:t>Operator-configured Association Range TLV (Type 29) SHOULD NOT be sent, so that the entire range of association ID can be used.</a:t>
-            </a:r>
-          </a:p>
-        </p:txBody>
-      </p:sp>
-      <p:sp>
-        <p:nvSpPr>
-          <p:cNvPr id="4" name="Footer Placeholder 3"/>
-          <p:cNvSpPr>
-            <a:spLocks noGrp="1"/>
-          </p:cNvSpPr>
-          <p:nvPr>
-            <p:ph type="ftr" sz="quarter" idx="11"/>
-          </p:nvPr>
-        </p:nvSpPr>
-        <p:spPr>
-          <a:xfrm>
-            <a:off x="3124200" y="4782502"/>
-            <a:ext cx="2895600" cy="357188"/>
-          </a:xfrm>
-        </p:spPr>
-        <p:txBody>
-          <a:bodyPr/>
-          <a:lstStyle/>
-          <a:p>
-            <a:pPr>
-              <a:defRPr/>
-            </a:pPr>
-            <a:r>
-              <a:rPr lang="en-US" altLang="zh-CN" dirty="0"/>
-              <a:t>108</a:t>
-            </a:r>
-            <a:r>
-              <a:rPr lang="en-US" altLang="zh-CN" baseline="30000" dirty="0"/>
-              <a:t>th</a:t>
-            </a:r>
-            <a:r>
-              <a:rPr lang="en-US" altLang="zh-CN" dirty="0"/>
-              <a:t> IETF @ Madrid</a:t>
-            </a:r>
-          </a:p>
-        </p:txBody>
-      </p:sp>
-      <p:sp>
-        <p:nvSpPr>
-          <p:cNvPr id="5" name="Slide Number Placeholder 4">
-            <a:extLst>
-              <a:ext uri="{FF2B5EF4-FFF2-40B4-BE49-F238E27FC236}">
-                <a16:creationId xmlns:a16="http://schemas.microsoft.com/office/drawing/2014/main" id="{F002DB5E-0418-0246-B5BF-B4552D8F1527}"/>
-              </a:ext>
-            </a:extLst>
-          </p:cNvPr>
-          <p:cNvSpPr>
-            <a:spLocks noGrp="1"/>
-          </p:cNvSpPr>
-          <p:nvPr>
-            <p:ph type="sldNum" sz="quarter" idx="12"/>
-          </p:nvPr>
-        </p:nvSpPr>
-        <p:spPr/>
-        <p:txBody>
-          <a:bodyPr/>
-          <a:lstStyle/>
-          <a:p>
-            <a:pPr>
-              <a:defRPr/>
-            </a:pPr>
-            <a:fld id="{BD6E0F59-1DD8-40FC-9C92-B6295CBA6CCA}" type="slidenum">
-              <a:rPr lang="en-US" altLang="zh-CN" smtClean="0"/>
-              <a:pPr>
-                <a:defRPr/>
-              </a:pPr>
-              <a:t>15</a:t>
-            </a:fld>
-            <a:endParaRPr lang="en-US" altLang="zh-CN"/>
-          </a:p>
-        </p:txBody>
-      </p:sp>
-    </p:spTree>
-    <p:extLst>
-      <p:ext uri="{BB962C8B-B14F-4D97-AF65-F5344CB8AC3E}">
-        <p14:creationId xmlns:p14="http://schemas.microsoft.com/office/powerpoint/2010/main" val="118555581"/>
-      </p:ext>
-    </p:extLst>
-  </p:cSld>
-  <p:clrMapOvr>
-    <a:masterClrMapping/>
-  </p:clrMapOvr>
-</p:sld>
-</file>
-
-<file path=ppt/slides/slide16.xml><?xml version="1.0" encoding="utf-8"?>
-<p:sld xmlns:a="http://schemas.openxmlformats.org/drawingml/2006/main" xmlns:r="http://schemas.openxmlformats.org/officeDocument/2006/relationships" xmlns:p="http://schemas.openxmlformats.org/presentationml/2006/main">
-  <p:cSld>
-    <p:spTree>
-      <p:nvGrpSpPr>
-        <p:cNvPr id="1" name=""/>
-        <p:cNvGrpSpPr/>
-        <p:nvPr/>
-      </p:nvGrpSpPr>
-      <p:grpSpPr>
-        <a:xfrm>
-          <a:off x="0" y="0"/>
-          <a:ext cx="0" cy="0"/>
-          <a:chOff x="0" y="0"/>
-          <a:chExt cx="0" cy="0"/>
-        </a:xfrm>
-      </p:grpSpPr>
-      <p:sp>
-        <p:nvSpPr>
-          <p:cNvPr id="2" name="Title 1"/>
-          <p:cNvSpPr>
-            <a:spLocks noGrp="1"/>
-          </p:cNvSpPr>
-          <p:nvPr>
-            <p:ph type="title"/>
-          </p:nvPr>
-        </p:nvSpPr>
-        <p:spPr>
-          <a:xfrm>
-            <a:off x="0" y="1"/>
-            <a:ext cx="9067800" cy="971550"/>
-          </a:xfrm>
-        </p:spPr>
-        <p:txBody>
-          <a:bodyPr/>
-          <a:lstStyle/>
-          <a:p>
-            <a:r>
-              <a:rPr lang="en-US" sz="3600" dirty="0">
-                <a:solidFill>
-                  <a:srgbClr val="002060"/>
-                </a:solidFill>
-              </a:rPr>
-              <a:t>Bidirectional LSP Association Group TLV </a:t>
-            </a:r>
-          </a:p>
-        </p:txBody>
-      </p:sp>
-      <p:sp>
-        <p:nvSpPr>
-          <p:cNvPr id="4" name="Footer Placeholder 3"/>
-          <p:cNvSpPr>
-            <a:spLocks noGrp="1"/>
-          </p:cNvSpPr>
-          <p:nvPr>
-            <p:ph type="ftr" sz="quarter" idx="11"/>
-          </p:nvPr>
-        </p:nvSpPr>
-        <p:spPr>
-          <a:xfrm>
-            <a:off x="3124200" y="4806539"/>
-            <a:ext cx="2895600" cy="357188"/>
-          </a:xfrm>
-        </p:spPr>
-        <p:txBody>
-          <a:bodyPr/>
-          <a:lstStyle/>
-          <a:p>
-            <a:pPr>
-              <a:defRPr/>
-            </a:pPr>
-            <a:r>
-              <a:rPr lang="en-US" altLang="zh-CN" dirty="0"/>
-              <a:t>108</a:t>
-            </a:r>
-            <a:r>
-              <a:rPr lang="en-US" altLang="zh-CN" baseline="30000" dirty="0"/>
-              <a:t>th</a:t>
-            </a:r>
-            <a:r>
-              <a:rPr lang="en-US" altLang="zh-CN" dirty="0"/>
-              <a:t> IETF @ Madrid</a:t>
-            </a:r>
-          </a:p>
-        </p:txBody>
-      </p:sp>
-      <p:sp>
-        <p:nvSpPr>
-          <p:cNvPr id="6" name="Rectangle 5"/>
-          <p:cNvSpPr/>
-          <p:nvPr/>
-        </p:nvSpPr>
-        <p:spPr>
-          <a:xfrm>
-            <a:off x="266700" y="2918095"/>
-            <a:ext cx="8610600" cy="1754326"/>
-          </a:xfrm>
-          <a:prstGeom prst="rect">
-            <a:avLst/>
-          </a:prstGeom>
-        </p:spPr>
-        <p:txBody>
-          <a:bodyPr wrap="square">
-            <a:spAutoFit/>
-          </a:bodyPr>
-          <a:lstStyle/>
-          <a:p>
-            <a:pPr marL="285750" indent="-285750">
-              <a:spcAft>
-                <a:spcPts val="0"/>
-              </a:spcAft>
-              <a:buFont typeface="Arial" charset="0"/>
-              <a:buChar char="•"/>
-            </a:pPr>
-            <a:r>
-              <a:rPr lang="en-US" dirty="0">
-                <a:latin typeface="Calibri" charset="0"/>
-                <a:ea typeface="Calibri" charset="0"/>
-                <a:cs typeface="Calibri" charset="0"/>
-              </a:rPr>
-              <a:t>F (Forward LSP, 1 bit)</a:t>
-            </a:r>
-          </a:p>
-          <a:p>
-            <a:pPr marL="742950" lvl="1" indent="-285750">
-              <a:spcAft>
-                <a:spcPts val="0"/>
-              </a:spcAft>
-              <a:buFont typeface="Arial" charset="0"/>
-              <a:buChar char="•"/>
-            </a:pPr>
-            <a:r>
-              <a:rPr lang="en-US" dirty="0">
-                <a:latin typeface="Calibri" charset="0"/>
-                <a:ea typeface="Calibri" charset="0"/>
-                <a:cs typeface="Calibri" charset="0"/>
-              </a:rPr>
-              <a:t>Indicates whether the LSP associated is the forward LSP of the bidirectional LSP.</a:t>
-            </a:r>
-          </a:p>
-          <a:p>
-            <a:pPr marL="285750" indent="-285750">
-              <a:spcAft>
-                <a:spcPts val="0"/>
-              </a:spcAft>
-              <a:buFont typeface="Arial" charset="0"/>
-              <a:buChar char="•"/>
-            </a:pPr>
-            <a:r>
-              <a:rPr lang="en-US" dirty="0">
-                <a:latin typeface="Calibri" charset="0"/>
-                <a:ea typeface="Calibri" charset="0"/>
-                <a:cs typeface="Calibri" charset="0"/>
-              </a:rPr>
-              <a:t>R (Reverse LSP, 1 bit)</a:t>
-            </a:r>
-          </a:p>
-          <a:p>
-            <a:pPr marL="742950" lvl="1" indent="-285750">
-              <a:spcAft>
-                <a:spcPts val="0"/>
-              </a:spcAft>
-              <a:buFont typeface="Arial" charset="0"/>
-              <a:buChar char="•"/>
-            </a:pPr>
-            <a:r>
-              <a:rPr lang="en-US" dirty="0">
-                <a:latin typeface="Calibri" charset="0"/>
-                <a:ea typeface="Calibri" charset="0"/>
-                <a:cs typeface="Calibri" charset="0"/>
-              </a:rPr>
-              <a:t>Indicates whether the LSP associated is the reverse LSP of the bidirectional LSP. </a:t>
-            </a:r>
-          </a:p>
-          <a:p>
-            <a:pPr marL="285750" indent="-285750">
-              <a:spcAft>
-                <a:spcPts val="0"/>
-              </a:spcAft>
-              <a:buFont typeface="Arial" charset="0"/>
-              <a:buChar char="•"/>
-            </a:pPr>
-            <a:r>
-              <a:rPr lang="en-US" dirty="0">
-                <a:latin typeface="Calibri" charset="0"/>
-                <a:ea typeface="Calibri" charset="0"/>
-                <a:cs typeface="Calibri" charset="0"/>
-              </a:rPr>
-              <a:t>C (Co-routed LSP, 1 bit)</a:t>
-            </a:r>
-          </a:p>
-          <a:p>
-            <a:pPr marL="742950" lvl="1" indent="-285750">
-              <a:spcAft>
-                <a:spcPts val="0"/>
-              </a:spcAft>
-              <a:buFont typeface="Arial" charset="0"/>
-              <a:buChar char="•"/>
-            </a:pPr>
-            <a:r>
-              <a:rPr lang="en-US" dirty="0">
-                <a:latin typeface="Calibri" charset="0"/>
-                <a:ea typeface="Calibri" charset="0"/>
-                <a:cs typeface="Calibri" charset="0"/>
-              </a:rPr>
-              <a:t>Indicates whether the associated bidirectional LSP is co-routed.</a:t>
-            </a:r>
-          </a:p>
-        </p:txBody>
-      </p:sp>
-      <p:sp>
-        <p:nvSpPr>
-          <p:cNvPr id="5" name="Slide Number Placeholder 4">
-            <a:extLst>
-              <a:ext uri="{FF2B5EF4-FFF2-40B4-BE49-F238E27FC236}">
-                <a16:creationId xmlns:a16="http://schemas.microsoft.com/office/drawing/2014/main" id="{60F89134-D947-DC49-A6AA-0290AC978C89}"/>
-              </a:ext>
-            </a:extLst>
-          </p:cNvPr>
-          <p:cNvSpPr>
-            <a:spLocks noGrp="1"/>
-          </p:cNvSpPr>
-          <p:nvPr>
-            <p:ph type="sldNum" sz="quarter" idx="12"/>
-          </p:nvPr>
-        </p:nvSpPr>
-        <p:spPr/>
-        <p:txBody>
-          <a:bodyPr/>
-          <a:lstStyle/>
-          <a:p>
-            <a:pPr>
-              <a:defRPr/>
-            </a:pPr>
-            <a:fld id="{BD6E0F59-1DD8-40FC-9C92-B6295CBA6CCA}" type="slidenum">
-              <a:rPr lang="en-US" altLang="zh-CN" smtClean="0"/>
-              <a:pPr>
-                <a:defRPr/>
-              </a:pPr>
-              <a:t>16</a:t>
-            </a:fld>
-            <a:endParaRPr lang="en-US" altLang="zh-CN"/>
-          </a:p>
-        </p:txBody>
-      </p:sp>
-      <p:sp>
-        <p:nvSpPr>
-          <p:cNvPr id="7" name="Rectangle 6">
-            <a:extLst>
-              <a:ext uri="{FF2B5EF4-FFF2-40B4-BE49-F238E27FC236}">
-                <a16:creationId xmlns:a16="http://schemas.microsoft.com/office/drawing/2014/main" id="{9F538F58-A84D-DE42-B390-F12A4368F957}"/>
-              </a:ext>
-            </a:extLst>
-          </p:cNvPr>
-          <p:cNvSpPr/>
-          <p:nvPr/>
-        </p:nvSpPr>
-        <p:spPr>
-          <a:xfrm>
-            <a:off x="1143000" y="971551"/>
-            <a:ext cx="6477000" cy="1754326"/>
-          </a:xfrm>
-          <a:prstGeom prst="rect">
-            <a:avLst/>
-          </a:prstGeom>
-          <a:ln>
-            <a:solidFill>
-              <a:schemeClr val="accent1"/>
-            </a:solidFill>
-          </a:ln>
-        </p:spPr>
-        <p:txBody>
-          <a:bodyPr wrap="square">
-            <a:spAutoFit/>
-          </a:bodyPr>
-          <a:lstStyle/>
-          <a:p>
-            <a:pPr>
-              <a:spcAft>
-                <a:spcPts val="0"/>
-              </a:spcAft>
-              <a:tabLst>
-                <a:tab pos="581660" algn="l"/>
-                <a:tab pos="1163320" algn="l"/>
-                <a:tab pos="1744980" algn="l"/>
-                <a:tab pos="2326640" algn="l"/>
-                <a:tab pos="2908300" algn="l"/>
-                <a:tab pos="3489960" algn="l"/>
-                <a:tab pos="4071620" algn="l"/>
-                <a:tab pos="4653280" algn="l"/>
-                <a:tab pos="5234940" algn="l"/>
-                <a:tab pos="5816600" algn="l"/>
-                <a:tab pos="6398260" algn="l"/>
-                <a:tab pos="6979920" algn="l"/>
-                <a:tab pos="7561580" algn="l"/>
-                <a:tab pos="8143240" algn="l"/>
-                <a:tab pos="8724900" algn="l"/>
-                <a:tab pos="9306560" algn="l"/>
-              </a:tabLst>
-            </a:pPr>
-            <a:r>
-              <a:rPr lang="en-CA" sz="1200" dirty="0">
-                <a:latin typeface="Courier" pitchFamily="2" charset="0"/>
-                <a:ea typeface="Times New Roman" panose="02020603050405020304" pitchFamily="18" charset="0"/>
-                <a:cs typeface="Times New Roman" panose="02020603050405020304" pitchFamily="18" charset="0"/>
-              </a:rPr>
-              <a:t> 0                   1                   2                   3</a:t>
-            </a:r>
-            <a:endParaRPr lang="en-CA" sz="1200" dirty="0">
-              <a:latin typeface="Courier" pitchFamily="2" charset="0"/>
-              <a:ea typeface="Calibri" panose="020F0502020204030204" pitchFamily="34" charset="0"/>
-              <a:cs typeface="Times New Roman" panose="02020603050405020304" pitchFamily="18" charset="0"/>
-            </a:endParaRPr>
-          </a:p>
-          <a:p>
-            <a:pPr>
-              <a:spcAft>
-                <a:spcPts val="0"/>
-              </a:spcAft>
-              <a:tabLst>
-                <a:tab pos="581660" algn="l"/>
-                <a:tab pos="1163320" algn="l"/>
-                <a:tab pos="1744980" algn="l"/>
-                <a:tab pos="2326640" algn="l"/>
-                <a:tab pos="2908300" algn="l"/>
-                <a:tab pos="3489960" algn="l"/>
-                <a:tab pos="4071620" algn="l"/>
-                <a:tab pos="4653280" algn="l"/>
-                <a:tab pos="5234940" algn="l"/>
-                <a:tab pos="5816600" algn="l"/>
-                <a:tab pos="6398260" algn="l"/>
-                <a:tab pos="6979920" algn="l"/>
-                <a:tab pos="7561580" algn="l"/>
-                <a:tab pos="8143240" algn="l"/>
-                <a:tab pos="8724900" algn="l"/>
-                <a:tab pos="9306560" algn="l"/>
-              </a:tabLst>
-            </a:pPr>
-            <a:r>
-              <a:rPr lang="en-CA" sz="1200" dirty="0">
-                <a:latin typeface="Courier" pitchFamily="2" charset="0"/>
-                <a:ea typeface="Times New Roman" panose="02020603050405020304" pitchFamily="18" charset="0"/>
-                <a:cs typeface="Times New Roman" panose="02020603050405020304" pitchFamily="18" charset="0"/>
-              </a:rPr>
-              <a:t> 0 1 2 3 4 5 6 7 8 9 0 1 2 3 4 5 6 7 8 9 0 1 2 3 4 5 6 7 8 9 0 1</a:t>
-            </a:r>
-            <a:endParaRPr lang="en-CA" sz="1200" dirty="0">
-              <a:latin typeface="Courier" pitchFamily="2" charset="0"/>
-              <a:ea typeface="Calibri" panose="020F0502020204030204" pitchFamily="34" charset="0"/>
-              <a:cs typeface="Times New Roman" panose="02020603050405020304" pitchFamily="18" charset="0"/>
-            </a:endParaRPr>
-          </a:p>
-          <a:p>
-            <a:pPr>
-              <a:spcAft>
-                <a:spcPts val="0"/>
-              </a:spcAft>
-              <a:tabLst>
-                <a:tab pos="581660" algn="l"/>
-                <a:tab pos="1163320" algn="l"/>
-                <a:tab pos="1744980" algn="l"/>
-                <a:tab pos="2326640" algn="l"/>
-                <a:tab pos="2908300" algn="l"/>
-                <a:tab pos="3489960" algn="l"/>
-                <a:tab pos="4071620" algn="l"/>
-                <a:tab pos="4653280" algn="l"/>
-                <a:tab pos="5234940" algn="l"/>
-                <a:tab pos="5816600" algn="l"/>
-                <a:tab pos="6398260" algn="l"/>
-                <a:tab pos="6979920" algn="l"/>
-                <a:tab pos="7561580" algn="l"/>
-                <a:tab pos="8143240" algn="l"/>
-                <a:tab pos="8724900" algn="l"/>
-                <a:tab pos="9306560" algn="l"/>
-              </a:tabLst>
-            </a:pPr>
-            <a:r>
-              <a:rPr lang="en-CA" sz="1200" dirty="0">
-                <a:latin typeface="Courier" pitchFamily="2" charset="0"/>
-                <a:ea typeface="Times New Roman" panose="02020603050405020304" pitchFamily="18" charset="0"/>
-                <a:cs typeface="Times New Roman" panose="02020603050405020304" pitchFamily="18" charset="0"/>
-              </a:rPr>
-              <a:t> +-+-+-+-+-+-+-+-+-+-+-+-+-+-+-+-+-+-+-+-+-+-+-+-+-+-+-+-+-+-+-+-+</a:t>
-            </a:r>
-            <a:endParaRPr lang="en-CA" sz="1200" dirty="0">
-              <a:latin typeface="Courier" pitchFamily="2" charset="0"/>
-              <a:ea typeface="Calibri" panose="020F0502020204030204" pitchFamily="34" charset="0"/>
-              <a:cs typeface="Times New Roman" panose="02020603050405020304" pitchFamily="18" charset="0"/>
-            </a:endParaRPr>
-          </a:p>
-          <a:p>
-            <a:pPr>
-              <a:spcAft>
-                <a:spcPts val="0"/>
-              </a:spcAft>
-              <a:tabLst>
-                <a:tab pos="581660" algn="l"/>
-                <a:tab pos="1163320" algn="l"/>
-                <a:tab pos="1744980" algn="l"/>
-                <a:tab pos="2326640" algn="l"/>
-                <a:tab pos="2908300" algn="l"/>
-                <a:tab pos="3489960" algn="l"/>
-                <a:tab pos="4071620" algn="l"/>
-                <a:tab pos="4653280" algn="l"/>
-                <a:tab pos="5234940" algn="l"/>
-                <a:tab pos="5816600" algn="l"/>
-                <a:tab pos="6398260" algn="l"/>
-                <a:tab pos="6979920" algn="l"/>
-                <a:tab pos="7561580" algn="l"/>
-                <a:tab pos="8143240" algn="l"/>
-                <a:tab pos="8724900" algn="l"/>
-                <a:tab pos="9306560" algn="l"/>
-              </a:tabLst>
-            </a:pPr>
-            <a:r>
-              <a:rPr lang="en-CA" sz="1200" dirty="0">
-                <a:latin typeface="Courier" pitchFamily="2" charset="0"/>
-                <a:ea typeface="Times New Roman" panose="02020603050405020304" pitchFamily="18" charset="0"/>
-                <a:cs typeface="Times New Roman" panose="02020603050405020304" pitchFamily="18" charset="0"/>
-              </a:rPr>
-              <a:t> |         Type = TBD3           |             Length            |</a:t>
-            </a:r>
-            <a:endParaRPr lang="en-CA" sz="1200" dirty="0">
-              <a:latin typeface="Courier" pitchFamily="2" charset="0"/>
-              <a:ea typeface="Calibri" panose="020F0502020204030204" pitchFamily="34" charset="0"/>
-              <a:cs typeface="Times New Roman" panose="02020603050405020304" pitchFamily="18" charset="0"/>
-            </a:endParaRPr>
-          </a:p>
-          <a:p>
-            <a:pPr>
-              <a:spcAft>
-                <a:spcPts val="0"/>
-              </a:spcAft>
-              <a:tabLst>
-                <a:tab pos="581660" algn="l"/>
-                <a:tab pos="1163320" algn="l"/>
-                <a:tab pos="1744980" algn="l"/>
-                <a:tab pos="2326640" algn="l"/>
-                <a:tab pos="2908300" algn="l"/>
-                <a:tab pos="3489960" algn="l"/>
-                <a:tab pos="4071620" algn="l"/>
-                <a:tab pos="4653280" algn="l"/>
-                <a:tab pos="5234940" algn="l"/>
-                <a:tab pos="5816600" algn="l"/>
-                <a:tab pos="6398260" algn="l"/>
-                <a:tab pos="6979920" algn="l"/>
-                <a:tab pos="7561580" algn="l"/>
-                <a:tab pos="8143240" algn="l"/>
-                <a:tab pos="8724900" algn="l"/>
-                <a:tab pos="9306560" algn="l"/>
-              </a:tabLst>
-            </a:pPr>
-            <a:r>
-              <a:rPr lang="en-CA" sz="1200" dirty="0">
-                <a:latin typeface="Courier" pitchFamily="2" charset="0"/>
-                <a:ea typeface="Times New Roman" panose="02020603050405020304" pitchFamily="18" charset="0"/>
-                <a:cs typeface="Times New Roman" panose="02020603050405020304" pitchFamily="18" charset="0"/>
-              </a:rPr>
-              <a:t> +-+-+-+-+-+-+-+-+-+-+-+-+-+-+-+-+-+-+-+-+-+-+-+-+-+-+-+-+-+-+-+-+</a:t>
-            </a:r>
-            <a:endParaRPr lang="en-CA" sz="1200" dirty="0">
-              <a:latin typeface="Courier" pitchFamily="2" charset="0"/>
-              <a:ea typeface="Calibri" panose="020F0502020204030204" pitchFamily="34" charset="0"/>
-              <a:cs typeface="Times New Roman" panose="02020603050405020304" pitchFamily="18" charset="0"/>
-            </a:endParaRPr>
-          </a:p>
-          <a:p>
-            <a:pPr>
-              <a:spcAft>
-                <a:spcPts val="0"/>
-              </a:spcAft>
-              <a:tabLst>
-                <a:tab pos="581660" algn="l"/>
-                <a:tab pos="1163320" algn="l"/>
-                <a:tab pos="1744980" algn="l"/>
-                <a:tab pos="2326640" algn="l"/>
-                <a:tab pos="2908300" algn="l"/>
-                <a:tab pos="3489960" algn="l"/>
-                <a:tab pos="4071620" algn="l"/>
-                <a:tab pos="4653280" algn="l"/>
-                <a:tab pos="5234940" algn="l"/>
-                <a:tab pos="5816600" algn="l"/>
-                <a:tab pos="6398260" algn="l"/>
-                <a:tab pos="6979920" algn="l"/>
-                <a:tab pos="7561580" algn="l"/>
-                <a:tab pos="8143240" algn="l"/>
-                <a:tab pos="8724900" algn="l"/>
-                <a:tab pos="9306560" algn="l"/>
-              </a:tabLst>
-            </a:pPr>
-            <a:r>
-              <a:rPr lang="en-CA" sz="1200" dirty="0">
-                <a:latin typeface="Courier" pitchFamily="2" charset="0"/>
-                <a:ea typeface="Times New Roman" panose="02020603050405020304" pitchFamily="18" charset="0"/>
-                <a:cs typeface="Times New Roman" panose="02020603050405020304" pitchFamily="18" charset="0"/>
-              </a:rPr>
-              <a:t> |                       Reserved                          |C|R|F|</a:t>
-            </a:r>
-            <a:endParaRPr lang="en-CA" sz="1200" dirty="0">
-              <a:latin typeface="Courier" pitchFamily="2" charset="0"/>
-              <a:ea typeface="Calibri" panose="020F0502020204030204" pitchFamily="34" charset="0"/>
-              <a:cs typeface="Times New Roman" panose="02020603050405020304" pitchFamily="18" charset="0"/>
-            </a:endParaRPr>
-          </a:p>
-          <a:p>
-            <a:pPr>
-              <a:spcAft>
-                <a:spcPts val="0"/>
-              </a:spcAft>
-              <a:tabLst>
-                <a:tab pos="581660" algn="l"/>
-                <a:tab pos="1163320" algn="l"/>
-                <a:tab pos="1744980" algn="l"/>
-                <a:tab pos="2326640" algn="l"/>
-                <a:tab pos="2908300" algn="l"/>
-                <a:tab pos="3489960" algn="l"/>
-                <a:tab pos="4071620" algn="l"/>
-                <a:tab pos="4653280" algn="l"/>
-                <a:tab pos="5234940" algn="l"/>
-                <a:tab pos="5816600" algn="l"/>
-                <a:tab pos="6398260" algn="l"/>
-                <a:tab pos="6979920" algn="l"/>
-                <a:tab pos="7561580" algn="l"/>
-                <a:tab pos="8143240" algn="l"/>
-                <a:tab pos="8724900" algn="l"/>
-                <a:tab pos="9306560" algn="l"/>
-              </a:tabLst>
-            </a:pPr>
-            <a:r>
-              <a:rPr lang="en-CA" sz="1200" dirty="0">
-                <a:latin typeface="Courier" pitchFamily="2" charset="0"/>
-                <a:ea typeface="Times New Roman" panose="02020603050405020304" pitchFamily="18" charset="0"/>
-                <a:cs typeface="Times New Roman" panose="02020603050405020304" pitchFamily="18" charset="0"/>
-              </a:rPr>
-              <a:t> +-+-+-+-+-+-+-+-+-+-+-+-+-+-+-+-+-+-+-+-+-+-+-+-+-+-+-+-+-+-+-+-+</a:t>
-            </a:r>
-            <a:endParaRPr lang="en-CA" sz="1200" dirty="0">
-              <a:latin typeface="Courier" pitchFamily="2" charset="0"/>
-              <a:ea typeface="Calibri" panose="020F0502020204030204" pitchFamily="34" charset="0"/>
-              <a:cs typeface="Times New Roman" panose="02020603050405020304" pitchFamily="18" charset="0"/>
-            </a:endParaRPr>
-          </a:p>
-          <a:p>
-            <a:pPr>
-              <a:spcAft>
-                <a:spcPts val="0"/>
-              </a:spcAft>
-              <a:tabLst>
-                <a:tab pos="581660" algn="l"/>
-                <a:tab pos="1163320" algn="l"/>
-                <a:tab pos="1744980" algn="l"/>
-                <a:tab pos="2326640" algn="l"/>
-                <a:tab pos="2908300" algn="l"/>
-                <a:tab pos="3489960" algn="l"/>
-                <a:tab pos="4071620" algn="l"/>
-                <a:tab pos="4653280" algn="l"/>
-                <a:tab pos="5234940" algn="l"/>
-                <a:tab pos="5816600" algn="l"/>
-                <a:tab pos="6398260" algn="l"/>
-                <a:tab pos="6979920" algn="l"/>
-                <a:tab pos="7561580" algn="l"/>
-                <a:tab pos="8143240" algn="l"/>
-                <a:tab pos="8724900" algn="l"/>
-                <a:tab pos="9306560" algn="l"/>
-              </a:tabLst>
-            </a:pPr>
-            <a:r>
-              <a:rPr lang="en-CA" sz="1200" dirty="0">
-                <a:latin typeface="Courier" pitchFamily="2" charset="0"/>
-                <a:ea typeface="Times New Roman" panose="02020603050405020304" pitchFamily="18" charset="0"/>
-                <a:cs typeface="Times New Roman" panose="02020603050405020304" pitchFamily="18" charset="0"/>
-              </a:rPr>
-              <a:t> </a:t>
-            </a:r>
-            <a:endParaRPr lang="en-CA" sz="1200" dirty="0">
-              <a:latin typeface="Courier" pitchFamily="2" charset="0"/>
-              <a:ea typeface="Calibri" panose="020F0502020204030204" pitchFamily="34" charset="0"/>
-              <a:cs typeface="Times New Roman" panose="02020603050405020304" pitchFamily="18" charset="0"/>
-            </a:endParaRPr>
-          </a:p>
-          <a:p>
-            <a:pPr>
-              <a:spcAft>
-                <a:spcPts val="0"/>
-              </a:spcAft>
-              <a:tabLst>
-                <a:tab pos="581660" algn="l"/>
-                <a:tab pos="1163320" algn="l"/>
-                <a:tab pos="1744980" algn="l"/>
-                <a:tab pos="2326640" algn="l"/>
-                <a:tab pos="2908300" algn="l"/>
-                <a:tab pos="3489960" algn="l"/>
-                <a:tab pos="4071620" algn="l"/>
-                <a:tab pos="4653280" algn="l"/>
-                <a:tab pos="5234940" algn="l"/>
-                <a:tab pos="5816600" algn="l"/>
-                <a:tab pos="6398260" algn="l"/>
-                <a:tab pos="6979920" algn="l"/>
-                <a:tab pos="7561580" algn="l"/>
-                <a:tab pos="8143240" algn="l"/>
-                <a:tab pos="8724900" algn="l"/>
-                <a:tab pos="9306560" algn="l"/>
-              </a:tabLst>
-            </a:pPr>
-            <a:r>
-              <a:rPr lang="en-CA" sz="1200" dirty="0">
-                <a:latin typeface="Courier" pitchFamily="2" charset="0"/>
-                <a:ea typeface="Times New Roman" panose="02020603050405020304" pitchFamily="18" charset="0"/>
-                <a:cs typeface="Times New Roman" panose="02020603050405020304" pitchFamily="18" charset="0"/>
-              </a:rPr>
-              <a:t>         Figure: Bidirectional LSP Association Group TLV format</a:t>
-            </a:r>
-            <a:endParaRPr lang="en-US" sz="1200" dirty="0">
-              <a:latin typeface="Courier" pitchFamily="2" charset="0"/>
-            </a:endParaRPr>
-          </a:p>
-        </p:txBody>
-      </p:sp>
-    </p:spTree>
-    <p:extLst>
-      <p:ext uri="{BB962C8B-B14F-4D97-AF65-F5344CB8AC3E}">
-        <p14:creationId xmlns:p14="http://schemas.microsoft.com/office/powerpoint/2010/main" val="1431967142"/>
-      </p:ext>
-    </p:extLst>
-  </p:cSld>
-  <p:clrMapOvr>
-    <a:masterClrMapping/>
-  </p:clrMapOvr>
-</p:sld>
-</file>
-
-<file path=ppt/slides/slide17.xml><?xml version="1.0" encoding="utf-8"?>
-<p:sld xmlns:a="http://schemas.openxmlformats.org/drawingml/2006/main" xmlns:r="http://schemas.openxmlformats.org/officeDocument/2006/relationships" xmlns:p="http://schemas.openxmlformats.org/presentationml/2006/main">
-  <p:cSld>
-    <p:spTree>
-      <p:nvGrpSpPr>
-        <p:cNvPr id="1" name=""/>
-        <p:cNvGrpSpPr/>
-        <p:nvPr/>
-      </p:nvGrpSpPr>
-      <p:grpSpPr>
-        <a:xfrm>
-          <a:off x="0" y="0"/>
-          <a:ext cx="0" cy="0"/>
-          <a:chOff x="0" y="0"/>
-          <a:chExt cx="0" cy="0"/>
-        </a:xfrm>
-      </p:grpSpPr>
-      <p:sp>
-        <p:nvSpPr>
-          <p:cNvPr id="2" name="Title 1"/>
-          <p:cNvSpPr>
-            <a:spLocks noGrp="1"/>
-          </p:cNvSpPr>
-          <p:nvPr>
-            <p:ph type="title"/>
-          </p:nvPr>
-        </p:nvSpPr>
-        <p:spPr>
-          <a:xfrm>
-            <a:off x="0" y="9427"/>
-            <a:ext cx="9144000" cy="857250"/>
-          </a:xfrm>
-        </p:spPr>
-        <p:txBody>
-          <a:bodyPr/>
-          <a:lstStyle/>
-          <a:p>
-            <a:r>
-              <a:rPr lang="en-US" sz="3000" dirty="0">
-                <a:solidFill>
-                  <a:srgbClr val="002060"/>
-                </a:solidFill>
-                <a:latin typeface="Calibri" charset="0"/>
-                <a:ea typeface="Calibri" charset="0"/>
-                <a:cs typeface="Calibri" charset="0"/>
-              </a:rPr>
-              <a:t>Error Handling (</a:t>
-            </a:r>
-            <a:r>
-              <a:rPr lang="en-US" sz="3000" dirty="0" err="1">
-                <a:solidFill>
-                  <a:srgbClr val="002060"/>
-                </a:solidFill>
-                <a:latin typeface="Calibri" charset="0"/>
-                <a:ea typeface="Calibri" charset="0"/>
-                <a:cs typeface="Calibri" charset="0"/>
-              </a:rPr>
-              <a:t>PCErr</a:t>
-            </a:r>
-            <a:r>
-              <a:rPr lang="en-US" sz="3000" dirty="0">
-                <a:solidFill>
-                  <a:srgbClr val="002060"/>
-                </a:solidFill>
-                <a:latin typeface="Calibri" charset="0"/>
-                <a:ea typeface="Calibri" charset="0"/>
-                <a:cs typeface="Calibri" charset="0"/>
-              </a:rPr>
-              <a:t> </a:t>
-            </a:r>
-            <a:r>
-              <a:rPr lang="en-CA" sz="3000" dirty="0">
-                <a:solidFill>
-                  <a:srgbClr val="002060"/>
-                </a:solidFill>
-                <a:latin typeface="Calibri" panose="020F0502020204030204" pitchFamily="34" charset="0"/>
-                <a:cs typeface="Calibri" panose="020F0502020204030204" pitchFamily="34" charset="0"/>
-              </a:rPr>
-              <a:t>Error-Type 26 - Association Error)</a:t>
-            </a:r>
-            <a:endParaRPr lang="en-US" sz="3000" dirty="0">
-              <a:solidFill>
-                <a:srgbClr val="002060"/>
-              </a:solidFill>
-            </a:endParaRPr>
-          </a:p>
-        </p:txBody>
-      </p:sp>
-      <p:sp>
-        <p:nvSpPr>
-          <p:cNvPr id="3" name="Content Placeholder 2"/>
-          <p:cNvSpPr>
-            <a:spLocks noGrp="1"/>
-          </p:cNvSpPr>
-          <p:nvPr>
-            <p:ph idx="1"/>
-          </p:nvPr>
-        </p:nvSpPr>
-        <p:spPr>
-          <a:xfrm>
-            <a:off x="457200" y="866677"/>
-            <a:ext cx="8077200" cy="3581401"/>
-          </a:xfrm>
-        </p:spPr>
-        <p:txBody>
-          <a:bodyPr/>
-          <a:lstStyle/>
-          <a:p>
-            <a:pPr marL="457200" lvl="0" indent="-457200">
-              <a:buFont typeface="+mj-lt"/>
-              <a:buAutoNum type="arabicPeriod"/>
-            </a:pPr>
-            <a:r>
-              <a:rPr lang="en-US" sz="2000" dirty="0">
-                <a:latin typeface="Calibri" panose="020F0502020204030204" pitchFamily="34" charset="0"/>
-                <a:cs typeface="Calibri" panose="020F0502020204030204" pitchFamily="34" charset="0"/>
-              </a:rPr>
-              <a:t>Both forward and reverse LSPs MUST belong to the same bidirectional TE tunnel [RFC3209].</a:t>
-            </a:r>
-          </a:p>
-          <a:p>
-            <a:pPr lvl="1"/>
-            <a:r>
-              <a:rPr lang="en-US" sz="2000" dirty="0">
-                <a:latin typeface="Calibri" panose="020F0502020204030204" pitchFamily="34" charset="0"/>
-                <a:cs typeface="Calibri" panose="020F0502020204030204" pitchFamily="34" charset="0"/>
-              </a:rPr>
-              <a:t>Error-Value = Bidirectional LSP Association - Tunnel mismatch</a:t>
-            </a:r>
-          </a:p>
-          <a:p>
-            <a:pPr marL="457200" lvl="0" indent="-457200">
-              <a:buFont typeface="+mj-lt"/>
-              <a:buAutoNum type="arabicPeriod"/>
-            </a:pPr>
-            <a:r>
-              <a:rPr lang="en-CA" sz="2000" dirty="0">
-                <a:latin typeface="Calibri" panose="020F0502020204030204" pitchFamily="34" charset="0"/>
-                <a:cs typeface="Calibri" panose="020F0502020204030204" pitchFamily="34" charset="0"/>
-              </a:rPr>
-              <a:t>LSP (forward or reverse) cannot be part of more than one Bidirectional LSP Association Group.</a:t>
-            </a:r>
-          </a:p>
-          <a:p>
-            <a:pPr lvl="1"/>
-            <a:r>
-              <a:rPr lang="en-CA" sz="2000" dirty="0">
-                <a:latin typeface="Calibri" panose="020F0502020204030204" pitchFamily="34" charset="0"/>
-                <a:cs typeface="Calibri" panose="020F0502020204030204" pitchFamily="34" charset="0"/>
-              </a:rPr>
-              <a:t>Error-Value = Bidirectional LSP Association - Group Mismatch</a:t>
-            </a:r>
-          </a:p>
-          <a:p>
-            <a:pPr marL="457200" indent="-457200">
-              <a:buFont typeface="+mj-lt"/>
-              <a:buAutoNum type="arabicPeriod"/>
-            </a:pPr>
-            <a:r>
-              <a:rPr lang="en-CA" sz="2000" dirty="0"/>
-              <a:t>If a PCEP speaker receives a different PST value for Bidirectional LSP association group and it does not support.</a:t>
-            </a:r>
-          </a:p>
-          <a:p>
-            <a:pPr lvl="1"/>
-            <a:r>
-              <a:rPr lang="en-CA" sz="2000" dirty="0"/>
-              <a:t>Error-Value = Bidirectional LSP Association - Path Setup Type Not Supported</a:t>
-            </a:r>
-          </a:p>
-          <a:p>
-            <a:pPr lvl="0"/>
-            <a:endParaRPr lang="en-US" sz="2000" dirty="0">
-              <a:latin typeface="Calibri" panose="020F0502020204030204" pitchFamily="34" charset="0"/>
-              <a:cs typeface="Calibri" panose="020F0502020204030204" pitchFamily="34" charset="0"/>
-            </a:endParaRPr>
-          </a:p>
-        </p:txBody>
-      </p:sp>
-      <p:sp>
-        <p:nvSpPr>
-          <p:cNvPr id="4" name="Footer Placeholder 3"/>
-          <p:cNvSpPr>
-            <a:spLocks noGrp="1"/>
-          </p:cNvSpPr>
-          <p:nvPr>
-            <p:ph type="ftr" sz="quarter" idx="11"/>
-          </p:nvPr>
-        </p:nvSpPr>
-        <p:spPr>
-          <a:xfrm>
-            <a:off x="3124200" y="4786312"/>
-            <a:ext cx="2895600" cy="357188"/>
-          </a:xfrm>
-        </p:spPr>
-        <p:txBody>
-          <a:bodyPr/>
-          <a:lstStyle/>
-          <a:p>
-            <a:pPr>
-              <a:defRPr/>
-            </a:pPr>
-            <a:r>
-              <a:rPr lang="en-US" altLang="zh-CN" dirty="0"/>
-              <a:t>108</a:t>
-            </a:r>
-            <a:r>
-              <a:rPr lang="en-US" altLang="zh-CN" baseline="30000" dirty="0"/>
-              <a:t>th</a:t>
-            </a:r>
-            <a:r>
-              <a:rPr lang="en-US" altLang="zh-CN" dirty="0"/>
-              <a:t> IETF @ Madrid</a:t>
-            </a:r>
-          </a:p>
-        </p:txBody>
-      </p:sp>
-      <p:sp>
-        <p:nvSpPr>
-          <p:cNvPr id="5" name="Slide Number Placeholder 4">
-            <a:extLst>
-              <a:ext uri="{FF2B5EF4-FFF2-40B4-BE49-F238E27FC236}">
-                <a16:creationId xmlns:a16="http://schemas.microsoft.com/office/drawing/2014/main" id="{BE931AD8-4828-694D-80B1-6D3FF605EEC1}"/>
-              </a:ext>
-            </a:extLst>
-          </p:cNvPr>
-          <p:cNvSpPr>
-            <a:spLocks noGrp="1"/>
-          </p:cNvSpPr>
-          <p:nvPr>
-            <p:ph type="sldNum" sz="quarter" idx="12"/>
-          </p:nvPr>
-        </p:nvSpPr>
-        <p:spPr/>
-        <p:txBody>
-          <a:bodyPr/>
-          <a:lstStyle/>
-          <a:p>
-            <a:pPr>
-              <a:defRPr/>
-            </a:pPr>
-            <a:fld id="{BD6E0F59-1DD8-40FC-9C92-B6295CBA6CCA}" type="slidenum">
-              <a:rPr lang="en-US" altLang="zh-CN" smtClean="0"/>
-              <a:pPr>
-                <a:defRPr/>
-              </a:pPr>
-              <a:t>17</a:t>
-            </a:fld>
-            <a:endParaRPr lang="en-US" altLang="zh-CN"/>
-          </a:p>
-        </p:txBody>
-      </p:sp>
-    </p:spTree>
-    <p:extLst>
-      <p:ext uri="{BB962C8B-B14F-4D97-AF65-F5344CB8AC3E}">
-        <p14:creationId xmlns:p14="http://schemas.microsoft.com/office/powerpoint/2010/main" val="3108232282"/>
-      </p:ext>
-    </p:extLst>
-  </p:cSld>
-  <p:clrMapOvr>
-    <a:masterClrMapping/>
-  </p:clrMapOvr>
-</p:sld>
-</file>
-
-<file path=ppt/slides/slide18.xml><?xml version="1.0" encoding="utf-8"?>
-<p:sld xmlns:a="http://schemas.openxmlformats.org/drawingml/2006/main" xmlns:r="http://schemas.openxmlformats.org/officeDocument/2006/relationships" xmlns:p="http://schemas.openxmlformats.org/presentationml/2006/main">
-  <p:cSld>
-    <p:spTree>
-      <p:nvGrpSpPr>
-        <p:cNvPr id="1" name=""/>
-        <p:cNvGrpSpPr/>
-        <p:nvPr/>
-      </p:nvGrpSpPr>
-      <p:grpSpPr>
-        <a:xfrm>
-          <a:off x="0" y="0"/>
-          <a:ext cx="0" cy="0"/>
-          <a:chOff x="0" y="0"/>
-          <a:chExt cx="0" cy="0"/>
-        </a:xfrm>
-      </p:grpSpPr>
-      <p:sp>
-        <p:nvSpPr>
-          <p:cNvPr id="2" name="Title 1"/>
-          <p:cNvSpPr>
-            <a:spLocks noGrp="1"/>
-          </p:cNvSpPr>
-          <p:nvPr>
-            <p:ph type="title"/>
-          </p:nvPr>
-        </p:nvSpPr>
-        <p:spPr>
-          <a:xfrm>
-            <a:off x="457200" y="31750"/>
-            <a:ext cx="8229600" cy="857250"/>
-          </a:xfrm>
-        </p:spPr>
-        <p:txBody>
-          <a:bodyPr/>
-          <a:lstStyle/>
-          <a:p>
-            <a:r>
-              <a:rPr lang="en-US" sz="3600" dirty="0">
-                <a:solidFill>
-                  <a:srgbClr val="002060"/>
-                </a:solidFill>
-                <a:latin typeface="Calibri" charset="0"/>
-                <a:ea typeface="Calibri" charset="0"/>
-                <a:cs typeface="Calibri" charset="0"/>
-              </a:rPr>
-              <a:t>Next Steps</a:t>
-            </a:r>
-          </a:p>
-        </p:txBody>
-      </p:sp>
-      <p:sp>
-        <p:nvSpPr>
-          <p:cNvPr id="3" name="Content Placeholder 2"/>
-          <p:cNvSpPr>
-            <a:spLocks noGrp="1"/>
-          </p:cNvSpPr>
-          <p:nvPr>
-            <p:ph idx="1"/>
-          </p:nvPr>
-        </p:nvSpPr>
-        <p:spPr/>
-        <p:txBody>
-          <a:bodyPr/>
-          <a:lstStyle/>
-          <a:p>
-            <a:pPr lvl="0"/>
-            <a:r>
-              <a:rPr lang="en-US" sz="2800" dirty="0">
-                <a:latin typeface="Calibri" charset="0"/>
-                <a:ea typeface="Calibri" charset="0"/>
-                <a:cs typeface="Calibri" charset="0"/>
-              </a:rPr>
-              <a:t>Welcome your review comments and suggestions</a:t>
-            </a:r>
-          </a:p>
-          <a:p>
-            <a:pPr lvl="0"/>
-            <a:r>
-              <a:rPr lang="en-US" sz="2800" dirty="0"/>
-              <a:t>Already in the WG LC Queue</a:t>
-            </a:r>
-            <a:endParaRPr lang="en-US" sz="2800" dirty="0">
-              <a:latin typeface="Calibri" charset="0"/>
-              <a:ea typeface="Calibri" charset="0"/>
-              <a:cs typeface="Calibri" charset="0"/>
-            </a:endParaRPr>
-          </a:p>
-          <a:p>
-            <a:pPr marL="0" indent="0">
-              <a:buNone/>
-            </a:pPr>
-            <a:endParaRPr lang="en-US" sz="2800" dirty="0">
-              <a:latin typeface="Calibri" charset="0"/>
-              <a:ea typeface="Calibri" charset="0"/>
-              <a:cs typeface="Calibri" charset="0"/>
-            </a:endParaRPr>
-          </a:p>
-        </p:txBody>
-      </p:sp>
-      <p:sp>
-        <p:nvSpPr>
-          <p:cNvPr id="4" name="Footer Placeholder 3"/>
-          <p:cNvSpPr>
-            <a:spLocks noGrp="1"/>
-          </p:cNvSpPr>
-          <p:nvPr>
-            <p:ph type="ftr" sz="quarter" idx="11"/>
-          </p:nvPr>
-        </p:nvSpPr>
-        <p:spPr>
-          <a:xfrm>
-            <a:off x="3124200" y="4786312"/>
-            <a:ext cx="2895600" cy="357188"/>
-          </a:xfrm>
-        </p:spPr>
-        <p:txBody>
-          <a:bodyPr/>
-          <a:lstStyle/>
-          <a:p>
-            <a:pPr>
-              <a:defRPr/>
-            </a:pPr>
-            <a:r>
-              <a:rPr lang="en-US" altLang="zh-CN" dirty="0"/>
-              <a:t>108</a:t>
-            </a:r>
-            <a:r>
-              <a:rPr lang="en-US" altLang="zh-CN" baseline="30000" dirty="0"/>
-              <a:t>th</a:t>
-            </a:r>
-            <a:r>
-              <a:rPr lang="en-US" altLang="zh-CN" dirty="0"/>
-              <a:t> IETF @ Madrid</a:t>
-            </a:r>
-          </a:p>
-        </p:txBody>
-      </p:sp>
-      <p:sp>
-        <p:nvSpPr>
-          <p:cNvPr id="5" name="Slide Number Placeholder 4">
-            <a:extLst>
-              <a:ext uri="{FF2B5EF4-FFF2-40B4-BE49-F238E27FC236}">
-                <a16:creationId xmlns:a16="http://schemas.microsoft.com/office/drawing/2014/main" id="{68ADF64E-5021-5140-9481-2DBE566DD79F}"/>
-              </a:ext>
-            </a:extLst>
-          </p:cNvPr>
-          <p:cNvSpPr>
-            <a:spLocks noGrp="1"/>
-          </p:cNvSpPr>
-          <p:nvPr>
-            <p:ph type="sldNum" sz="quarter" idx="12"/>
-          </p:nvPr>
-        </p:nvSpPr>
-        <p:spPr/>
-        <p:txBody>
-          <a:bodyPr/>
-          <a:lstStyle/>
-          <a:p>
-            <a:pPr>
-              <a:defRPr/>
-            </a:pPr>
-            <a:fld id="{BD6E0F59-1DD8-40FC-9C92-B6295CBA6CCA}" type="slidenum">
-              <a:rPr lang="en-US" altLang="zh-CN" smtClean="0"/>
-              <a:pPr>
-                <a:defRPr/>
-              </a:pPr>
-              <a:t>18</a:t>
-            </a:fld>
-            <a:endParaRPr lang="en-US" altLang="zh-CN"/>
-          </a:p>
-        </p:txBody>
-      </p:sp>
-    </p:spTree>
-    <p:extLst>
-      <p:ext uri="{BB962C8B-B14F-4D97-AF65-F5344CB8AC3E}">
-        <p14:creationId xmlns:p14="http://schemas.microsoft.com/office/powerpoint/2010/main" val="911910299"/>
-      </p:ext>
-    </p:extLst>
-  </p:cSld>
-  <p:clrMapOvr>
-    <a:masterClrMapping/>
-  </p:clrMapOvr>
-</p:sld>
-</file>
-
-<file path=ppt/slides/slide19.xml><?xml version="1.0" encoding="utf-8"?>
-<p:sld xmlns:a="http://schemas.openxmlformats.org/drawingml/2006/main" xmlns:r="http://schemas.openxmlformats.org/officeDocument/2006/relationships" xmlns:p="http://schemas.openxmlformats.org/presentationml/2006/main">
-  <p:cSld>
-    <p:spTree>
-      <p:nvGrpSpPr>
-        <p:cNvPr id="1" name=""/>
-        <p:cNvGrpSpPr/>
-        <p:nvPr/>
-      </p:nvGrpSpPr>
-      <p:grpSpPr>
-        <a:xfrm>
-          <a:off x="0" y="0"/>
-          <a:ext cx="0" cy="0"/>
-          <a:chOff x="0" y="0"/>
-          <a:chExt cx="0" cy="0"/>
-        </a:xfrm>
-      </p:grpSpPr>
-      <p:sp>
-        <p:nvSpPr>
-          <p:cNvPr id="4" name="Footer Placeholder 3"/>
-          <p:cNvSpPr>
-            <a:spLocks noGrp="1"/>
-          </p:cNvSpPr>
-          <p:nvPr>
-            <p:ph type="ftr" sz="quarter" idx="11"/>
-          </p:nvPr>
-        </p:nvSpPr>
-        <p:spPr>
-          <a:xfrm>
-            <a:off x="3124200" y="4786312"/>
-            <a:ext cx="2895600" cy="357188"/>
-          </a:xfrm>
-        </p:spPr>
-        <p:txBody>
-          <a:bodyPr/>
-          <a:lstStyle/>
-          <a:p>
-            <a:pPr>
-              <a:defRPr/>
-            </a:pPr>
-            <a:r>
-              <a:rPr lang="en-US" altLang="zh-CN" dirty="0"/>
-              <a:t>108</a:t>
-            </a:r>
-            <a:r>
-              <a:rPr lang="en-US" altLang="zh-CN" baseline="30000" dirty="0"/>
-              <a:t>th</a:t>
-            </a:r>
-            <a:r>
-              <a:rPr lang="en-US" altLang="zh-CN" dirty="0"/>
-              <a:t> IETF @ Madrid</a:t>
-            </a:r>
-          </a:p>
-        </p:txBody>
-      </p:sp>
-      <p:sp>
-        <p:nvSpPr>
-          <p:cNvPr id="5" name="Rectangle 2"/>
-          <p:cNvSpPr txBox="1">
-            <a:spLocks noChangeArrowheads="1"/>
-          </p:cNvSpPr>
-          <p:nvPr/>
-        </p:nvSpPr>
-        <p:spPr bwMode="auto">
-          <a:xfrm>
-            <a:off x="762000" y="1657350"/>
-            <a:ext cx="7772400" cy="1102519"/>
-          </a:xfrm>
-          <a:prstGeom prst="rect">
-            <a:avLst/>
-          </a:prstGeom>
-          <a:noFill/>
-          <a:ln w="9525">
-            <a:noFill/>
-            <a:miter lim="800000"/>
-            <a:headEnd/>
-            <a:tailEnd/>
-          </a:ln>
-          <a:effectLst/>
-        </p:spPr>
-        <p:txBody>
-          <a:bodyPr vert="horz" wrap="square" lIns="91440" tIns="45720" rIns="91440" bIns="45720" numCol="1" anchor="ctr" anchorCtr="0" compatLnSpc="1">
-            <a:prstTxWarp prst="textNoShape">
-              <a:avLst/>
-            </a:prstTxWarp>
-          </a:bodyPr>
-          <a:lstStyle>
-            <a:lvl1pPr algn="ctr" rtl="0" eaLnBrk="0" fontAlgn="base" hangingPunct="0">
-              <a:spcBef>
-                <a:spcPct val="0"/>
-              </a:spcBef>
-              <a:spcAft>
-                <a:spcPct val="0"/>
-              </a:spcAft>
-              <a:defRPr sz="4400">
-                <a:solidFill>
-                  <a:schemeClr val="tx2"/>
-                </a:solidFill>
-                <a:latin typeface="+mj-lt"/>
-                <a:ea typeface="+mj-ea"/>
-                <a:cs typeface="+mj-cs"/>
-              </a:defRPr>
-            </a:lvl1pPr>
-            <a:lvl2pPr algn="ctr" rtl="0" eaLnBrk="0" fontAlgn="base" hangingPunct="0">
-              <a:spcBef>
-                <a:spcPct val="0"/>
-              </a:spcBef>
-              <a:spcAft>
-                <a:spcPct val="0"/>
-              </a:spcAft>
-              <a:defRPr sz="4400">
-                <a:solidFill>
-                  <a:schemeClr val="tx2"/>
-                </a:solidFill>
-                <a:latin typeface="Arial" charset="0"/>
-                <a:ea typeface="宋体" pitchFamily="2" charset="-122"/>
-              </a:defRPr>
-            </a:lvl2pPr>
-            <a:lvl3pPr algn="ctr" rtl="0" eaLnBrk="0" fontAlgn="base" hangingPunct="0">
-              <a:spcBef>
-                <a:spcPct val="0"/>
-              </a:spcBef>
-              <a:spcAft>
-                <a:spcPct val="0"/>
-              </a:spcAft>
-              <a:defRPr sz="4400">
-                <a:solidFill>
-                  <a:schemeClr val="tx2"/>
-                </a:solidFill>
-                <a:latin typeface="Arial" charset="0"/>
-                <a:ea typeface="宋体" pitchFamily="2" charset="-122"/>
-              </a:defRPr>
-            </a:lvl3pPr>
-            <a:lvl4pPr algn="ctr" rtl="0" eaLnBrk="0" fontAlgn="base" hangingPunct="0">
-              <a:spcBef>
-                <a:spcPct val="0"/>
-              </a:spcBef>
-              <a:spcAft>
-                <a:spcPct val="0"/>
-              </a:spcAft>
-              <a:defRPr sz="4400">
-                <a:solidFill>
-                  <a:schemeClr val="tx2"/>
-                </a:solidFill>
-                <a:latin typeface="Arial" charset="0"/>
-                <a:ea typeface="宋体" pitchFamily="2" charset="-122"/>
-              </a:defRPr>
-            </a:lvl4pPr>
-            <a:lvl5pPr algn="ctr" rtl="0" eaLnBrk="0" fontAlgn="base" hangingPunct="0">
-              <a:spcBef>
-                <a:spcPct val="0"/>
-              </a:spcBef>
-              <a:spcAft>
-                <a:spcPct val="0"/>
-              </a:spcAft>
-              <a:defRPr sz="4400">
-                <a:solidFill>
-                  <a:schemeClr val="tx2"/>
-                </a:solidFill>
-                <a:latin typeface="Arial" charset="0"/>
-                <a:ea typeface="宋体" pitchFamily="2" charset="-122"/>
-              </a:defRPr>
-            </a:lvl5pPr>
-            <a:lvl6pPr marL="457200" algn="ctr" rtl="0" fontAlgn="base">
-              <a:spcBef>
-                <a:spcPct val="0"/>
-              </a:spcBef>
-              <a:spcAft>
-                <a:spcPct val="0"/>
-              </a:spcAft>
-              <a:defRPr sz="4400">
-                <a:solidFill>
-                  <a:schemeClr val="tx2"/>
-                </a:solidFill>
-                <a:latin typeface="Arial" charset="0"/>
-                <a:ea typeface="宋体" pitchFamily="2" charset="-122"/>
-              </a:defRPr>
-            </a:lvl6pPr>
-            <a:lvl7pPr marL="914400" algn="ctr" rtl="0" fontAlgn="base">
-              <a:spcBef>
-                <a:spcPct val="0"/>
-              </a:spcBef>
-              <a:spcAft>
-                <a:spcPct val="0"/>
-              </a:spcAft>
-              <a:defRPr sz="4400">
-                <a:solidFill>
-                  <a:schemeClr val="tx2"/>
-                </a:solidFill>
-                <a:latin typeface="Arial" charset="0"/>
-                <a:ea typeface="宋体" pitchFamily="2" charset="-122"/>
-              </a:defRPr>
-            </a:lvl7pPr>
-            <a:lvl8pPr marL="1371600" algn="ctr" rtl="0" fontAlgn="base">
-              <a:spcBef>
-                <a:spcPct val="0"/>
-              </a:spcBef>
-              <a:spcAft>
-                <a:spcPct val="0"/>
-              </a:spcAft>
-              <a:defRPr sz="4400">
-                <a:solidFill>
-                  <a:schemeClr val="tx2"/>
-                </a:solidFill>
-                <a:latin typeface="Arial" charset="0"/>
-                <a:ea typeface="宋体" pitchFamily="2" charset="-122"/>
-              </a:defRPr>
-            </a:lvl8pPr>
-            <a:lvl9pPr marL="1828800" algn="ctr" rtl="0" fontAlgn="base">
-              <a:spcBef>
-                <a:spcPct val="0"/>
-              </a:spcBef>
-              <a:spcAft>
-                <a:spcPct val="0"/>
-              </a:spcAft>
-              <a:defRPr sz="4400">
-                <a:solidFill>
-                  <a:schemeClr val="tx2"/>
-                </a:solidFill>
-                <a:latin typeface="Arial" charset="0"/>
-                <a:ea typeface="宋体" pitchFamily="2" charset="-122"/>
-              </a:defRPr>
-            </a:lvl9pPr>
-          </a:lstStyle>
-          <a:p>
-            <a:pPr eaLnBrk="1" hangingPunct="1">
-              <a:defRPr/>
-            </a:pPr>
-            <a:r>
-              <a:rPr lang="en-US" altLang="zh-CN" sz="4000" kern="0" dirty="0">
-                <a:effectLst>
-                  <a:outerShdw blurRad="38100" dist="38100" dir="2700000" algn="tl">
-                    <a:srgbClr val="C0C0C0"/>
-                  </a:outerShdw>
-                </a:effectLst>
-                <a:latin typeface="Calibri" charset="0"/>
-                <a:ea typeface="Calibri" charset="0"/>
-                <a:cs typeface="Calibri" charset="0"/>
-              </a:rPr>
-              <a:t>Thank you.</a:t>
-            </a:r>
-          </a:p>
-        </p:txBody>
-      </p:sp>
-      <p:sp>
-        <p:nvSpPr>
-          <p:cNvPr id="2" name="Slide Number Placeholder 1">
-            <a:extLst>
-              <a:ext uri="{FF2B5EF4-FFF2-40B4-BE49-F238E27FC236}">
-                <a16:creationId xmlns:a16="http://schemas.microsoft.com/office/drawing/2014/main" id="{DDB2025B-D562-554C-9CC8-AC16677FABA1}"/>
-              </a:ext>
-            </a:extLst>
-          </p:cNvPr>
-          <p:cNvSpPr>
-            <a:spLocks noGrp="1"/>
-          </p:cNvSpPr>
-          <p:nvPr>
-            <p:ph type="sldNum" sz="quarter" idx="12"/>
-          </p:nvPr>
-        </p:nvSpPr>
-        <p:spPr/>
-        <p:txBody>
-          <a:bodyPr/>
-          <a:lstStyle/>
-          <a:p>
-            <a:pPr>
-              <a:defRPr/>
-            </a:pPr>
-            <a:fld id="{BD6E0F59-1DD8-40FC-9C92-B6295CBA6CCA}" type="slidenum">
-              <a:rPr lang="en-US" altLang="zh-CN" smtClean="0"/>
-              <a:pPr>
-                <a:defRPr/>
-              </a:pPr>
-              <a:t>19</a:t>
-            </a:fld>
-            <a:endParaRPr lang="en-US" altLang="zh-CN"/>
-          </a:p>
-        </p:txBody>
-      </p:sp>
-    </p:spTree>
-    <p:extLst>
-      <p:ext uri="{BB962C8B-B14F-4D97-AF65-F5344CB8AC3E}">
-        <p14:creationId xmlns:p14="http://schemas.microsoft.com/office/powerpoint/2010/main" val="1636453366"/>
       </p:ext>
     </p:extLst>
   </p:cSld>

--- a/draft-ietf-pce-sr-bidir-path-02.pptx
+++ b/draft-ietf-pce-sr-bidir-path-02.pptx
@@ -4975,20 +4975,17 @@
           <a:bodyPr/>
           <a:lstStyle/>
           <a:p>
-            <a:pPr>
-              <a:defRPr/>
-            </a:pPr>
-            <a:r>
-              <a:rPr lang="en-US" altLang="zh-CN" dirty="0"/>
+            <a:r>
+              <a:rPr lang="en-CA" dirty="0"/>
               <a:t>108</a:t>
             </a:r>
             <a:r>
-              <a:rPr lang="en-US" altLang="zh-CN" baseline="30000" dirty="0"/>
+              <a:rPr lang="en-CA" baseline="30000" dirty="0"/>
               <a:t>th</a:t>
             </a:r>
             <a:r>
-              <a:rPr lang="en-US" altLang="zh-CN" dirty="0"/>
-              <a:t> IETF @ Madrid</a:t>
+              <a:rPr lang="en-CA" dirty="0"/>
+              <a:t> IETF Online</a:t>
             </a:r>
           </a:p>
         </p:txBody>
@@ -5193,20 +5190,17 @@
           <a:bodyPr/>
           <a:lstStyle/>
           <a:p>
-            <a:pPr>
-              <a:defRPr/>
-            </a:pPr>
-            <a:r>
-              <a:rPr lang="en-US" altLang="zh-CN" dirty="0"/>
+            <a:r>
+              <a:rPr lang="en-CA" dirty="0"/>
               <a:t>108</a:t>
             </a:r>
             <a:r>
-              <a:rPr lang="en-US" altLang="zh-CN" baseline="30000" dirty="0"/>
+              <a:rPr lang="en-CA" baseline="30000" dirty="0"/>
               <a:t>th</a:t>
             </a:r>
             <a:r>
-              <a:rPr lang="en-US" altLang="zh-CN" dirty="0"/>
-              <a:t> IETF @ Madrid</a:t>
+              <a:rPr lang="en-CA" dirty="0"/>
+              <a:t> IETF Online</a:t>
             </a:r>
           </a:p>
         </p:txBody>
@@ -5469,20 +5463,17 @@
           <a:bodyPr/>
           <a:lstStyle/>
           <a:p>
-            <a:pPr>
-              <a:defRPr/>
-            </a:pPr>
-            <a:r>
-              <a:rPr lang="en-US" altLang="zh-CN" dirty="0"/>
+            <a:r>
+              <a:rPr lang="en-CA" dirty="0"/>
               <a:t>108</a:t>
             </a:r>
             <a:r>
-              <a:rPr lang="en-US" altLang="zh-CN" baseline="30000" dirty="0"/>
+              <a:rPr lang="en-CA" baseline="30000" dirty="0"/>
               <a:t>th</a:t>
             </a:r>
             <a:r>
-              <a:rPr lang="en-US" altLang="zh-CN" dirty="0"/>
-              <a:t> IETF @ Madrid</a:t>
+              <a:rPr lang="en-CA" dirty="0"/>
+              <a:t> IETF Online</a:t>
             </a:r>
           </a:p>
         </p:txBody>
@@ -5619,20 +5610,17 @@
           <a:bodyPr/>
           <a:lstStyle/>
           <a:p>
-            <a:pPr>
-              <a:defRPr/>
-            </a:pPr>
-            <a:r>
-              <a:rPr lang="en-US" altLang="zh-CN" dirty="0"/>
+            <a:r>
+              <a:rPr lang="en-CA" dirty="0"/>
               <a:t>108</a:t>
             </a:r>
             <a:r>
-              <a:rPr lang="en-US" altLang="zh-CN" baseline="30000" dirty="0"/>
+              <a:rPr lang="en-CA" baseline="30000" dirty="0"/>
               <a:t>th</a:t>
             </a:r>
             <a:r>
-              <a:rPr lang="en-US" altLang="zh-CN" dirty="0"/>
-              <a:t> IETF @ Madrid</a:t>
+              <a:rPr lang="en-CA" dirty="0"/>
+              <a:t> IETF Online</a:t>
             </a:r>
           </a:p>
         </p:txBody>
@@ -6634,20 +6622,17 @@
           <a:bodyPr/>
           <a:lstStyle/>
           <a:p>
-            <a:pPr>
-              <a:defRPr/>
-            </a:pPr>
-            <a:r>
-              <a:rPr lang="en-US" altLang="zh-CN" dirty="0"/>
+            <a:r>
+              <a:rPr lang="en-CA" dirty="0"/>
               <a:t>108</a:t>
             </a:r>
             <a:r>
-              <a:rPr lang="en-US" altLang="zh-CN" baseline="30000" dirty="0"/>
+              <a:rPr lang="en-CA" baseline="30000" dirty="0"/>
               <a:t>th</a:t>
             </a:r>
             <a:r>
-              <a:rPr lang="en-US" altLang="zh-CN" dirty="0"/>
-              <a:t> IETF @ Madrid</a:t>
+              <a:rPr lang="en-CA" dirty="0"/>
+              <a:t> IETF Online</a:t>
             </a:r>
           </a:p>
         </p:txBody>
@@ -7733,20 +7718,17 @@
           <a:bodyPr/>
           <a:lstStyle/>
           <a:p>
-            <a:pPr>
-              <a:defRPr/>
-            </a:pPr>
-            <a:r>
-              <a:rPr lang="en-US" altLang="zh-CN" dirty="0"/>
+            <a:r>
+              <a:rPr lang="en-CA" dirty="0"/>
               <a:t>108</a:t>
             </a:r>
             <a:r>
-              <a:rPr lang="en-US" altLang="zh-CN" baseline="30000" dirty="0"/>
+              <a:rPr lang="en-CA" baseline="30000" dirty="0"/>
               <a:t>th</a:t>
             </a:r>
             <a:r>
-              <a:rPr lang="en-US" altLang="zh-CN" dirty="0"/>
-              <a:t> IETF @ Madrid</a:t>
+              <a:rPr lang="en-CA" dirty="0"/>
+              <a:t> IETF Online</a:t>
             </a:r>
           </a:p>
         </p:txBody>
@@ -8004,20 +7986,17 @@
           <a:bodyPr/>
           <a:lstStyle/>
           <a:p>
-            <a:pPr>
-              <a:defRPr/>
-            </a:pPr>
-            <a:r>
-              <a:rPr lang="en-US" altLang="zh-CN" dirty="0"/>
+            <a:r>
+              <a:rPr lang="en-CA" dirty="0"/>
               <a:t>108</a:t>
             </a:r>
             <a:r>
-              <a:rPr lang="en-US" altLang="zh-CN" baseline="30000" dirty="0"/>
+              <a:rPr lang="en-CA" baseline="30000" dirty="0"/>
               <a:t>th</a:t>
             </a:r>
             <a:r>
-              <a:rPr lang="en-US" altLang="zh-CN" dirty="0"/>
-              <a:t> IETF @ Madrid</a:t>
+              <a:rPr lang="en-CA" dirty="0"/>
+              <a:t> IETF Online</a:t>
             </a:r>
           </a:p>
         </p:txBody>
@@ -8180,20 +8159,17 @@
           <a:bodyPr/>
           <a:lstStyle/>
           <a:p>
-            <a:pPr>
-              <a:defRPr/>
-            </a:pPr>
-            <a:r>
-              <a:rPr lang="en-US" altLang="zh-CN" dirty="0"/>
+            <a:r>
+              <a:rPr lang="en-CA" dirty="0"/>
               <a:t>108</a:t>
             </a:r>
             <a:r>
-              <a:rPr lang="en-US" altLang="zh-CN" baseline="30000" dirty="0"/>
+              <a:rPr lang="en-CA" baseline="30000" dirty="0"/>
               <a:t>th</a:t>
             </a:r>
             <a:r>
-              <a:rPr lang="en-US" altLang="zh-CN" dirty="0"/>
-              <a:t> IETF @ Madrid</a:t>
+              <a:rPr lang="en-CA" dirty="0"/>
+              <a:t> IETF Online</a:t>
             </a:r>
           </a:p>
         </p:txBody>
@@ -8275,7 +8251,7 @@
         </p:nvSpPr>
         <p:spPr>
           <a:xfrm>
-            <a:off x="3124200" y="4786312"/>
+            <a:off x="3200400" y="4786312"/>
             <a:ext cx="2895600" cy="357188"/>
           </a:xfrm>
         </p:spPr>
@@ -8283,20 +8259,17 @@
           <a:bodyPr/>
           <a:lstStyle/>
           <a:p>
-            <a:pPr>
-              <a:defRPr/>
-            </a:pPr>
-            <a:r>
-              <a:rPr lang="en-US" altLang="zh-CN" dirty="0"/>
+            <a:r>
+              <a:rPr lang="en-CA" dirty="0"/>
               <a:t>108</a:t>
             </a:r>
             <a:r>
-              <a:rPr lang="en-US" altLang="zh-CN" baseline="30000" dirty="0"/>
+              <a:rPr lang="en-CA" baseline="30000" dirty="0"/>
               <a:t>th</a:t>
             </a:r>
             <a:r>
-              <a:rPr lang="en-US" altLang="zh-CN" dirty="0"/>
-              <a:t> IETF @ Madrid</a:t>
+              <a:rPr lang="en-CA" dirty="0"/>
+              <a:t> IETF Online</a:t>
             </a:r>
           </a:p>
         </p:txBody>
@@ -8485,7 +8458,7 @@
                 <a:ea typeface="Calibri" charset="0"/>
                 <a:cs typeface="Calibri" charset="0"/>
               </a:rPr>
-              <a:t>Thank you.</a:t>
+              <a:t>Thank you</a:t>
             </a:r>
           </a:p>
         </p:txBody>

--- a/draft-ietf-pce-sr-bidir-path-02.pptx
+++ b/draft-ietf-pce-sr-bidir-path-02.pptx
@@ -7881,8 +7881,8 @@
         </p:nvSpPr>
         <p:spPr>
           <a:xfrm>
-            <a:off x="457200" y="957213"/>
-            <a:ext cx="8077200" cy="3229073"/>
+            <a:off x="457200" y="860749"/>
+            <a:ext cx="8229600" cy="3726706"/>
           </a:xfrm>
         </p:spPr>
         <p:txBody>
@@ -7890,43 +7890,43 @@
           <a:lstStyle/>
           <a:p>
             <a:r>
-              <a:rPr lang="en-US" sz="2000" dirty="0" err="1"/>
+              <a:rPr lang="en-US" sz="1800" dirty="0" err="1"/>
               <a:t>PCErr</a:t>
             </a:r>
             <a:r>
-              <a:rPr lang="en-US" sz="2000" dirty="0"/>
+              <a:rPr lang="en-US" sz="1800" dirty="0"/>
               <a:t> defined in [</a:t>
             </a:r>
             <a:r>
-              <a:rPr lang="en-CA" sz="2000" i="1" dirty="0"/>
+              <a:rPr lang="en-CA" sz="1800" i="1" dirty="0"/>
               <a:t>draft-</a:t>
             </a:r>
             <a:r>
-              <a:rPr lang="en-CA" sz="2000" i="1" dirty="0" err="1"/>
+              <a:rPr lang="en-CA" sz="1800" i="1" dirty="0" err="1"/>
               <a:t>ietf</a:t>
             </a:r>
             <a:r>
-              <a:rPr lang="en-CA" sz="2000" i="1" dirty="0"/>
+              <a:rPr lang="en-CA" sz="1800" i="1" dirty="0"/>
               <a:t>-</a:t>
             </a:r>
             <a:r>
-              <a:rPr lang="en-CA" sz="2000" i="1" dirty="0" err="1"/>
+              <a:rPr lang="en-CA" sz="1800" i="1" dirty="0" err="1"/>
               <a:t>pce</a:t>
             </a:r>
             <a:r>
-              <a:rPr lang="en-CA" sz="2000" i="1" dirty="0"/>
+              <a:rPr lang="en-CA" sz="1800" i="1" dirty="0"/>
               <a:t>-association-</a:t>
             </a:r>
             <a:r>
-              <a:rPr lang="en-CA" sz="2000" i="1" dirty="0" err="1"/>
+              <a:rPr lang="en-CA" sz="1800" i="1" dirty="0" err="1"/>
               <a:t>bidir</a:t>
             </a:r>
             <a:r>
-              <a:rPr lang="en-CA" sz="2000" i="1" dirty="0"/>
+              <a:rPr lang="en-CA" sz="1800" i="1" dirty="0"/>
               <a:t>] </a:t>
             </a:r>
             <a:r>
-              <a:rPr lang="en-CA" sz="2000" dirty="0"/>
+              <a:rPr lang="en-CA" sz="1800" dirty="0"/>
               <a:t>are applicable</a:t>
             </a:r>
           </a:p>
@@ -7934,7 +7934,7 @@
             <a:pPr marL="0" indent="0">
               <a:buNone/>
             </a:pPr>
-            <a:endParaRPr lang="en-CA" sz="2000" b="1" dirty="0">
+            <a:endParaRPr lang="en-CA" sz="1800" b="1" dirty="0">
               <a:latin typeface="Calibri" panose="020F0502020204030204" pitchFamily="34" charset="0"/>
               <a:cs typeface="Calibri" panose="020F0502020204030204" pitchFamily="34" charset="0"/>
             </a:endParaRPr>
@@ -7944,7 +7944,7 @@
               <a:buNone/>
             </a:pPr>
             <a:r>
-              <a:rPr lang="en-CA" sz="2000" b="1" dirty="0">
+              <a:rPr lang="en-CA" sz="1800" b="1" dirty="0">
                 <a:latin typeface="Calibri" panose="020F0502020204030204" pitchFamily="34" charset="0"/>
                 <a:cs typeface="Calibri" panose="020F0502020204030204" pitchFamily="34" charset="0"/>
               </a:rPr>
@@ -7952,15 +7952,65 @@
             </a:r>
           </a:p>
           <a:p>
-            <a:r>
-              <a:rPr lang="en-CA" sz="2000" dirty="0"/>
-              <a:t>If a PCEP speaker receives a different Path Setup Type (PST) value for Bidirectional LSP association group and it does not support.</a:t>
+            <a:pPr marL="457200" lvl="0" indent="-457200">
+              <a:buFont typeface="+mj-lt"/>
+              <a:buAutoNum type="arabicPeriod"/>
+            </a:pPr>
+            <a:r>
+              <a:rPr lang="en-US" sz="1800" dirty="0">
+                <a:latin typeface="Calibri" panose="020F0502020204030204" pitchFamily="34" charset="0"/>
+                <a:cs typeface="Calibri" panose="020F0502020204030204" pitchFamily="34" charset="0"/>
+              </a:rPr>
+              <a:t>Both forward and reverse LSPs MUST belong to the same bidirectional TE tunnel [RFC3209].</a:t>
             </a:r>
           </a:p>
           <a:p>
             <a:pPr lvl="1"/>
             <a:r>
-              <a:rPr lang="en-CA" sz="2000" dirty="0"/>
+              <a:rPr lang="en-US" sz="1800" dirty="0">
+                <a:latin typeface="Calibri" panose="020F0502020204030204" pitchFamily="34" charset="0"/>
+                <a:cs typeface="Calibri" panose="020F0502020204030204" pitchFamily="34" charset="0"/>
+              </a:rPr>
+              <a:t>Error-Value = Bidirectional LSP Association - Tunnel mismatch</a:t>
+            </a:r>
+          </a:p>
+          <a:p>
+            <a:pPr marL="457200" lvl="0" indent="-457200">
+              <a:buFont typeface="+mj-lt"/>
+              <a:buAutoNum type="arabicPeriod"/>
+            </a:pPr>
+            <a:r>
+              <a:rPr lang="en-CA" sz="1800" dirty="0">
+                <a:latin typeface="Calibri" panose="020F0502020204030204" pitchFamily="34" charset="0"/>
+                <a:cs typeface="Calibri" panose="020F0502020204030204" pitchFamily="34" charset="0"/>
+              </a:rPr>
+              <a:t>LSP (forward or reverse) cannot be part of more than one Bidirectional LSP Association Group.</a:t>
+            </a:r>
+          </a:p>
+          <a:p>
+            <a:pPr lvl="1"/>
+            <a:r>
+              <a:rPr lang="en-CA" sz="1800" dirty="0">
+                <a:latin typeface="Calibri" panose="020F0502020204030204" pitchFamily="34" charset="0"/>
+                <a:cs typeface="Calibri" panose="020F0502020204030204" pitchFamily="34" charset="0"/>
+              </a:rPr>
+              <a:t>Error-Value = Bidirectional LSP Association - Group Mismatch</a:t>
+            </a:r>
+          </a:p>
+          <a:p>
+            <a:pPr marL="457200" indent="-457200">
+              <a:buFont typeface="+mj-lt"/>
+              <a:buAutoNum type="arabicPeriod"/>
+            </a:pPr>
+            <a:r>
+              <a:rPr lang="en-CA" sz="1800" dirty="0"/>
+              <a:t>If a PCEP speaker receives a different PST value for Bidirectional LSP association group and it does not support.</a:t>
+            </a:r>
+          </a:p>
+          <a:p>
+            <a:pPr lvl="1"/>
+            <a:r>
+              <a:rPr lang="en-CA" sz="1800" dirty="0"/>
               <a:t>Error-Value = Bidirectional LSP Association - Path Setup Type Not Supported</a:t>
             </a:r>
           </a:p>

--- a/draft-ietf-pce-sr-bidir-path-02.pptx
+++ b/draft-ietf-pce-sr-bidir-path-02.pptx
@@ -5328,7 +5328,7 @@
               <a:buNone/>
             </a:pPr>
             <a:r>
-              <a:rPr lang="en-US" sz="1800" dirty="0"/>
+              <a:rPr lang="en-US" sz="1600" dirty="0"/>
               <a:t>Requirements:</a:t>
             </a:r>
           </a:p>
@@ -5339,7 +5339,7 @@
               </a:spcBef>
             </a:pPr>
             <a:r>
-              <a:rPr lang="en-US" sz="1800" dirty="0"/>
+              <a:rPr lang="en-US" sz="1600" dirty="0"/>
               <a:t>Packet transport networks deploying bidirectional SR Paths</a:t>
             </a:r>
           </a:p>
@@ -5350,7 +5350,7 @@
               </a:spcBef>
             </a:pPr>
             <a:r>
-              <a:rPr lang="en-US" sz="1800" dirty="0"/>
+              <a:rPr lang="en-US" sz="1600" dirty="0"/>
               <a:t>Co-routed and non-co-routed forward and reverse SR Paths</a:t>
             </a:r>
           </a:p>
@@ -5362,7 +5362,7 @@
               <a:buNone/>
             </a:pPr>
             <a:r>
-              <a:rPr lang="en-US" sz="1800" dirty="0"/>
+              <a:rPr lang="en-US" sz="1600" dirty="0"/>
               <a:t>Scope:</a:t>
             </a:r>
           </a:p>
@@ -5373,7 +5373,7 @@
               </a:spcBef>
             </a:pPr>
             <a:r>
-              <a:rPr lang="en-US" sz="1800" dirty="0"/>
+              <a:rPr lang="en-US" sz="1600" dirty="0"/>
               <a:t>Associated bidirectional SR Paths</a:t>
             </a:r>
           </a:p>
@@ -5384,7 +5384,7 @@
               </a:spcBef>
             </a:pPr>
             <a:r>
-              <a:rPr lang="en-US" sz="1800" dirty="0"/>
+              <a:rPr lang="en-US" sz="1600" dirty="0"/>
               <a:t>PCE-Initiated LSPs</a:t>
             </a:r>
           </a:p>
@@ -5395,7 +5395,7 @@
               </a:spcBef>
             </a:pPr>
             <a:r>
-              <a:rPr lang="en-US" sz="1800" dirty="0"/>
+              <a:rPr lang="en-US" sz="1600" dirty="0"/>
               <a:t>PCC-Initiated LSPs</a:t>
             </a:r>
           </a:p>
@@ -5406,7 +5406,7 @@
               </a:spcBef>
             </a:pPr>
             <a:r>
-              <a:rPr lang="en-US" sz="1800" dirty="0"/>
+              <a:rPr lang="en-US" sz="1600" dirty="0"/>
               <a:t>Stateless PCE (e.g. for co-routed path computation requests)</a:t>
             </a:r>
           </a:p>
@@ -5418,7 +5418,7 @@
               <a:buNone/>
             </a:pPr>
             <a:r>
-              <a:rPr lang="en-US" sz="1800" dirty="0"/>
+              <a:rPr lang="en-US" sz="1600" dirty="0"/>
               <a:t>Not in Scope:</a:t>
             </a:r>
           </a:p>
@@ -5429,8 +5429,8 @@
               </a:spcBef>
             </a:pPr>
             <a:r>
-              <a:rPr lang="en-US" sz="1800" dirty="0"/>
-              <a:t>Associating bidirectional SR Path with RSVP LSP</a:t>
+              <a:rPr lang="en-US" sz="1600" dirty="0"/>
+              <a:t>Associating a bidirectional SR Path with an RSVP LSP</a:t>
             </a:r>
           </a:p>
           <a:p>
@@ -5439,7 +5439,7 @@
                 <a:spcPts val="600"/>
               </a:spcBef>
             </a:pPr>
-            <a:endParaRPr lang="en-US" sz="1800" dirty="0"/>
+            <a:endParaRPr lang="en-US" sz="1600" dirty="0"/>
           </a:p>
         </p:txBody>
       </p:sp>
@@ -7630,8 +7630,8 @@
         </p:nvSpPr>
         <p:spPr>
           <a:xfrm>
-            <a:off x="228600" y="971550"/>
-            <a:ext cx="8686800" cy="3712369"/>
+            <a:off x="457200" y="971551"/>
+            <a:ext cx="8229600" cy="3581400"/>
           </a:xfrm>
         </p:spPr>
         <p:txBody>
@@ -7890,51 +7890,51 @@
           <a:lstStyle/>
           <a:p>
             <a:r>
-              <a:rPr lang="en-US" sz="1800" dirty="0" err="1"/>
+              <a:rPr lang="en-US" sz="1600" dirty="0" err="1"/>
               <a:t>PCErr</a:t>
             </a:r>
             <a:r>
-              <a:rPr lang="en-US" sz="1800" dirty="0"/>
+              <a:rPr lang="en-US" sz="1600" dirty="0"/>
               <a:t> defined in [</a:t>
             </a:r>
             <a:r>
-              <a:rPr lang="en-CA" sz="1800" i="1" dirty="0"/>
+              <a:rPr lang="en-CA" sz="1600" i="1" dirty="0"/>
               <a:t>draft-</a:t>
             </a:r>
             <a:r>
-              <a:rPr lang="en-CA" sz="1800" i="1" dirty="0" err="1"/>
+              <a:rPr lang="en-CA" sz="1600" i="1" dirty="0" err="1"/>
               <a:t>ietf</a:t>
             </a:r>
             <a:r>
-              <a:rPr lang="en-CA" sz="1800" i="1" dirty="0"/>
+              <a:rPr lang="en-CA" sz="1600" i="1" dirty="0"/>
               <a:t>-</a:t>
             </a:r>
             <a:r>
-              <a:rPr lang="en-CA" sz="1800" i="1" dirty="0" err="1"/>
+              <a:rPr lang="en-CA" sz="1600" i="1" dirty="0" err="1"/>
               <a:t>pce</a:t>
             </a:r>
             <a:r>
-              <a:rPr lang="en-CA" sz="1800" i="1" dirty="0"/>
+              <a:rPr lang="en-CA" sz="1600" i="1" dirty="0"/>
               <a:t>-association-</a:t>
             </a:r>
             <a:r>
-              <a:rPr lang="en-CA" sz="1800" i="1" dirty="0" err="1"/>
+              <a:rPr lang="en-CA" sz="1600" i="1" dirty="0" err="1"/>
               <a:t>bidir</a:t>
             </a:r>
             <a:r>
-              <a:rPr lang="en-CA" sz="1800" i="1" dirty="0"/>
+              <a:rPr lang="en-CA" sz="1600" i="1" dirty="0"/>
               <a:t>] </a:t>
             </a:r>
             <a:r>
-              <a:rPr lang="en-CA" sz="1800" dirty="0"/>
-              <a:t>are applicable</a:t>
+              <a:rPr lang="en-CA" sz="1600" dirty="0"/>
+              <a:t>are applicable to SR Paths</a:t>
             </a:r>
           </a:p>
           <a:p>
             <a:pPr marL="0" indent="0">
               <a:buNone/>
             </a:pPr>
-            <a:endParaRPr lang="en-CA" sz="1800" b="1" dirty="0">
+            <a:endParaRPr lang="en-CA" sz="1600" b="1" dirty="0">
               <a:latin typeface="Calibri" panose="020F0502020204030204" pitchFamily="34" charset="0"/>
               <a:cs typeface="Calibri" panose="020F0502020204030204" pitchFamily="34" charset="0"/>
             </a:endParaRPr>
@@ -7944,7 +7944,7 @@
               <a:buNone/>
             </a:pPr>
             <a:r>
-              <a:rPr lang="en-CA" sz="1800" b="1" dirty="0">
+              <a:rPr lang="en-CA" sz="1600" b="1" dirty="0">
                 <a:latin typeface="Calibri" panose="020F0502020204030204" pitchFamily="34" charset="0"/>
                 <a:cs typeface="Calibri" panose="020F0502020204030204" pitchFamily="34" charset="0"/>
               </a:rPr>
@@ -7957,7 +7957,7 @@
               <a:buAutoNum type="arabicPeriod"/>
             </a:pPr>
             <a:r>
-              <a:rPr lang="en-US" sz="1800" dirty="0">
+              <a:rPr lang="en-US" sz="1600" dirty="0">
                 <a:latin typeface="Calibri" panose="020F0502020204030204" pitchFamily="34" charset="0"/>
                 <a:cs typeface="Calibri" panose="020F0502020204030204" pitchFamily="34" charset="0"/>
               </a:rPr>
@@ -7967,7 +7967,7 @@
           <a:p>
             <a:pPr lvl="1"/>
             <a:r>
-              <a:rPr lang="en-US" sz="1800" dirty="0">
+              <a:rPr lang="en-US" sz="1600" dirty="0">
                 <a:latin typeface="Calibri" panose="020F0502020204030204" pitchFamily="34" charset="0"/>
                 <a:cs typeface="Calibri" panose="020F0502020204030204" pitchFamily="34" charset="0"/>
               </a:rPr>
@@ -7980,7 +7980,7 @@
               <a:buAutoNum type="arabicPeriod"/>
             </a:pPr>
             <a:r>
-              <a:rPr lang="en-CA" sz="1800" dirty="0">
+              <a:rPr lang="en-CA" sz="1600" dirty="0">
                 <a:latin typeface="Calibri" panose="020F0502020204030204" pitchFamily="34" charset="0"/>
                 <a:cs typeface="Calibri" panose="020F0502020204030204" pitchFamily="34" charset="0"/>
               </a:rPr>
@@ -7990,7 +7990,7 @@
           <a:p>
             <a:pPr lvl="1"/>
             <a:r>
-              <a:rPr lang="en-CA" sz="1800" dirty="0">
+              <a:rPr lang="en-CA" sz="1600" dirty="0">
                 <a:latin typeface="Calibri" panose="020F0502020204030204" pitchFamily="34" charset="0"/>
                 <a:cs typeface="Calibri" panose="020F0502020204030204" pitchFamily="34" charset="0"/>
               </a:rPr>
@@ -8003,14 +8003,14 @@
               <a:buAutoNum type="arabicPeriod"/>
             </a:pPr>
             <a:r>
-              <a:rPr lang="en-CA" sz="1800" dirty="0"/>
+              <a:rPr lang="en-CA" sz="1600" dirty="0"/>
               <a:t>If a PCEP speaker receives a different PST value for Bidirectional LSP association group and it does not support.</a:t>
             </a:r>
           </a:p>
           <a:p>
             <a:pPr lvl="1"/>
             <a:r>
-              <a:rPr lang="en-CA" sz="1800" dirty="0"/>
+              <a:rPr lang="en-CA" sz="1600" dirty="0"/>
               <a:t>Error-Value = Bidirectional LSP Association - Path Setup Type Not Supported</a:t>
             </a:r>
           </a:p>
@@ -8179,7 +8179,7 @@
             <a:pPr lvl="0"/>
             <a:r>
               <a:rPr lang="en-US" sz="2800" dirty="0"/>
-              <a:t>Queue for WG LC?</a:t>
+              <a:t>Add in Queue for WG LC?</a:t>
             </a:r>
             <a:endParaRPr lang="en-US" sz="2800" dirty="0">
               <a:latin typeface="Calibri" charset="0"/>

--- a/draft-ietf-pce-sr-bidir-path-02.pptx
+++ b/draft-ietf-pce-sr-bidir-path-02.pptx
@@ -5858,8 +5858,8 @@
         </p:nvSpPr>
         <p:spPr>
           <a:xfrm>
-            <a:off x="2846261" y="2611730"/>
-            <a:ext cx="3400764" cy="738664"/>
+            <a:off x="2795328" y="2419350"/>
+            <a:ext cx="3400764" cy="954107"/>
           </a:xfrm>
           <a:prstGeom prst="rect">
             <a:avLst/>
@@ -5908,6 +5908,16 @@
             <a:r>
               <a:rPr lang="en-US" sz="1400" dirty="0"/>
               <a:t>Co-routed or non-co-routed </a:t>
+            </a:r>
+          </a:p>
+          <a:p>
+            <a:pPr marL="285750" indent="-285750">
+              <a:buFont typeface="Arial" charset="0"/>
+              <a:buChar char="•"/>
+            </a:pPr>
+            <a:r>
+              <a:rPr lang="en-US" sz="1400" dirty="0"/>
+              <a:t>B flag in RP object</a:t>
             </a:r>
           </a:p>
         </p:txBody>
@@ -6870,8 +6880,8 @@
         </p:nvSpPr>
         <p:spPr>
           <a:xfrm>
-            <a:off x="2846261" y="2611730"/>
-            <a:ext cx="3400764" cy="738664"/>
+            <a:off x="2798703" y="2434805"/>
+            <a:ext cx="3400764" cy="954107"/>
           </a:xfrm>
           <a:prstGeom prst="rect">
             <a:avLst/>
@@ -6920,6 +6930,16 @@
             <a:r>
               <a:rPr lang="en-US" sz="1400" dirty="0"/>
               <a:t>Co-routed or non-co-routed </a:t>
+            </a:r>
+          </a:p>
+          <a:p>
+            <a:pPr marL="285750" indent="-285750">
+              <a:buFont typeface="Arial" charset="0"/>
+              <a:buChar char="•"/>
+            </a:pPr>
+            <a:r>
+              <a:rPr lang="en-US" sz="1400" dirty="0"/>
+              <a:t>B flag in RP object</a:t>
             </a:r>
           </a:p>
         </p:txBody>
@@ -8174,18 +8194,6 @@
               </a:rPr>
               <a:t>Welcome your review comments and suggestions</a:t>
             </a:r>
-          </a:p>
-          <a:p>
-            <a:pPr lvl="0"/>
-            <a:r>
-              <a:rPr lang="en-US" sz="2800" dirty="0"/>
-              <a:t>Add in Queue for WG LC?</a:t>
-            </a:r>
-            <a:endParaRPr lang="en-US" sz="2800" dirty="0">
-              <a:latin typeface="Calibri" charset="0"/>
-              <a:ea typeface="Calibri" charset="0"/>
-              <a:cs typeface="Calibri" charset="0"/>
-            </a:endParaRPr>
           </a:p>
         </p:txBody>
       </p:sp>

--- a/draft-ietf-pce-sr-bidir-path-02.pptx
+++ b/draft-ietf-pce-sr-bidir-path-02.pptx
@@ -5430,7 +5430,7 @@
             </a:pPr>
             <a:r>
               <a:rPr lang="en-US" sz="1600" dirty="0"/>
-              <a:t>Associating a bidirectional SR Path with an RSVP LSP</a:t>
+              <a:t>Associating a bidirectional SR Path with an RSVP-TE LSP</a:t>
             </a:r>
           </a:p>
           <a:p>
